--- a/2_pLoT_philosophy.pptx
+++ b/2_pLoT_philosophy.pptx
@@ -29,8 +29,8 @@
     <p:sldId id="287" r:id="rId20"/>
     <p:sldId id="288" r:id="rId21"/>
     <p:sldId id="295" r:id="rId22"/>
-    <p:sldId id="301" r:id="rId23"/>
-    <p:sldId id="292" r:id="rId24"/>
+    <p:sldId id="292" r:id="rId23"/>
+    <p:sldId id="301" r:id="rId24"/>
   </p:sldIdLst>
   <p:sldSz cx="12192000" cy="6858000"/>
   <p:notesSz cx="6858000" cy="9144000"/>
@@ -222,7 +222,7 @@
           <a:p>
             <a:fld id="{06253CCA-C154-4C2A-AEFE-CC2D929D183B}" type="datetimeFigureOut">
               <a:rPr lang="en-DE" smtClean="0"/>
-              <a:t>08/04/2022</a:t>
+              <a:t>25/04/2022</a:t>
             </a:fld>
             <a:endParaRPr lang="en-DE"/>
           </a:p>
@@ -995,7 +995,7 @@
           <a:p>
             <a:fld id="{ED94CEEB-4757-4CEF-A2B8-DD5B351715CD}" type="datetimeFigureOut">
               <a:rPr lang="en-DE" smtClean="0"/>
-              <a:t>08/04/2022</a:t>
+              <a:t>25/04/2022</a:t>
             </a:fld>
             <a:endParaRPr lang="en-DE"/>
           </a:p>
@@ -1246,7 +1246,7 @@
           <a:p>
             <a:fld id="{ED94CEEB-4757-4CEF-A2B8-DD5B351715CD}" type="datetimeFigureOut">
               <a:rPr lang="en-DE" smtClean="0"/>
-              <a:t>08/04/2022</a:t>
+              <a:t>25/04/2022</a:t>
             </a:fld>
             <a:endParaRPr lang="en-DE"/>
           </a:p>
@@ -1456,7 +1456,7 @@
           <a:p>
             <a:fld id="{ED94CEEB-4757-4CEF-A2B8-DD5B351715CD}" type="datetimeFigureOut">
               <a:rPr lang="en-DE" smtClean="0"/>
-              <a:t>08/04/2022</a:t>
+              <a:t>25/04/2022</a:t>
             </a:fld>
             <a:endParaRPr lang="en-DE"/>
           </a:p>
@@ -1690,7 +1690,7 @@
           <a:p>
             <a:fld id="{ED94CEEB-4757-4CEF-A2B8-DD5B351715CD}" type="datetimeFigureOut">
               <a:rPr lang="en-DE" smtClean="0"/>
-              <a:t>08/04/2022</a:t>
+              <a:t>25/04/2022</a:t>
             </a:fld>
             <a:endParaRPr lang="en-DE"/>
           </a:p>
@@ -2013,7 +2013,7 @@
           <a:p>
             <a:fld id="{ED94CEEB-4757-4CEF-A2B8-DD5B351715CD}" type="datetimeFigureOut">
               <a:rPr lang="en-DE" smtClean="0"/>
-              <a:t>08/04/2022</a:t>
+              <a:t>25/04/2022</a:t>
             </a:fld>
             <a:endParaRPr lang="en-DE"/>
           </a:p>
@@ -2281,7 +2281,7 @@
           <a:p>
             <a:fld id="{ED94CEEB-4757-4CEF-A2B8-DD5B351715CD}" type="datetimeFigureOut">
               <a:rPr lang="en-DE" smtClean="0"/>
-              <a:t>08/04/2022</a:t>
+              <a:t>25/04/2022</a:t>
             </a:fld>
             <a:endParaRPr lang="en-DE"/>
           </a:p>
@@ -2696,7 +2696,7 @@
           <a:p>
             <a:fld id="{ED94CEEB-4757-4CEF-A2B8-DD5B351715CD}" type="datetimeFigureOut">
               <a:rPr lang="en-DE" smtClean="0"/>
-              <a:t>08/04/2022</a:t>
+              <a:t>25/04/2022</a:t>
             </a:fld>
             <a:endParaRPr lang="en-DE"/>
           </a:p>
@@ -2838,7 +2838,7 @@
           <a:p>
             <a:fld id="{ED94CEEB-4757-4CEF-A2B8-DD5B351715CD}" type="datetimeFigureOut">
               <a:rPr lang="en-DE" smtClean="0"/>
-              <a:t>08/04/2022</a:t>
+              <a:t>25/04/2022</a:t>
             </a:fld>
             <a:endParaRPr lang="en-DE"/>
           </a:p>
@@ -2951,7 +2951,7 @@
           <a:p>
             <a:fld id="{ED94CEEB-4757-4CEF-A2B8-DD5B351715CD}" type="datetimeFigureOut">
               <a:rPr lang="en-DE" smtClean="0"/>
-              <a:t>08/04/2022</a:t>
+              <a:t>25/04/2022</a:t>
             </a:fld>
             <a:endParaRPr lang="en-DE"/>
           </a:p>
@@ -3264,7 +3264,7 @@
           <a:p>
             <a:fld id="{ED94CEEB-4757-4CEF-A2B8-DD5B351715CD}" type="datetimeFigureOut">
               <a:rPr lang="en-DE" smtClean="0"/>
-              <a:t>08/04/2022</a:t>
+              <a:t>25/04/2022</a:t>
             </a:fld>
             <a:endParaRPr lang="en-DE"/>
           </a:p>
@@ -3553,7 +3553,7 @@
           <a:p>
             <a:fld id="{ED94CEEB-4757-4CEF-A2B8-DD5B351715CD}" type="datetimeFigureOut">
               <a:rPr lang="en-DE" smtClean="0"/>
-              <a:t>08/04/2022</a:t>
+              <a:t>25/04/2022</a:t>
             </a:fld>
             <a:endParaRPr lang="en-DE"/>
           </a:p>
@@ -3796,7 +3796,7 @@
           <a:p>
             <a:fld id="{ED94CEEB-4757-4CEF-A2B8-DD5B351715CD}" type="datetimeFigureOut">
               <a:rPr lang="en-DE" smtClean="0"/>
-              <a:t>08/04/2022</a:t>
+              <a:t>25/04/2022</a:t>
             </a:fld>
             <a:endParaRPr lang="en-DE"/>
           </a:p>
@@ -4449,6 +4449,183 @@
   <p:clrMapOvr>
     <a:masterClrMapping/>
   </p:clrMapOvr>
+  <p:timing>
+    <p:tnLst>
+      <p:par>
+        <p:cTn id="1" dur="indefinite" restart="never" nodeType="tmRoot">
+          <p:childTnLst>
+            <p:seq concurrent="1" nextAc="seek">
+              <p:cTn id="2" dur="indefinite" nodeType="mainSeq">
+                <p:childTnLst>
+                  <p:par>
+                    <p:cTn id="3" fill="hold">
+                      <p:stCondLst>
+                        <p:cond delay="indefinite"/>
+                      </p:stCondLst>
+                      <p:childTnLst>
+                        <p:par>
+                          <p:cTn id="4" fill="hold">
+                            <p:stCondLst>
+                              <p:cond delay="0"/>
+                            </p:stCondLst>
+                            <p:childTnLst>
+                              <p:par>
+                                <p:cTn id="5" presetID="1" presetClass="entr" presetSubtype="0" fill="hold" nodeType="clickEffect">
+                                  <p:stCondLst>
+                                    <p:cond delay="0"/>
+                                  </p:stCondLst>
+                                  <p:childTnLst>
+                                    <p:set>
+                                      <p:cBhvr>
+                                        <p:cTn id="6" dur="1" fill="hold">
+                                          <p:stCondLst>
+                                            <p:cond delay="0"/>
+                                          </p:stCondLst>
+                                        </p:cTn>
+                                        <p:tgtEl>
+                                          <p:spTgt spid="3">
+                                            <p:txEl>
+                                              <p:pRg st="0" end="0"/>
+                                            </p:txEl>
+                                          </p:spTgt>
+                                        </p:tgtEl>
+                                        <p:attrNameLst>
+                                          <p:attrName>style.visibility</p:attrName>
+                                        </p:attrNameLst>
+                                      </p:cBhvr>
+                                      <p:to>
+                                        <p:strVal val="visible"/>
+                                      </p:to>
+                                    </p:set>
+                                  </p:childTnLst>
+                                </p:cTn>
+                              </p:par>
+                            </p:childTnLst>
+                          </p:cTn>
+                        </p:par>
+                      </p:childTnLst>
+                    </p:cTn>
+                  </p:par>
+                  <p:par>
+                    <p:cTn id="7" fill="hold">
+                      <p:stCondLst>
+                        <p:cond delay="indefinite"/>
+                      </p:stCondLst>
+                      <p:childTnLst>
+                        <p:par>
+                          <p:cTn id="8" fill="hold">
+                            <p:stCondLst>
+                              <p:cond delay="0"/>
+                            </p:stCondLst>
+                            <p:childTnLst>
+                              <p:par>
+                                <p:cTn id="9" presetID="1" presetClass="entr" presetSubtype="0" fill="hold" nodeType="clickEffect">
+                                  <p:stCondLst>
+                                    <p:cond delay="0"/>
+                                  </p:stCondLst>
+                                  <p:childTnLst>
+                                    <p:set>
+                                      <p:cBhvr>
+                                        <p:cTn id="10" dur="1" fill="hold">
+                                          <p:stCondLst>
+                                            <p:cond delay="0"/>
+                                          </p:stCondLst>
+                                        </p:cTn>
+                                        <p:tgtEl>
+                                          <p:spTgt spid="3">
+                                            <p:txEl>
+                                              <p:pRg st="1" end="1"/>
+                                            </p:txEl>
+                                          </p:spTgt>
+                                        </p:tgtEl>
+                                        <p:attrNameLst>
+                                          <p:attrName>style.visibility</p:attrName>
+                                        </p:attrNameLst>
+                                      </p:cBhvr>
+                                      <p:to>
+                                        <p:strVal val="visible"/>
+                                      </p:to>
+                                    </p:set>
+                                  </p:childTnLst>
+                                </p:cTn>
+                              </p:par>
+                            </p:childTnLst>
+                          </p:cTn>
+                        </p:par>
+                      </p:childTnLst>
+                    </p:cTn>
+                  </p:par>
+                  <p:par>
+                    <p:cTn id="11" fill="hold">
+                      <p:stCondLst>
+                        <p:cond delay="indefinite"/>
+                      </p:stCondLst>
+                      <p:childTnLst>
+                        <p:par>
+                          <p:cTn id="12" fill="hold">
+                            <p:stCondLst>
+                              <p:cond delay="0"/>
+                            </p:stCondLst>
+                            <p:childTnLst>
+                              <p:par>
+                                <p:cTn id="13" presetID="1" presetClass="entr" presetSubtype="0" fill="hold" nodeType="clickEffect">
+                                  <p:stCondLst>
+                                    <p:cond delay="0"/>
+                                  </p:stCondLst>
+                                  <p:childTnLst>
+                                    <p:set>
+                                      <p:cBhvr>
+                                        <p:cTn id="14" dur="1" fill="hold">
+                                          <p:stCondLst>
+                                            <p:cond delay="0"/>
+                                          </p:stCondLst>
+                                        </p:cTn>
+                                        <p:tgtEl>
+                                          <p:spTgt spid="3">
+                                            <p:txEl>
+                                              <p:pRg st="2" end="2"/>
+                                            </p:txEl>
+                                          </p:spTgt>
+                                        </p:tgtEl>
+                                        <p:attrNameLst>
+                                          <p:attrName>style.visibility</p:attrName>
+                                        </p:attrNameLst>
+                                      </p:cBhvr>
+                                      <p:to>
+                                        <p:strVal val="visible"/>
+                                      </p:to>
+                                    </p:set>
+                                  </p:childTnLst>
+                                </p:cTn>
+                              </p:par>
+                            </p:childTnLst>
+                          </p:cTn>
+                        </p:par>
+                      </p:childTnLst>
+                    </p:cTn>
+                  </p:par>
+                </p:childTnLst>
+              </p:cTn>
+              <p:prevCondLst>
+                <p:cond evt="onPrev" delay="0">
+                  <p:tgtEl>
+                    <p:sldTgt/>
+                  </p:tgtEl>
+                </p:cond>
+              </p:prevCondLst>
+              <p:nextCondLst>
+                <p:cond evt="onNext" delay="0">
+                  <p:tgtEl>
+                    <p:sldTgt/>
+                  </p:tgtEl>
+                </p:cond>
+              </p:nextCondLst>
+            </p:seq>
+          </p:childTnLst>
+        </p:cTn>
+      </p:par>
+    </p:tnLst>
+  </p:timing>
 </p:sld>
 </file>
 
@@ -4611,6 +4788,330 @@
   <p:clrMapOvr>
     <a:masterClrMapping/>
   </p:clrMapOvr>
+  <p:timing>
+    <p:tnLst>
+      <p:par>
+        <p:cTn id="1" dur="indefinite" restart="never" nodeType="tmRoot">
+          <p:childTnLst>
+            <p:seq concurrent="1" nextAc="seek">
+              <p:cTn id="2" dur="indefinite" nodeType="mainSeq">
+                <p:childTnLst>
+                  <p:par>
+                    <p:cTn id="3" fill="hold">
+                      <p:stCondLst>
+                        <p:cond delay="indefinite"/>
+                      </p:stCondLst>
+                      <p:childTnLst>
+                        <p:par>
+                          <p:cTn id="4" fill="hold">
+                            <p:stCondLst>
+                              <p:cond delay="0"/>
+                            </p:stCondLst>
+                            <p:childTnLst>
+                              <p:par>
+                                <p:cTn id="5" presetID="1" presetClass="entr" presetSubtype="0" fill="hold" nodeType="clickEffect">
+                                  <p:stCondLst>
+                                    <p:cond delay="0"/>
+                                  </p:stCondLst>
+                                  <p:childTnLst>
+                                    <p:set>
+                                      <p:cBhvr>
+                                        <p:cTn id="6" dur="1" fill="hold">
+                                          <p:stCondLst>
+                                            <p:cond delay="0"/>
+                                          </p:stCondLst>
+                                        </p:cTn>
+                                        <p:tgtEl>
+                                          <p:spTgt spid="3">
+                                            <p:txEl>
+                                              <p:pRg st="0" end="0"/>
+                                            </p:txEl>
+                                          </p:spTgt>
+                                        </p:tgtEl>
+                                        <p:attrNameLst>
+                                          <p:attrName>style.visibility</p:attrName>
+                                        </p:attrNameLst>
+                                      </p:cBhvr>
+                                      <p:to>
+                                        <p:strVal val="visible"/>
+                                      </p:to>
+                                    </p:set>
+                                  </p:childTnLst>
+                                </p:cTn>
+                              </p:par>
+                            </p:childTnLst>
+                          </p:cTn>
+                        </p:par>
+                      </p:childTnLst>
+                    </p:cTn>
+                  </p:par>
+                  <p:par>
+                    <p:cTn id="7" fill="hold">
+                      <p:stCondLst>
+                        <p:cond delay="indefinite"/>
+                      </p:stCondLst>
+                      <p:childTnLst>
+                        <p:par>
+                          <p:cTn id="8" fill="hold">
+                            <p:stCondLst>
+                              <p:cond delay="0"/>
+                            </p:stCondLst>
+                            <p:childTnLst>
+                              <p:par>
+                                <p:cTn id="9" presetID="1" presetClass="entr" presetSubtype="0" fill="hold" nodeType="clickEffect">
+                                  <p:stCondLst>
+                                    <p:cond delay="0"/>
+                                  </p:stCondLst>
+                                  <p:childTnLst>
+                                    <p:set>
+                                      <p:cBhvr>
+                                        <p:cTn id="10" dur="1" fill="hold">
+                                          <p:stCondLst>
+                                            <p:cond delay="0"/>
+                                          </p:stCondLst>
+                                        </p:cTn>
+                                        <p:tgtEl>
+                                          <p:spTgt spid="3">
+                                            <p:txEl>
+                                              <p:pRg st="1" end="1"/>
+                                            </p:txEl>
+                                          </p:spTgt>
+                                        </p:tgtEl>
+                                        <p:attrNameLst>
+                                          <p:attrName>style.visibility</p:attrName>
+                                        </p:attrNameLst>
+                                      </p:cBhvr>
+                                      <p:to>
+                                        <p:strVal val="visible"/>
+                                      </p:to>
+                                    </p:set>
+                                  </p:childTnLst>
+                                </p:cTn>
+                              </p:par>
+                            </p:childTnLst>
+                          </p:cTn>
+                        </p:par>
+                      </p:childTnLst>
+                    </p:cTn>
+                  </p:par>
+                  <p:par>
+                    <p:cTn id="11" fill="hold">
+                      <p:stCondLst>
+                        <p:cond delay="indefinite"/>
+                      </p:stCondLst>
+                      <p:childTnLst>
+                        <p:par>
+                          <p:cTn id="12" fill="hold">
+                            <p:stCondLst>
+                              <p:cond delay="0"/>
+                            </p:stCondLst>
+                            <p:childTnLst>
+                              <p:par>
+                                <p:cTn id="13" presetID="1" presetClass="entr" presetSubtype="0" fill="hold" nodeType="clickEffect">
+                                  <p:stCondLst>
+                                    <p:cond delay="0"/>
+                                  </p:stCondLst>
+                                  <p:childTnLst>
+                                    <p:set>
+                                      <p:cBhvr>
+                                        <p:cTn id="14" dur="1" fill="hold">
+                                          <p:stCondLst>
+                                            <p:cond delay="0"/>
+                                          </p:stCondLst>
+                                        </p:cTn>
+                                        <p:tgtEl>
+                                          <p:spTgt spid="3">
+                                            <p:txEl>
+                                              <p:pRg st="2" end="2"/>
+                                            </p:txEl>
+                                          </p:spTgt>
+                                        </p:tgtEl>
+                                        <p:attrNameLst>
+                                          <p:attrName>style.visibility</p:attrName>
+                                        </p:attrNameLst>
+                                      </p:cBhvr>
+                                      <p:to>
+                                        <p:strVal val="visible"/>
+                                      </p:to>
+                                    </p:set>
+                                  </p:childTnLst>
+                                </p:cTn>
+                              </p:par>
+                            </p:childTnLst>
+                          </p:cTn>
+                        </p:par>
+                      </p:childTnLst>
+                    </p:cTn>
+                  </p:par>
+                  <p:par>
+                    <p:cTn id="15" fill="hold">
+                      <p:stCondLst>
+                        <p:cond delay="indefinite"/>
+                      </p:stCondLst>
+                      <p:childTnLst>
+                        <p:par>
+                          <p:cTn id="16" fill="hold">
+                            <p:stCondLst>
+                              <p:cond delay="0"/>
+                            </p:stCondLst>
+                            <p:childTnLst>
+                              <p:par>
+                                <p:cTn id="17" presetID="1" presetClass="entr" presetSubtype="0" fill="hold" nodeType="clickEffect">
+                                  <p:stCondLst>
+                                    <p:cond delay="0"/>
+                                  </p:stCondLst>
+                                  <p:childTnLst>
+                                    <p:set>
+                                      <p:cBhvr>
+                                        <p:cTn id="18" dur="1" fill="hold">
+                                          <p:stCondLst>
+                                            <p:cond delay="0"/>
+                                          </p:stCondLst>
+                                        </p:cTn>
+                                        <p:tgtEl>
+                                          <p:spTgt spid="3">
+                                            <p:txEl>
+                                              <p:pRg st="3" end="3"/>
+                                            </p:txEl>
+                                          </p:spTgt>
+                                        </p:tgtEl>
+                                        <p:attrNameLst>
+                                          <p:attrName>style.visibility</p:attrName>
+                                        </p:attrNameLst>
+                                      </p:cBhvr>
+                                      <p:to>
+                                        <p:strVal val="visible"/>
+                                      </p:to>
+                                    </p:set>
+                                  </p:childTnLst>
+                                </p:cTn>
+                              </p:par>
+                            </p:childTnLst>
+                          </p:cTn>
+                        </p:par>
+                      </p:childTnLst>
+                    </p:cTn>
+                  </p:par>
+                  <p:par>
+                    <p:cTn id="19" fill="hold">
+                      <p:stCondLst>
+                        <p:cond delay="indefinite"/>
+                      </p:stCondLst>
+                      <p:childTnLst>
+                        <p:par>
+                          <p:cTn id="20" fill="hold">
+                            <p:stCondLst>
+                              <p:cond delay="0"/>
+                            </p:stCondLst>
+                            <p:childTnLst>
+                              <p:par>
+                                <p:cTn id="21" presetID="1" presetClass="entr" presetSubtype="0" fill="hold" nodeType="clickEffect">
+                                  <p:stCondLst>
+                                    <p:cond delay="0"/>
+                                  </p:stCondLst>
+                                  <p:childTnLst>
+                                    <p:set>
+                                      <p:cBhvr>
+                                        <p:cTn id="22" dur="1" fill="hold">
+                                          <p:stCondLst>
+                                            <p:cond delay="0"/>
+                                          </p:stCondLst>
+                                        </p:cTn>
+                                        <p:tgtEl>
+                                          <p:spTgt spid="3">
+                                            <p:txEl>
+                                              <p:pRg st="4" end="4"/>
+                                            </p:txEl>
+                                          </p:spTgt>
+                                        </p:tgtEl>
+                                        <p:attrNameLst>
+                                          <p:attrName>style.visibility</p:attrName>
+                                        </p:attrNameLst>
+                                      </p:cBhvr>
+                                      <p:to>
+                                        <p:strVal val="visible"/>
+                                      </p:to>
+                                    </p:set>
+                                  </p:childTnLst>
+                                </p:cTn>
+                              </p:par>
+                            </p:childTnLst>
+                          </p:cTn>
+                        </p:par>
+                      </p:childTnLst>
+                    </p:cTn>
+                  </p:par>
+                  <p:par>
+                    <p:cTn id="23" fill="hold">
+                      <p:stCondLst>
+                        <p:cond delay="indefinite"/>
+                      </p:stCondLst>
+                      <p:childTnLst>
+                        <p:par>
+                          <p:cTn id="24" fill="hold">
+                            <p:stCondLst>
+                              <p:cond delay="0"/>
+                            </p:stCondLst>
+                            <p:childTnLst>
+                              <p:par>
+                                <p:cTn id="25" presetID="1" presetClass="entr" presetSubtype="0" fill="hold" nodeType="clickEffect">
+                                  <p:stCondLst>
+                                    <p:cond delay="0"/>
+                                  </p:stCondLst>
+                                  <p:childTnLst>
+                                    <p:set>
+                                      <p:cBhvr>
+                                        <p:cTn id="26" dur="1" fill="hold">
+                                          <p:stCondLst>
+                                            <p:cond delay="0"/>
+                                          </p:stCondLst>
+                                        </p:cTn>
+                                        <p:tgtEl>
+                                          <p:spTgt spid="3">
+                                            <p:txEl>
+                                              <p:pRg st="5" end="5"/>
+                                            </p:txEl>
+                                          </p:spTgt>
+                                        </p:tgtEl>
+                                        <p:attrNameLst>
+                                          <p:attrName>style.visibility</p:attrName>
+                                        </p:attrNameLst>
+                                      </p:cBhvr>
+                                      <p:to>
+                                        <p:strVal val="visible"/>
+                                      </p:to>
+                                    </p:set>
+                                  </p:childTnLst>
+                                </p:cTn>
+                              </p:par>
+                            </p:childTnLst>
+                          </p:cTn>
+                        </p:par>
+                      </p:childTnLst>
+                    </p:cTn>
+                  </p:par>
+                </p:childTnLst>
+              </p:cTn>
+              <p:prevCondLst>
+                <p:cond evt="onPrev" delay="0">
+                  <p:tgtEl>
+                    <p:sldTgt/>
+                  </p:tgtEl>
+                </p:cond>
+              </p:prevCondLst>
+              <p:nextCondLst>
+                <p:cond evt="onNext" delay="0">
+                  <p:tgtEl>
+                    <p:sldTgt/>
+                  </p:tgtEl>
+                </p:cond>
+              </p:nextCondLst>
+            </p:seq>
+          </p:childTnLst>
+        </p:cTn>
+      </p:par>
+    </p:tnLst>
+  </p:timing>
 </p:sld>
 </file>
 
@@ -4890,6 +5391,477 @@
   <p:clrMapOvr>
     <a:masterClrMapping/>
   </p:clrMapOvr>
+  <p:timing>
+    <p:tnLst>
+      <p:par>
+        <p:cTn id="1" dur="indefinite" restart="never" nodeType="tmRoot">
+          <p:childTnLst>
+            <p:seq concurrent="1" nextAc="seek">
+              <p:cTn id="2" dur="indefinite" nodeType="mainSeq">
+                <p:childTnLst>
+                  <p:par>
+                    <p:cTn id="3" fill="hold">
+                      <p:stCondLst>
+                        <p:cond delay="indefinite"/>
+                      </p:stCondLst>
+                      <p:childTnLst>
+                        <p:par>
+                          <p:cTn id="4" fill="hold">
+                            <p:stCondLst>
+                              <p:cond delay="0"/>
+                            </p:stCondLst>
+                            <p:childTnLst>
+                              <p:par>
+                                <p:cTn id="5" presetID="1" presetClass="entr" presetSubtype="0" fill="hold" nodeType="clickEffect">
+                                  <p:stCondLst>
+                                    <p:cond delay="0"/>
+                                  </p:stCondLst>
+                                  <p:childTnLst>
+                                    <p:set>
+                                      <p:cBhvr>
+                                        <p:cTn id="6" dur="1" fill="hold">
+                                          <p:stCondLst>
+                                            <p:cond delay="0"/>
+                                          </p:stCondLst>
+                                        </p:cTn>
+                                        <p:tgtEl>
+                                          <p:spTgt spid="3">
+                                            <p:txEl>
+                                              <p:pRg st="0" end="0"/>
+                                            </p:txEl>
+                                          </p:spTgt>
+                                        </p:tgtEl>
+                                        <p:attrNameLst>
+                                          <p:attrName>style.visibility</p:attrName>
+                                        </p:attrNameLst>
+                                      </p:cBhvr>
+                                      <p:to>
+                                        <p:strVal val="visible"/>
+                                      </p:to>
+                                    </p:set>
+                                  </p:childTnLst>
+                                </p:cTn>
+                              </p:par>
+                            </p:childTnLst>
+                          </p:cTn>
+                        </p:par>
+                      </p:childTnLst>
+                    </p:cTn>
+                  </p:par>
+                  <p:par>
+                    <p:cTn id="7" fill="hold">
+                      <p:stCondLst>
+                        <p:cond delay="indefinite"/>
+                      </p:stCondLst>
+                      <p:childTnLst>
+                        <p:par>
+                          <p:cTn id="8" fill="hold">
+                            <p:stCondLst>
+                              <p:cond delay="0"/>
+                            </p:stCondLst>
+                            <p:childTnLst>
+                              <p:par>
+                                <p:cTn id="9" presetID="1" presetClass="entr" presetSubtype="0" fill="hold" nodeType="clickEffect">
+                                  <p:stCondLst>
+                                    <p:cond delay="0"/>
+                                  </p:stCondLst>
+                                  <p:childTnLst>
+                                    <p:set>
+                                      <p:cBhvr>
+                                        <p:cTn id="10" dur="1" fill="hold">
+                                          <p:stCondLst>
+                                            <p:cond delay="0"/>
+                                          </p:stCondLst>
+                                        </p:cTn>
+                                        <p:tgtEl>
+                                          <p:spTgt spid="3">
+                                            <p:txEl>
+                                              <p:pRg st="1" end="1"/>
+                                            </p:txEl>
+                                          </p:spTgt>
+                                        </p:tgtEl>
+                                        <p:attrNameLst>
+                                          <p:attrName>style.visibility</p:attrName>
+                                        </p:attrNameLst>
+                                      </p:cBhvr>
+                                      <p:to>
+                                        <p:strVal val="visible"/>
+                                      </p:to>
+                                    </p:set>
+                                  </p:childTnLst>
+                                </p:cTn>
+                              </p:par>
+                            </p:childTnLst>
+                          </p:cTn>
+                        </p:par>
+                      </p:childTnLst>
+                    </p:cTn>
+                  </p:par>
+                  <p:par>
+                    <p:cTn id="11" fill="hold">
+                      <p:stCondLst>
+                        <p:cond delay="indefinite"/>
+                      </p:stCondLst>
+                      <p:childTnLst>
+                        <p:par>
+                          <p:cTn id="12" fill="hold">
+                            <p:stCondLst>
+                              <p:cond delay="0"/>
+                            </p:stCondLst>
+                            <p:childTnLst>
+                              <p:par>
+                                <p:cTn id="13" presetID="1" presetClass="entr" presetSubtype="0" fill="hold" nodeType="clickEffect">
+                                  <p:stCondLst>
+                                    <p:cond delay="0"/>
+                                  </p:stCondLst>
+                                  <p:childTnLst>
+                                    <p:set>
+                                      <p:cBhvr>
+                                        <p:cTn id="14" dur="1" fill="hold">
+                                          <p:stCondLst>
+                                            <p:cond delay="0"/>
+                                          </p:stCondLst>
+                                        </p:cTn>
+                                        <p:tgtEl>
+                                          <p:spTgt spid="3">
+                                            <p:txEl>
+                                              <p:pRg st="2" end="2"/>
+                                            </p:txEl>
+                                          </p:spTgt>
+                                        </p:tgtEl>
+                                        <p:attrNameLst>
+                                          <p:attrName>style.visibility</p:attrName>
+                                        </p:attrNameLst>
+                                      </p:cBhvr>
+                                      <p:to>
+                                        <p:strVal val="visible"/>
+                                      </p:to>
+                                    </p:set>
+                                  </p:childTnLst>
+                                </p:cTn>
+                              </p:par>
+                            </p:childTnLst>
+                          </p:cTn>
+                        </p:par>
+                      </p:childTnLst>
+                    </p:cTn>
+                  </p:par>
+                  <p:par>
+                    <p:cTn id="15" fill="hold">
+                      <p:stCondLst>
+                        <p:cond delay="indefinite"/>
+                      </p:stCondLst>
+                      <p:childTnLst>
+                        <p:par>
+                          <p:cTn id="16" fill="hold">
+                            <p:stCondLst>
+                              <p:cond delay="0"/>
+                            </p:stCondLst>
+                            <p:childTnLst>
+                              <p:par>
+                                <p:cTn id="17" presetID="1" presetClass="entr" presetSubtype="0" fill="hold" nodeType="clickEffect">
+                                  <p:stCondLst>
+                                    <p:cond delay="0"/>
+                                  </p:stCondLst>
+                                  <p:childTnLst>
+                                    <p:set>
+                                      <p:cBhvr>
+                                        <p:cTn id="18" dur="1" fill="hold">
+                                          <p:stCondLst>
+                                            <p:cond delay="0"/>
+                                          </p:stCondLst>
+                                        </p:cTn>
+                                        <p:tgtEl>
+                                          <p:spTgt spid="3">
+                                            <p:txEl>
+                                              <p:pRg st="3" end="3"/>
+                                            </p:txEl>
+                                          </p:spTgt>
+                                        </p:tgtEl>
+                                        <p:attrNameLst>
+                                          <p:attrName>style.visibility</p:attrName>
+                                        </p:attrNameLst>
+                                      </p:cBhvr>
+                                      <p:to>
+                                        <p:strVal val="visible"/>
+                                      </p:to>
+                                    </p:set>
+                                  </p:childTnLst>
+                                </p:cTn>
+                              </p:par>
+                            </p:childTnLst>
+                          </p:cTn>
+                        </p:par>
+                      </p:childTnLst>
+                    </p:cTn>
+                  </p:par>
+                  <p:par>
+                    <p:cTn id="19" fill="hold">
+                      <p:stCondLst>
+                        <p:cond delay="indefinite"/>
+                      </p:stCondLst>
+                      <p:childTnLst>
+                        <p:par>
+                          <p:cTn id="20" fill="hold">
+                            <p:stCondLst>
+                              <p:cond delay="0"/>
+                            </p:stCondLst>
+                            <p:childTnLst>
+                              <p:par>
+                                <p:cTn id="21" presetID="1" presetClass="entr" presetSubtype="0" fill="hold" nodeType="clickEffect">
+                                  <p:stCondLst>
+                                    <p:cond delay="0"/>
+                                  </p:stCondLst>
+                                  <p:childTnLst>
+                                    <p:set>
+                                      <p:cBhvr>
+                                        <p:cTn id="22" dur="1" fill="hold">
+                                          <p:stCondLst>
+                                            <p:cond delay="0"/>
+                                          </p:stCondLst>
+                                        </p:cTn>
+                                        <p:tgtEl>
+                                          <p:spTgt spid="3">
+                                            <p:txEl>
+                                              <p:pRg st="4" end="4"/>
+                                            </p:txEl>
+                                          </p:spTgt>
+                                        </p:tgtEl>
+                                        <p:attrNameLst>
+                                          <p:attrName>style.visibility</p:attrName>
+                                        </p:attrNameLst>
+                                      </p:cBhvr>
+                                      <p:to>
+                                        <p:strVal val="visible"/>
+                                      </p:to>
+                                    </p:set>
+                                  </p:childTnLst>
+                                </p:cTn>
+                              </p:par>
+                            </p:childTnLst>
+                          </p:cTn>
+                        </p:par>
+                      </p:childTnLst>
+                    </p:cTn>
+                  </p:par>
+                  <p:par>
+                    <p:cTn id="23" fill="hold">
+                      <p:stCondLst>
+                        <p:cond delay="indefinite"/>
+                      </p:stCondLst>
+                      <p:childTnLst>
+                        <p:par>
+                          <p:cTn id="24" fill="hold">
+                            <p:stCondLst>
+                              <p:cond delay="0"/>
+                            </p:stCondLst>
+                            <p:childTnLst>
+                              <p:par>
+                                <p:cTn id="25" presetID="1" presetClass="entr" presetSubtype="0" fill="hold" nodeType="clickEffect">
+                                  <p:stCondLst>
+                                    <p:cond delay="0"/>
+                                  </p:stCondLst>
+                                  <p:childTnLst>
+                                    <p:set>
+                                      <p:cBhvr>
+                                        <p:cTn id="26" dur="1" fill="hold">
+                                          <p:stCondLst>
+                                            <p:cond delay="0"/>
+                                          </p:stCondLst>
+                                        </p:cTn>
+                                        <p:tgtEl>
+                                          <p:spTgt spid="3">
+                                            <p:txEl>
+                                              <p:pRg st="5" end="5"/>
+                                            </p:txEl>
+                                          </p:spTgt>
+                                        </p:tgtEl>
+                                        <p:attrNameLst>
+                                          <p:attrName>style.visibility</p:attrName>
+                                        </p:attrNameLst>
+                                      </p:cBhvr>
+                                      <p:to>
+                                        <p:strVal val="visible"/>
+                                      </p:to>
+                                    </p:set>
+                                  </p:childTnLst>
+                                </p:cTn>
+                              </p:par>
+                            </p:childTnLst>
+                          </p:cTn>
+                        </p:par>
+                      </p:childTnLst>
+                    </p:cTn>
+                  </p:par>
+                  <p:par>
+                    <p:cTn id="27" fill="hold">
+                      <p:stCondLst>
+                        <p:cond delay="indefinite"/>
+                      </p:stCondLst>
+                      <p:childTnLst>
+                        <p:par>
+                          <p:cTn id="28" fill="hold">
+                            <p:stCondLst>
+                              <p:cond delay="0"/>
+                            </p:stCondLst>
+                            <p:childTnLst>
+                              <p:par>
+                                <p:cTn id="29" presetID="1" presetClass="entr" presetSubtype="0" fill="hold" nodeType="clickEffect">
+                                  <p:stCondLst>
+                                    <p:cond delay="0"/>
+                                  </p:stCondLst>
+                                  <p:childTnLst>
+                                    <p:set>
+                                      <p:cBhvr>
+                                        <p:cTn id="30" dur="1" fill="hold">
+                                          <p:stCondLst>
+                                            <p:cond delay="0"/>
+                                          </p:stCondLst>
+                                        </p:cTn>
+                                        <p:tgtEl>
+                                          <p:spTgt spid="3">
+                                            <p:txEl>
+                                              <p:pRg st="6" end="6"/>
+                                            </p:txEl>
+                                          </p:spTgt>
+                                        </p:tgtEl>
+                                        <p:attrNameLst>
+                                          <p:attrName>style.visibility</p:attrName>
+                                        </p:attrNameLst>
+                                      </p:cBhvr>
+                                      <p:to>
+                                        <p:strVal val="visible"/>
+                                      </p:to>
+                                    </p:set>
+                                  </p:childTnLst>
+                                </p:cTn>
+                              </p:par>
+                            </p:childTnLst>
+                          </p:cTn>
+                        </p:par>
+                      </p:childTnLst>
+                    </p:cTn>
+                  </p:par>
+                  <p:par>
+                    <p:cTn id="31" fill="hold">
+                      <p:stCondLst>
+                        <p:cond delay="indefinite"/>
+                      </p:stCondLst>
+                      <p:childTnLst>
+                        <p:par>
+                          <p:cTn id="32" fill="hold">
+                            <p:stCondLst>
+                              <p:cond delay="0"/>
+                            </p:stCondLst>
+                            <p:childTnLst>
+                              <p:par>
+                                <p:cTn id="33" presetID="1" presetClass="entr" presetSubtype="0" fill="hold" nodeType="clickEffect">
+                                  <p:stCondLst>
+                                    <p:cond delay="0"/>
+                                  </p:stCondLst>
+                                  <p:childTnLst>
+                                    <p:set>
+                                      <p:cBhvr>
+                                        <p:cTn id="34" dur="1" fill="hold">
+                                          <p:stCondLst>
+                                            <p:cond delay="0"/>
+                                          </p:stCondLst>
+                                        </p:cTn>
+                                        <p:tgtEl>
+                                          <p:spTgt spid="3">
+                                            <p:txEl>
+                                              <p:pRg st="7" end="7"/>
+                                            </p:txEl>
+                                          </p:spTgt>
+                                        </p:tgtEl>
+                                        <p:attrNameLst>
+                                          <p:attrName>style.visibility</p:attrName>
+                                        </p:attrNameLst>
+                                      </p:cBhvr>
+                                      <p:to>
+                                        <p:strVal val="visible"/>
+                                      </p:to>
+                                    </p:set>
+                                  </p:childTnLst>
+                                </p:cTn>
+                              </p:par>
+                            </p:childTnLst>
+                          </p:cTn>
+                        </p:par>
+                      </p:childTnLst>
+                    </p:cTn>
+                  </p:par>
+                  <p:par>
+                    <p:cTn id="35" fill="hold">
+                      <p:stCondLst>
+                        <p:cond delay="indefinite"/>
+                      </p:stCondLst>
+                      <p:childTnLst>
+                        <p:par>
+                          <p:cTn id="36" fill="hold">
+                            <p:stCondLst>
+                              <p:cond delay="0"/>
+                            </p:stCondLst>
+                            <p:childTnLst>
+                              <p:par>
+                                <p:cTn id="37" presetID="1" presetClass="entr" presetSubtype="0" fill="hold" nodeType="clickEffect">
+                                  <p:stCondLst>
+                                    <p:cond delay="0"/>
+                                  </p:stCondLst>
+                                  <p:childTnLst>
+                                    <p:set>
+                                      <p:cBhvr>
+                                        <p:cTn id="38" dur="1" fill="hold">
+                                          <p:stCondLst>
+                                            <p:cond delay="0"/>
+                                          </p:stCondLst>
+                                        </p:cTn>
+                                        <p:tgtEl>
+                                          <p:spTgt spid="3">
+                                            <p:txEl>
+                                              <p:pRg st="8" end="8"/>
+                                            </p:txEl>
+                                          </p:spTgt>
+                                        </p:tgtEl>
+                                        <p:attrNameLst>
+                                          <p:attrName>style.visibility</p:attrName>
+                                        </p:attrNameLst>
+                                      </p:cBhvr>
+                                      <p:to>
+                                        <p:strVal val="visible"/>
+                                      </p:to>
+                                    </p:set>
+                                  </p:childTnLst>
+                                </p:cTn>
+                              </p:par>
+                            </p:childTnLst>
+                          </p:cTn>
+                        </p:par>
+                      </p:childTnLst>
+                    </p:cTn>
+                  </p:par>
+                </p:childTnLst>
+              </p:cTn>
+              <p:prevCondLst>
+                <p:cond evt="onPrev" delay="0">
+                  <p:tgtEl>
+                    <p:sldTgt/>
+                  </p:tgtEl>
+                </p:cond>
+              </p:prevCondLst>
+              <p:nextCondLst>
+                <p:cond evt="onNext" delay="0">
+                  <p:tgtEl>
+                    <p:sldTgt/>
+                  </p:tgtEl>
+                </p:cond>
+              </p:nextCondLst>
+            </p:seq>
+          </p:childTnLst>
+        </p:cTn>
+      </p:par>
+    </p:tnLst>
+  </p:timing>
 </p:sld>
 </file>
 
@@ -5085,6 +6057,526 @@
   <p:clrMapOvr>
     <a:masterClrMapping/>
   </p:clrMapOvr>
+  <p:timing>
+    <p:tnLst>
+      <p:par>
+        <p:cTn id="1" dur="indefinite" restart="never" nodeType="tmRoot">
+          <p:childTnLst>
+            <p:seq concurrent="1" nextAc="seek">
+              <p:cTn id="2" dur="indefinite" nodeType="mainSeq">
+                <p:childTnLst>
+                  <p:par>
+                    <p:cTn id="3" fill="hold">
+                      <p:stCondLst>
+                        <p:cond delay="indefinite"/>
+                      </p:stCondLst>
+                      <p:childTnLst>
+                        <p:par>
+                          <p:cTn id="4" fill="hold">
+                            <p:stCondLst>
+                              <p:cond delay="0"/>
+                            </p:stCondLst>
+                            <p:childTnLst>
+                              <p:par>
+                                <p:cTn id="5" presetID="1" presetClass="entr" presetSubtype="0" fill="hold" nodeType="clickEffect">
+                                  <p:stCondLst>
+                                    <p:cond delay="0"/>
+                                  </p:stCondLst>
+                                  <p:childTnLst>
+                                    <p:set>
+                                      <p:cBhvr>
+                                        <p:cTn id="6" dur="1" fill="hold">
+                                          <p:stCondLst>
+                                            <p:cond delay="0"/>
+                                          </p:stCondLst>
+                                        </p:cTn>
+                                        <p:tgtEl>
+                                          <p:spTgt spid="3">
+                                            <p:txEl>
+                                              <p:pRg st="0" end="0"/>
+                                            </p:txEl>
+                                          </p:spTgt>
+                                        </p:tgtEl>
+                                        <p:attrNameLst>
+                                          <p:attrName>style.visibility</p:attrName>
+                                        </p:attrNameLst>
+                                      </p:cBhvr>
+                                      <p:to>
+                                        <p:strVal val="visible"/>
+                                      </p:to>
+                                    </p:set>
+                                  </p:childTnLst>
+                                </p:cTn>
+                              </p:par>
+                            </p:childTnLst>
+                          </p:cTn>
+                        </p:par>
+                      </p:childTnLst>
+                    </p:cTn>
+                  </p:par>
+                  <p:par>
+                    <p:cTn id="7" fill="hold">
+                      <p:stCondLst>
+                        <p:cond delay="indefinite"/>
+                      </p:stCondLst>
+                      <p:childTnLst>
+                        <p:par>
+                          <p:cTn id="8" fill="hold">
+                            <p:stCondLst>
+                              <p:cond delay="0"/>
+                            </p:stCondLst>
+                            <p:childTnLst>
+                              <p:par>
+                                <p:cTn id="9" presetID="1" presetClass="entr" presetSubtype="0" fill="hold" nodeType="clickEffect">
+                                  <p:stCondLst>
+                                    <p:cond delay="0"/>
+                                  </p:stCondLst>
+                                  <p:childTnLst>
+                                    <p:set>
+                                      <p:cBhvr>
+                                        <p:cTn id="10" dur="1" fill="hold">
+                                          <p:stCondLst>
+                                            <p:cond delay="0"/>
+                                          </p:stCondLst>
+                                        </p:cTn>
+                                        <p:tgtEl>
+                                          <p:spTgt spid="3">
+                                            <p:txEl>
+                                              <p:pRg st="1" end="1"/>
+                                            </p:txEl>
+                                          </p:spTgt>
+                                        </p:tgtEl>
+                                        <p:attrNameLst>
+                                          <p:attrName>style.visibility</p:attrName>
+                                        </p:attrNameLst>
+                                      </p:cBhvr>
+                                      <p:to>
+                                        <p:strVal val="visible"/>
+                                      </p:to>
+                                    </p:set>
+                                  </p:childTnLst>
+                                </p:cTn>
+                              </p:par>
+                            </p:childTnLst>
+                          </p:cTn>
+                        </p:par>
+                      </p:childTnLst>
+                    </p:cTn>
+                  </p:par>
+                  <p:par>
+                    <p:cTn id="11" fill="hold">
+                      <p:stCondLst>
+                        <p:cond delay="indefinite"/>
+                      </p:stCondLst>
+                      <p:childTnLst>
+                        <p:par>
+                          <p:cTn id="12" fill="hold">
+                            <p:stCondLst>
+                              <p:cond delay="0"/>
+                            </p:stCondLst>
+                            <p:childTnLst>
+                              <p:par>
+                                <p:cTn id="13" presetID="1" presetClass="entr" presetSubtype="0" fill="hold" nodeType="clickEffect">
+                                  <p:stCondLst>
+                                    <p:cond delay="0"/>
+                                  </p:stCondLst>
+                                  <p:childTnLst>
+                                    <p:set>
+                                      <p:cBhvr>
+                                        <p:cTn id="14" dur="1" fill="hold">
+                                          <p:stCondLst>
+                                            <p:cond delay="0"/>
+                                          </p:stCondLst>
+                                        </p:cTn>
+                                        <p:tgtEl>
+                                          <p:spTgt spid="3">
+                                            <p:txEl>
+                                              <p:pRg st="2" end="2"/>
+                                            </p:txEl>
+                                          </p:spTgt>
+                                        </p:tgtEl>
+                                        <p:attrNameLst>
+                                          <p:attrName>style.visibility</p:attrName>
+                                        </p:attrNameLst>
+                                      </p:cBhvr>
+                                      <p:to>
+                                        <p:strVal val="visible"/>
+                                      </p:to>
+                                    </p:set>
+                                  </p:childTnLst>
+                                </p:cTn>
+                              </p:par>
+                            </p:childTnLst>
+                          </p:cTn>
+                        </p:par>
+                      </p:childTnLst>
+                    </p:cTn>
+                  </p:par>
+                  <p:par>
+                    <p:cTn id="15" fill="hold">
+                      <p:stCondLst>
+                        <p:cond delay="indefinite"/>
+                      </p:stCondLst>
+                      <p:childTnLst>
+                        <p:par>
+                          <p:cTn id="16" fill="hold">
+                            <p:stCondLst>
+                              <p:cond delay="0"/>
+                            </p:stCondLst>
+                            <p:childTnLst>
+                              <p:par>
+                                <p:cTn id="17" presetID="1" presetClass="entr" presetSubtype="0" fill="hold" nodeType="clickEffect">
+                                  <p:stCondLst>
+                                    <p:cond delay="0"/>
+                                  </p:stCondLst>
+                                  <p:childTnLst>
+                                    <p:set>
+                                      <p:cBhvr>
+                                        <p:cTn id="18" dur="1" fill="hold">
+                                          <p:stCondLst>
+                                            <p:cond delay="0"/>
+                                          </p:stCondLst>
+                                        </p:cTn>
+                                        <p:tgtEl>
+                                          <p:spTgt spid="3">
+                                            <p:txEl>
+                                              <p:pRg st="3" end="3"/>
+                                            </p:txEl>
+                                          </p:spTgt>
+                                        </p:tgtEl>
+                                        <p:attrNameLst>
+                                          <p:attrName>style.visibility</p:attrName>
+                                        </p:attrNameLst>
+                                      </p:cBhvr>
+                                      <p:to>
+                                        <p:strVal val="visible"/>
+                                      </p:to>
+                                    </p:set>
+                                  </p:childTnLst>
+                                </p:cTn>
+                              </p:par>
+                            </p:childTnLst>
+                          </p:cTn>
+                        </p:par>
+                      </p:childTnLst>
+                    </p:cTn>
+                  </p:par>
+                  <p:par>
+                    <p:cTn id="19" fill="hold">
+                      <p:stCondLst>
+                        <p:cond delay="indefinite"/>
+                      </p:stCondLst>
+                      <p:childTnLst>
+                        <p:par>
+                          <p:cTn id="20" fill="hold">
+                            <p:stCondLst>
+                              <p:cond delay="0"/>
+                            </p:stCondLst>
+                            <p:childTnLst>
+                              <p:par>
+                                <p:cTn id="21" presetID="1" presetClass="entr" presetSubtype="0" fill="hold" nodeType="clickEffect">
+                                  <p:stCondLst>
+                                    <p:cond delay="0"/>
+                                  </p:stCondLst>
+                                  <p:childTnLst>
+                                    <p:set>
+                                      <p:cBhvr>
+                                        <p:cTn id="22" dur="1" fill="hold">
+                                          <p:stCondLst>
+                                            <p:cond delay="0"/>
+                                          </p:stCondLst>
+                                        </p:cTn>
+                                        <p:tgtEl>
+                                          <p:spTgt spid="3">
+                                            <p:txEl>
+                                              <p:pRg st="4" end="4"/>
+                                            </p:txEl>
+                                          </p:spTgt>
+                                        </p:tgtEl>
+                                        <p:attrNameLst>
+                                          <p:attrName>style.visibility</p:attrName>
+                                        </p:attrNameLst>
+                                      </p:cBhvr>
+                                      <p:to>
+                                        <p:strVal val="visible"/>
+                                      </p:to>
+                                    </p:set>
+                                  </p:childTnLst>
+                                </p:cTn>
+                              </p:par>
+                            </p:childTnLst>
+                          </p:cTn>
+                        </p:par>
+                      </p:childTnLst>
+                    </p:cTn>
+                  </p:par>
+                  <p:par>
+                    <p:cTn id="23" fill="hold">
+                      <p:stCondLst>
+                        <p:cond delay="indefinite"/>
+                      </p:stCondLst>
+                      <p:childTnLst>
+                        <p:par>
+                          <p:cTn id="24" fill="hold">
+                            <p:stCondLst>
+                              <p:cond delay="0"/>
+                            </p:stCondLst>
+                            <p:childTnLst>
+                              <p:par>
+                                <p:cTn id="25" presetID="1" presetClass="entr" presetSubtype="0" fill="hold" nodeType="clickEffect">
+                                  <p:stCondLst>
+                                    <p:cond delay="0"/>
+                                  </p:stCondLst>
+                                  <p:childTnLst>
+                                    <p:set>
+                                      <p:cBhvr>
+                                        <p:cTn id="26" dur="1" fill="hold">
+                                          <p:stCondLst>
+                                            <p:cond delay="0"/>
+                                          </p:stCondLst>
+                                        </p:cTn>
+                                        <p:tgtEl>
+                                          <p:spTgt spid="3">
+                                            <p:txEl>
+                                              <p:pRg st="5" end="5"/>
+                                            </p:txEl>
+                                          </p:spTgt>
+                                        </p:tgtEl>
+                                        <p:attrNameLst>
+                                          <p:attrName>style.visibility</p:attrName>
+                                        </p:attrNameLst>
+                                      </p:cBhvr>
+                                      <p:to>
+                                        <p:strVal val="visible"/>
+                                      </p:to>
+                                    </p:set>
+                                  </p:childTnLst>
+                                </p:cTn>
+                              </p:par>
+                            </p:childTnLst>
+                          </p:cTn>
+                        </p:par>
+                      </p:childTnLst>
+                    </p:cTn>
+                  </p:par>
+                  <p:par>
+                    <p:cTn id="27" fill="hold">
+                      <p:stCondLst>
+                        <p:cond delay="indefinite"/>
+                      </p:stCondLst>
+                      <p:childTnLst>
+                        <p:par>
+                          <p:cTn id="28" fill="hold">
+                            <p:stCondLst>
+                              <p:cond delay="0"/>
+                            </p:stCondLst>
+                            <p:childTnLst>
+                              <p:par>
+                                <p:cTn id="29" presetID="1" presetClass="entr" presetSubtype="0" fill="hold" nodeType="clickEffect">
+                                  <p:stCondLst>
+                                    <p:cond delay="0"/>
+                                  </p:stCondLst>
+                                  <p:childTnLst>
+                                    <p:set>
+                                      <p:cBhvr>
+                                        <p:cTn id="30" dur="1" fill="hold">
+                                          <p:stCondLst>
+                                            <p:cond delay="0"/>
+                                          </p:stCondLst>
+                                        </p:cTn>
+                                        <p:tgtEl>
+                                          <p:spTgt spid="3">
+                                            <p:txEl>
+                                              <p:pRg st="6" end="6"/>
+                                            </p:txEl>
+                                          </p:spTgt>
+                                        </p:tgtEl>
+                                        <p:attrNameLst>
+                                          <p:attrName>style.visibility</p:attrName>
+                                        </p:attrNameLst>
+                                      </p:cBhvr>
+                                      <p:to>
+                                        <p:strVal val="visible"/>
+                                      </p:to>
+                                    </p:set>
+                                  </p:childTnLst>
+                                </p:cTn>
+                              </p:par>
+                            </p:childTnLst>
+                          </p:cTn>
+                        </p:par>
+                      </p:childTnLst>
+                    </p:cTn>
+                  </p:par>
+                  <p:par>
+                    <p:cTn id="31" fill="hold">
+                      <p:stCondLst>
+                        <p:cond delay="indefinite"/>
+                      </p:stCondLst>
+                      <p:childTnLst>
+                        <p:par>
+                          <p:cTn id="32" fill="hold">
+                            <p:stCondLst>
+                              <p:cond delay="0"/>
+                            </p:stCondLst>
+                            <p:childTnLst>
+                              <p:par>
+                                <p:cTn id="33" presetID="1" presetClass="entr" presetSubtype="0" fill="hold" nodeType="clickEffect">
+                                  <p:stCondLst>
+                                    <p:cond delay="0"/>
+                                  </p:stCondLst>
+                                  <p:childTnLst>
+                                    <p:set>
+                                      <p:cBhvr>
+                                        <p:cTn id="34" dur="1" fill="hold">
+                                          <p:stCondLst>
+                                            <p:cond delay="0"/>
+                                          </p:stCondLst>
+                                        </p:cTn>
+                                        <p:tgtEl>
+                                          <p:spTgt spid="3">
+                                            <p:txEl>
+                                              <p:pRg st="7" end="7"/>
+                                            </p:txEl>
+                                          </p:spTgt>
+                                        </p:tgtEl>
+                                        <p:attrNameLst>
+                                          <p:attrName>style.visibility</p:attrName>
+                                        </p:attrNameLst>
+                                      </p:cBhvr>
+                                      <p:to>
+                                        <p:strVal val="visible"/>
+                                      </p:to>
+                                    </p:set>
+                                  </p:childTnLst>
+                                </p:cTn>
+                              </p:par>
+                            </p:childTnLst>
+                          </p:cTn>
+                        </p:par>
+                      </p:childTnLst>
+                    </p:cTn>
+                  </p:par>
+                  <p:par>
+                    <p:cTn id="35" fill="hold">
+                      <p:stCondLst>
+                        <p:cond delay="indefinite"/>
+                      </p:stCondLst>
+                      <p:childTnLst>
+                        <p:par>
+                          <p:cTn id="36" fill="hold">
+                            <p:stCondLst>
+                              <p:cond delay="0"/>
+                            </p:stCondLst>
+                            <p:childTnLst>
+                              <p:par>
+                                <p:cTn id="37" presetID="1" presetClass="entr" presetSubtype="0" fill="hold" nodeType="clickEffect">
+                                  <p:stCondLst>
+                                    <p:cond delay="0"/>
+                                  </p:stCondLst>
+                                  <p:childTnLst>
+                                    <p:set>
+                                      <p:cBhvr>
+                                        <p:cTn id="38" dur="1" fill="hold">
+                                          <p:stCondLst>
+                                            <p:cond delay="0"/>
+                                          </p:stCondLst>
+                                        </p:cTn>
+                                        <p:tgtEl>
+                                          <p:spTgt spid="3">
+                                            <p:txEl>
+                                              <p:pRg st="8" end="8"/>
+                                            </p:txEl>
+                                          </p:spTgt>
+                                        </p:tgtEl>
+                                        <p:attrNameLst>
+                                          <p:attrName>style.visibility</p:attrName>
+                                        </p:attrNameLst>
+                                      </p:cBhvr>
+                                      <p:to>
+                                        <p:strVal val="visible"/>
+                                      </p:to>
+                                    </p:set>
+                                  </p:childTnLst>
+                                </p:cTn>
+                              </p:par>
+                            </p:childTnLst>
+                          </p:cTn>
+                        </p:par>
+                      </p:childTnLst>
+                    </p:cTn>
+                  </p:par>
+                  <p:par>
+                    <p:cTn id="39" fill="hold">
+                      <p:stCondLst>
+                        <p:cond delay="indefinite"/>
+                      </p:stCondLst>
+                      <p:childTnLst>
+                        <p:par>
+                          <p:cTn id="40" fill="hold">
+                            <p:stCondLst>
+                              <p:cond delay="0"/>
+                            </p:stCondLst>
+                            <p:childTnLst>
+                              <p:par>
+                                <p:cTn id="41" presetID="1" presetClass="entr" presetSubtype="0" fill="hold" nodeType="clickEffect">
+                                  <p:stCondLst>
+                                    <p:cond delay="0"/>
+                                  </p:stCondLst>
+                                  <p:childTnLst>
+                                    <p:set>
+                                      <p:cBhvr>
+                                        <p:cTn id="42" dur="1" fill="hold">
+                                          <p:stCondLst>
+                                            <p:cond delay="0"/>
+                                          </p:stCondLst>
+                                        </p:cTn>
+                                        <p:tgtEl>
+                                          <p:spTgt spid="3">
+                                            <p:txEl>
+                                              <p:pRg st="9" end="9"/>
+                                            </p:txEl>
+                                          </p:spTgt>
+                                        </p:tgtEl>
+                                        <p:attrNameLst>
+                                          <p:attrName>style.visibility</p:attrName>
+                                        </p:attrNameLst>
+                                      </p:cBhvr>
+                                      <p:to>
+                                        <p:strVal val="visible"/>
+                                      </p:to>
+                                    </p:set>
+                                  </p:childTnLst>
+                                </p:cTn>
+                              </p:par>
+                            </p:childTnLst>
+                          </p:cTn>
+                        </p:par>
+                      </p:childTnLst>
+                    </p:cTn>
+                  </p:par>
+                </p:childTnLst>
+              </p:cTn>
+              <p:prevCondLst>
+                <p:cond evt="onPrev" delay="0">
+                  <p:tgtEl>
+                    <p:sldTgt/>
+                  </p:tgtEl>
+                </p:cond>
+              </p:prevCondLst>
+              <p:nextCondLst>
+                <p:cond evt="onNext" delay="0">
+                  <p:tgtEl>
+                    <p:sldTgt/>
+                  </p:tgtEl>
+                </p:cond>
+              </p:nextCondLst>
+            </p:seq>
+          </p:childTnLst>
+        </p:cTn>
+      </p:par>
+    </p:tnLst>
+  </p:timing>
 </p:sld>
 </file>
 
@@ -5195,7 +6687,7 @@
           <a:p>
             <a:r>
               <a:rPr lang="en-US" dirty="0"/>
-              <a:t>‘Candidate extrapolations of the data receive an a priori ordering under a </a:t>
+              <a:t>Candidate extrapolations of the data receive an a priori ordering under a </a:t>
             </a:r>
             <a:r>
               <a:rPr lang="en-US" i="1" dirty="0"/>
@@ -5258,6 +6750,330 @@
   <p:clrMapOvr>
     <a:masterClrMapping/>
   </p:clrMapOvr>
+  <p:timing>
+    <p:tnLst>
+      <p:par>
+        <p:cTn id="1" dur="indefinite" restart="never" nodeType="tmRoot">
+          <p:childTnLst>
+            <p:seq concurrent="1" nextAc="seek">
+              <p:cTn id="2" dur="indefinite" nodeType="mainSeq">
+                <p:childTnLst>
+                  <p:par>
+                    <p:cTn id="3" fill="hold">
+                      <p:stCondLst>
+                        <p:cond delay="indefinite"/>
+                      </p:stCondLst>
+                      <p:childTnLst>
+                        <p:par>
+                          <p:cTn id="4" fill="hold">
+                            <p:stCondLst>
+                              <p:cond delay="0"/>
+                            </p:stCondLst>
+                            <p:childTnLst>
+                              <p:par>
+                                <p:cTn id="5" presetID="1" presetClass="entr" presetSubtype="0" fill="hold" nodeType="clickEffect">
+                                  <p:stCondLst>
+                                    <p:cond delay="0"/>
+                                  </p:stCondLst>
+                                  <p:childTnLst>
+                                    <p:set>
+                                      <p:cBhvr>
+                                        <p:cTn id="6" dur="1" fill="hold">
+                                          <p:stCondLst>
+                                            <p:cond delay="0"/>
+                                          </p:stCondLst>
+                                        </p:cTn>
+                                        <p:tgtEl>
+                                          <p:spTgt spid="3">
+                                            <p:txEl>
+                                              <p:pRg st="0" end="0"/>
+                                            </p:txEl>
+                                          </p:spTgt>
+                                        </p:tgtEl>
+                                        <p:attrNameLst>
+                                          <p:attrName>style.visibility</p:attrName>
+                                        </p:attrNameLst>
+                                      </p:cBhvr>
+                                      <p:to>
+                                        <p:strVal val="visible"/>
+                                      </p:to>
+                                    </p:set>
+                                  </p:childTnLst>
+                                </p:cTn>
+                              </p:par>
+                            </p:childTnLst>
+                          </p:cTn>
+                        </p:par>
+                      </p:childTnLst>
+                    </p:cTn>
+                  </p:par>
+                  <p:par>
+                    <p:cTn id="7" fill="hold">
+                      <p:stCondLst>
+                        <p:cond delay="indefinite"/>
+                      </p:stCondLst>
+                      <p:childTnLst>
+                        <p:par>
+                          <p:cTn id="8" fill="hold">
+                            <p:stCondLst>
+                              <p:cond delay="0"/>
+                            </p:stCondLst>
+                            <p:childTnLst>
+                              <p:par>
+                                <p:cTn id="9" presetID="1" presetClass="entr" presetSubtype="0" fill="hold" nodeType="clickEffect">
+                                  <p:stCondLst>
+                                    <p:cond delay="0"/>
+                                  </p:stCondLst>
+                                  <p:childTnLst>
+                                    <p:set>
+                                      <p:cBhvr>
+                                        <p:cTn id="10" dur="1" fill="hold">
+                                          <p:stCondLst>
+                                            <p:cond delay="0"/>
+                                          </p:stCondLst>
+                                        </p:cTn>
+                                        <p:tgtEl>
+                                          <p:spTgt spid="3">
+                                            <p:txEl>
+                                              <p:pRg st="1" end="1"/>
+                                            </p:txEl>
+                                          </p:spTgt>
+                                        </p:tgtEl>
+                                        <p:attrNameLst>
+                                          <p:attrName>style.visibility</p:attrName>
+                                        </p:attrNameLst>
+                                      </p:cBhvr>
+                                      <p:to>
+                                        <p:strVal val="visible"/>
+                                      </p:to>
+                                    </p:set>
+                                  </p:childTnLst>
+                                </p:cTn>
+                              </p:par>
+                            </p:childTnLst>
+                          </p:cTn>
+                        </p:par>
+                      </p:childTnLst>
+                    </p:cTn>
+                  </p:par>
+                  <p:par>
+                    <p:cTn id="11" fill="hold">
+                      <p:stCondLst>
+                        <p:cond delay="indefinite"/>
+                      </p:stCondLst>
+                      <p:childTnLst>
+                        <p:par>
+                          <p:cTn id="12" fill="hold">
+                            <p:stCondLst>
+                              <p:cond delay="0"/>
+                            </p:stCondLst>
+                            <p:childTnLst>
+                              <p:par>
+                                <p:cTn id="13" presetID="1" presetClass="entr" presetSubtype="0" fill="hold" nodeType="clickEffect">
+                                  <p:stCondLst>
+                                    <p:cond delay="0"/>
+                                  </p:stCondLst>
+                                  <p:childTnLst>
+                                    <p:set>
+                                      <p:cBhvr>
+                                        <p:cTn id="14" dur="1" fill="hold">
+                                          <p:stCondLst>
+                                            <p:cond delay="0"/>
+                                          </p:stCondLst>
+                                        </p:cTn>
+                                        <p:tgtEl>
+                                          <p:spTgt spid="3">
+                                            <p:txEl>
+                                              <p:pRg st="2" end="2"/>
+                                            </p:txEl>
+                                          </p:spTgt>
+                                        </p:tgtEl>
+                                        <p:attrNameLst>
+                                          <p:attrName>style.visibility</p:attrName>
+                                        </p:attrNameLst>
+                                      </p:cBhvr>
+                                      <p:to>
+                                        <p:strVal val="visible"/>
+                                      </p:to>
+                                    </p:set>
+                                  </p:childTnLst>
+                                </p:cTn>
+                              </p:par>
+                            </p:childTnLst>
+                          </p:cTn>
+                        </p:par>
+                      </p:childTnLst>
+                    </p:cTn>
+                  </p:par>
+                  <p:par>
+                    <p:cTn id="15" fill="hold">
+                      <p:stCondLst>
+                        <p:cond delay="indefinite"/>
+                      </p:stCondLst>
+                      <p:childTnLst>
+                        <p:par>
+                          <p:cTn id="16" fill="hold">
+                            <p:stCondLst>
+                              <p:cond delay="0"/>
+                            </p:stCondLst>
+                            <p:childTnLst>
+                              <p:par>
+                                <p:cTn id="17" presetID="1" presetClass="entr" presetSubtype="0" fill="hold" nodeType="clickEffect">
+                                  <p:stCondLst>
+                                    <p:cond delay="0"/>
+                                  </p:stCondLst>
+                                  <p:childTnLst>
+                                    <p:set>
+                                      <p:cBhvr>
+                                        <p:cTn id="18" dur="1" fill="hold">
+                                          <p:stCondLst>
+                                            <p:cond delay="0"/>
+                                          </p:stCondLst>
+                                        </p:cTn>
+                                        <p:tgtEl>
+                                          <p:spTgt spid="3">
+                                            <p:txEl>
+                                              <p:pRg st="3" end="3"/>
+                                            </p:txEl>
+                                          </p:spTgt>
+                                        </p:tgtEl>
+                                        <p:attrNameLst>
+                                          <p:attrName>style.visibility</p:attrName>
+                                        </p:attrNameLst>
+                                      </p:cBhvr>
+                                      <p:to>
+                                        <p:strVal val="visible"/>
+                                      </p:to>
+                                    </p:set>
+                                  </p:childTnLst>
+                                </p:cTn>
+                              </p:par>
+                            </p:childTnLst>
+                          </p:cTn>
+                        </p:par>
+                      </p:childTnLst>
+                    </p:cTn>
+                  </p:par>
+                  <p:par>
+                    <p:cTn id="19" fill="hold">
+                      <p:stCondLst>
+                        <p:cond delay="indefinite"/>
+                      </p:stCondLst>
+                      <p:childTnLst>
+                        <p:par>
+                          <p:cTn id="20" fill="hold">
+                            <p:stCondLst>
+                              <p:cond delay="0"/>
+                            </p:stCondLst>
+                            <p:childTnLst>
+                              <p:par>
+                                <p:cTn id="21" presetID="1" presetClass="entr" presetSubtype="0" fill="hold" nodeType="clickEffect">
+                                  <p:stCondLst>
+                                    <p:cond delay="0"/>
+                                  </p:stCondLst>
+                                  <p:childTnLst>
+                                    <p:set>
+                                      <p:cBhvr>
+                                        <p:cTn id="22" dur="1" fill="hold">
+                                          <p:stCondLst>
+                                            <p:cond delay="0"/>
+                                          </p:stCondLst>
+                                        </p:cTn>
+                                        <p:tgtEl>
+                                          <p:spTgt spid="3">
+                                            <p:txEl>
+                                              <p:pRg st="4" end="4"/>
+                                            </p:txEl>
+                                          </p:spTgt>
+                                        </p:tgtEl>
+                                        <p:attrNameLst>
+                                          <p:attrName>style.visibility</p:attrName>
+                                        </p:attrNameLst>
+                                      </p:cBhvr>
+                                      <p:to>
+                                        <p:strVal val="visible"/>
+                                      </p:to>
+                                    </p:set>
+                                  </p:childTnLst>
+                                </p:cTn>
+                              </p:par>
+                            </p:childTnLst>
+                          </p:cTn>
+                        </p:par>
+                      </p:childTnLst>
+                    </p:cTn>
+                  </p:par>
+                  <p:par>
+                    <p:cTn id="23" fill="hold">
+                      <p:stCondLst>
+                        <p:cond delay="indefinite"/>
+                      </p:stCondLst>
+                      <p:childTnLst>
+                        <p:par>
+                          <p:cTn id="24" fill="hold">
+                            <p:stCondLst>
+                              <p:cond delay="0"/>
+                            </p:stCondLst>
+                            <p:childTnLst>
+                              <p:par>
+                                <p:cTn id="25" presetID="1" presetClass="entr" presetSubtype="0" fill="hold" nodeType="clickEffect">
+                                  <p:stCondLst>
+                                    <p:cond delay="0"/>
+                                  </p:stCondLst>
+                                  <p:childTnLst>
+                                    <p:set>
+                                      <p:cBhvr>
+                                        <p:cTn id="26" dur="1" fill="hold">
+                                          <p:stCondLst>
+                                            <p:cond delay="0"/>
+                                          </p:stCondLst>
+                                        </p:cTn>
+                                        <p:tgtEl>
+                                          <p:spTgt spid="3">
+                                            <p:txEl>
+                                              <p:pRg st="5" end="5"/>
+                                            </p:txEl>
+                                          </p:spTgt>
+                                        </p:tgtEl>
+                                        <p:attrNameLst>
+                                          <p:attrName>style.visibility</p:attrName>
+                                        </p:attrNameLst>
+                                      </p:cBhvr>
+                                      <p:to>
+                                        <p:strVal val="visible"/>
+                                      </p:to>
+                                    </p:set>
+                                  </p:childTnLst>
+                                </p:cTn>
+                              </p:par>
+                            </p:childTnLst>
+                          </p:cTn>
+                        </p:par>
+                      </p:childTnLst>
+                    </p:cTn>
+                  </p:par>
+                </p:childTnLst>
+              </p:cTn>
+              <p:prevCondLst>
+                <p:cond evt="onPrev" delay="0">
+                  <p:tgtEl>
+                    <p:sldTgt/>
+                  </p:tgtEl>
+                </p:cond>
+              </p:prevCondLst>
+              <p:nextCondLst>
+                <p:cond evt="onNext" delay="0">
+                  <p:tgtEl>
+                    <p:sldTgt/>
+                  </p:tgtEl>
+                </p:cond>
+              </p:nextCondLst>
+            </p:seq>
+          </p:childTnLst>
+        </p:cTn>
+      </p:par>
+    </p:tnLst>
+  </p:timing>
 </p:sld>
 </file>
 
@@ -5373,6 +7189,183 @@
   <p:clrMapOvr>
     <a:masterClrMapping/>
   </p:clrMapOvr>
+  <p:timing>
+    <p:tnLst>
+      <p:par>
+        <p:cTn id="1" dur="indefinite" restart="never" nodeType="tmRoot">
+          <p:childTnLst>
+            <p:seq concurrent="1" nextAc="seek">
+              <p:cTn id="2" dur="indefinite" nodeType="mainSeq">
+                <p:childTnLst>
+                  <p:par>
+                    <p:cTn id="3" fill="hold">
+                      <p:stCondLst>
+                        <p:cond delay="indefinite"/>
+                      </p:stCondLst>
+                      <p:childTnLst>
+                        <p:par>
+                          <p:cTn id="4" fill="hold">
+                            <p:stCondLst>
+                              <p:cond delay="0"/>
+                            </p:stCondLst>
+                            <p:childTnLst>
+                              <p:par>
+                                <p:cTn id="5" presetID="1" presetClass="entr" presetSubtype="0" fill="hold" nodeType="clickEffect">
+                                  <p:stCondLst>
+                                    <p:cond delay="0"/>
+                                  </p:stCondLst>
+                                  <p:childTnLst>
+                                    <p:set>
+                                      <p:cBhvr>
+                                        <p:cTn id="6" dur="1" fill="hold">
+                                          <p:stCondLst>
+                                            <p:cond delay="0"/>
+                                          </p:stCondLst>
+                                        </p:cTn>
+                                        <p:tgtEl>
+                                          <p:spTgt spid="3">
+                                            <p:txEl>
+                                              <p:pRg st="0" end="0"/>
+                                            </p:txEl>
+                                          </p:spTgt>
+                                        </p:tgtEl>
+                                        <p:attrNameLst>
+                                          <p:attrName>style.visibility</p:attrName>
+                                        </p:attrNameLst>
+                                      </p:cBhvr>
+                                      <p:to>
+                                        <p:strVal val="visible"/>
+                                      </p:to>
+                                    </p:set>
+                                  </p:childTnLst>
+                                </p:cTn>
+                              </p:par>
+                            </p:childTnLst>
+                          </p:cTn>
+                        </p:par>
+                      </p:childTnLst>
+                    </p:cTn>
+                  </p:par>
+                  <p:par>
+                    <p:cTn id="7" fill="hold">
+                      <p:stCondLst>
+                        <p:cond delay="indefinite"/>
+                      </p:stCondLst>
+                      <p:childTnLst>
+                        <p:par>
+                          <p:cTn id="8" fill="hold">
+                            <p:stCondLst>
+                              <p:cond delay="0"/>
+                            </p:stCondLst>
+                            <p:childTnLst>
+                              <p:par>
+                                <p:cTn id="9" presetID="1" presetClass="entr" presetSubtype="0" fill="hold" nodeType="clickEffect">
+                                  <p:stCondLst>
+                                    <p:cond delay="0"/>
+                                  </p:stCondLst>
+                                  <p:childTnLst>
+                                    <p:set>
+                                      <p:cBhvr>
+                                        <p:cTn id="10" dur="1" fill="hold">
+                                          <p:stCondLst>
+                                            <p:cond delay="0"/>
+                                          </p:stCondLst>
+                                        </p:cTn>
+                                        <p:tgtEl>
+                                          <p:spTgt spid="3">
+                                            <p:txEl>
+                                              <p:pRg st="1" end="1"/>
+                                            </p:txEl>
+                                          </p:spTgt>
+                                        </p:tgtEl>
+                                        <p:attrNameLst>
+                                          <p:attrName>style.visibility</p:attrName>
+                                        </p:attrNameLst>
+                                      </p:cBhvr>
+                                      <p:to>
+                                        <p:strVal val="visible"/>
+                                      </p:to>
+                                    </p:set>
+                                  </p:childTnLst>
+                                </p:cTn>
+                              </p:par>
+                            </p:childTnLst>
+                          </p:cTn>
+                        </p:par>
+                      </p:childTnLst>
+                    </p:cTn>
+                  </p:par>
+                  <p:par>
+                    <p:cTn id="11" fill="hold">
+                      <p:stCondLst>
+                        <p:cond delay="indefinite"/>
+                      </p:stCondLst>
+                      <p:childTnLst>
+                        <p:par>
+                          <p:cTn id="12" fill="hold">
+                            <p:stCondLst>
+                              <p:cond delay="0"/>
+                            </p:stCondLst>
+                            <p:childTnLst>
+                              <p:par>
+                                <p:cTn id="13" presetID="1" presetClass="entr" presetSubtype="0" fill="hold" nodeType="clickEffect">
+                                  <p:stCondLst>
+                                    <p:cond delay="0"/>
+                                  </p:stCondLst>
+                                  <p:childTnLst>
+                                    <p:set>
+                                      <p:cBhvr>
+                                        <p:cTn id="14" dur="1" fill="hold">
+                                          <p:stCondLst>
+                                            <p:cond delay="0"/>
+                                          </p:stCondLst>
+                                        </p:cTn>
+                                        <p:tgtEl>
+                                          <p:spTgt spid="3">
+                                            <p:txEl>
+                                              <p:pRg st="2" end="2"/>
+                                            </p:txEl>
+                                          </p:spTgt>
+                                        </p:tgtEl>
+                                        <p:attrNameLst>
+                                          <p:attrName>style.visibility</p:attrName>
+                                        </p:attrNameLst>
+                                      </p:cBhvr>
+                                      <p:to>
+                                        <p:strVal val="visible"/>
+                                      </p:to>
+                                    </p:set>
+                                  </p:childTnLst>
+                                </p:cTn>
+                              </p:par>
+                            </p:childTnLst>
+                          </p:cTn>
+                        </p:par>
+                      </p:childTnLst>
+                    </p:cTn>
+                  </p:par>
+                </p:childTnLst>
+              </p:cTn>
+              <p:prevCondLst>
+                <p:cond evt="onPrev" delay="0">
+                  <p:tgtEl>
+                    <p:sldTgt/>
+                  </p:tgtEl>
+                </p:cond>
+              </p:prevCondLst>
+              <p:nextCondLst>
+                <p:cond evt="onNext" delay="0">
+                  <p:tgtEl>
+                    <p:sldTgt/>
+                  </p:tgtEl>
+                </p:cond>
+              </p:nextCondLst>
+            </p:seq>
+          </p:childTnLst>
+        </p:cTn>
+      </p:par>
+    </p:tnLst>
+  </p:timing>
 </p:sld>
 </file>
 
@@ -5530,6 +7523,330 @@
   <p:clrMapOvr>
     <a:masterClrMapping/>
   </p:clrMapOvr>
+  <p:timing>
+    <p:tnLst>
+      <p:par>
+        <p:cTn id="1" dur="indefinite" restart="never" nodeType="tmRoot">
+          <p:childTnLst>
+            <p:seq concurrent="1" nextAc="seek">
+              <p:cTn id="2" dur="indefinite" nodeType="mainSeq">
+                <p:childTnLst>
+                  <p:par>
+                    <p:cTn id="3" fill="hold">
+                      <p:stCondLst>
+                        <p:cond delay="indefinite"/>
+                      </p:stCondLst>
+                      <p:childTnLst>
+                        <p:par>
+                          <p:cTn id="4" fill="hold">
+                            <p:stCondLst>
+                              <p:cond delay="0"/>
+                            </p:stCondLst>
+                            <p:childTnLst>
+                              <p:par>
+                                <p:cTn id="5" presetID="1" presetClass="entr" presetSubtype="0" fill="hold" nodeType="clickEffect">
+                                  <p:stCondLst>
+                                    <p:cond delay="0"/>
+                                  </p:stCondLst>
+                                  <p:childTnLst>
+                                    <p:set>
+                                      <p:cBhvr>
+                                        <p:cTn id="6" dur="1" fill="hold">
+                                          <p:stCondLst>
+                                            <p:cond delay="0"/>
+                                          </p:stCondLst>
+                                        </p:cTn>
+                                        <p:tgtEl>
+                                          <p:spTgt spid="3">
+                                            <p:txEl>
+                                              <p:pRg st="0" end="0"/>
+                                            </p:txEl>
+                                          </p:spTgt>
+                                        </p:tgtEl>
+                                        <p:attrNameLst>
+                                          <p:attrName>style.visibility</p:attrName>
+                                        </p:attrNameLst>
+                                      </p:cBhvr>
+                                      <p:to>
+                                        <p:strVal val="visible"/>
+                                      </p:to>
+                                    </p:set>
+                                  </p:childTnLst>
+                                </p:cTn>
+                              </p:par>
+                            </p:childTnLst>
+                          </p:cTn>
+                        </p:par>
+                      </p:childTnLst>
+                    </p:cTn>
+                  </p:par>
+                  <p:par>
+                    <p:cTn id="7" fill="hold">
+                      <p:stCondLst>
+                        <p:cond delay="indefinite"/>
+                      </p:stCondLst>
+                      <p:childTnLst>
+                        <p:par>
+                          <p:cTn id="8" fill="hold">
+                            <p:stCondLst>
+                              <p:cond delay="0"/>
+                            </p:stCondLst>
+                            <p:childTnLst>
+                              <p:par>
+                                <p:cTn id="9" presetID="1" presetClass="entr" presetSubtype="0" fill="hold" nodeType="clickEffect">
+                                  <p:stCondLst>
+                                    <p:cond delay="0"/>
+                                  </p:stCondLst>
+                                  <p:childTnLst>
+                                    <p:set>
+                                      <p:cBhvr>
+                                        <p:cTn id="10" dur="1" fill="hold">
+                                          <p:stCondLst>
+                                            <p:cond delay="0"/>
+                                          </p:stCondLst>
+                                        </p:cTn>
+                                        <p:tgtEl>
+                                          <p:spTgt spid="3">
+                                            <p:txEl>
+                                              <p:pRg st="1" end="1"/>
+                                            </p:txEl>
+                                          </p:spTgt>
+                                        </p:tgtEl>
+                                        <p:attrNameLst>
+                                          <p:attrName>style.visibility</p:attrName>
+                                        </p:attrNameLst>
+                                      </p:cBhvr>
+                                      <p:to>
+                                        <p:strVal val="visible"/>
+                                      </p:to>
+                                    </p:set>
+                                  </p:childTnLst>
+                                </p:cTn>
+                              </p:par>
+                            </p:childTnLst>
+                          </p:cTn>
+                        </p:par>
+                      </p:childTnLst>
+                    </p:cTn>
+                  </p:par>
+                  <p:par>
+                    <p:cTn id="11" fill="hold">
+                      <p:stCondLst>
+                        <p:cond delay="indefinite"/>
+                      </p:stCondLst>
+                      <p:childTnLst>
+                        <p:par>
+                          <p:cTn id="12" fill="hold">
+                            <p:stCondLst>
+                              <p:cond delay="0"/>
+                            </p:stCondLst>
+                            <p:childTnLst>
+                              <p:par>
+                                <p:cTn id="13" presetID="1" presetClass="entr" presetSubtype="0" fill="hold" nodeType="clickEffect">
+                                  <p:stCondLst>
+                                    <p:cond delay="0"/>
+                                  </p:stCondLst>
+                                  <p:childTnLst>
+                                    <p:set>
+                                      <p:cBhvr>
+                                        <p:cTn id="14" dur="1" fill="hold">
+                                          <p:stCondLst>
+                                            <p:cond delay="0"/>
+                                          </p:stCondLst>
+                                        </p:cTn>
+                                        <p:tgtEl>
+                                          <p:spTgt spid="3">
+                                            <p:txEl>
+                                              <p:pRg st="2" end="2"/>
+                                            </p:txEl>
+                                          </p:spTgt>
+                                        </p:tgtEl>
+                                        <p:attrNameLst>
+                                          <p:attrName>style.visibility</p:attrName>
+                                        </p:attrNameLst>
+                                      </p:cBhvr>
+                                      <p:to>
+                                        <p:strVal val="visible"/>
+                                      </p:to>
+                                    </p:set>
+                                  </p:childTnLst>
+                                </p:cTn>
+                              </p:par>
+                            </p:childTnLst>
+                          </p:cTn>
+                        </p:par>
+                      </p:childTnLst>
+                    </p:cTn>
+                  </p:par>
+                  <p:par>
+                    <p:cTn id="15" fill="hold">
+                      <p:stCondLst>
+                        <p:cond delay="indefinite"/>
+                      </p:stCondLst>
+                      <p:childTnLst>
+                        <p:par>
+                          <p:cTn id="16" fill="hold">
+                            <p:stCondLst>
+                              <p:cond delay="0"/>
+                            </p:stCondLst>
+                            <p:childTnLst>
+                              <p:par>
+                                <p:cTn id="17" presetID="1" presetClass="entr" presetSubtype="0" fill="hold" nodeType="clickEffect">
+                                  <p:stCondLst>
+                                    <p:cond delay="0"/>
+                                  </p:stCondLst>
+                                  <p:childTnLst>
+                                    <p:set>
+                                      <p:cBhvr>
+                                        <p:cTn id="18" dur="1" fill="hold">
+                                          <p:stCondLst>
+                                            <p:cond delay="0"/>
+                                          </p:stCondLst>
+                                        </p:cTn>
+                                        <p:tgtEl>
+                                          <p:spTgt spid="3">
+                                            <p:txEl>
+                                              <p:pRg st="3" end="3"/>
+                                            </p:txEl>
+                                          </p:spTgt>
+                                        </p:tgtEl>
+                                        <p:attrNameLst>
+                                          <p:attrName>style.visibility</p:attrName>
+                                        </p:attrNameLst>
+                                      </p:cBhvr>
+                                      <p:to>
+                                        <p:strVal val="visible"/>
+                                      </p:to>
+                                    </p:set>
+                                  </p:childTnLst>
+                                </p:cTn>
+                              </p:par>
+                            </p:childTnLst>
+                          </p:cTn>
+                        </p:par>
+                      </p:childTnLst>
+                    </p:cTn>
+                  </p:par>
+                  <p:par>
+                    <p:cTn id="19" fill="hold">
+                      <p:stCondLst>
+                        <p:cond delay="indefinite"/>
+                      </p:stCondLst>
+                      <p:childTnLst>
+                        <p:par>
+                          <p:cTn id="20" fill="hold">
+                            <p:stCondLst>
+                              <p:cond delay="0"/>
+                            </p:stCondLst>
+                            <p:childTnLst>
+                              <p:par>
+                                <p:cTn id="21" presetID="1" presetClass="entr" presetSubtype="0" fill="hold" nodeType="clickEffect">
+                                  <p:stCondLst>
+                                    <p:cond delay="0"/>
+                                  </p:stCondLst>
+                                  <p:childTnLst>
+                                    <p:set>
+                                      <p:cBhvr>
+                                        <p:cTn id="22" dur="1" fill="hold">
+                                          <p:stCondLst>
+                                            <p:cond delay="0"/>
+                                          </p:stCondLst>
+                                        </p:cTn>
+                                        <p:tgtEl>
+                                          <p:spTgt spid="3">
+                                            <p:txEl>
+                                              <p:pRg st="4" end="4"/>
+                                            </p:txEl>
+                                          </p:spTgt>
+                                        </p:tgtEl>
+                                        <p:attrNameLst>
+                                          <p:attrName>style.visibility</p:attrName>
+                                        </p:attrNameLst>
+                                      </p:cBhvr>
+                                      <p:to>
+                                        <p:strVal val="visible"/>
+                                      </p:to>
+                                    </p:set>
+                                  </p:childTnLst>
+                                </p:cTn>
+                              </p:par>
+                            </p:childTnLst>
+                          </p:cTn>
+                        </p:par>
+                      </p:childTnLst>
+                    </p:cTn>
+                  </p:par>
+                  <p:par>
+                    <p:cTn id="23" fill="hold">
+                      <p:stCondLst>
+                        <p:cond delay="indefinite"/>
+                      </p:stCondLst>
+                      <p:childTnLst>
+                        <p:par>
+                          <p:cTn id="24" fill="hold">
+                            <p:stCondLst>
+                              <p:cond delay="0"/>
+                            </p:stCondLst>
+                            <p:childTnLst>
+                              <p:par>
+                                <p:cTn id="25" presetID="1" presetClass="entr" presetSubtype="0" fill="hold" nodeType="clickEffect">
+                                  <p:stCondLst>
+                                    <p:cond delay="0"/>
+                                  </p:stCondLst>
+                                  <p:childTnLst>
+                                    <p:set>
+                                      <p:cBhvr>
+                                        <p:cTn id="26" dur="1" fill="hold">
+                                          <p:stCondLst>
+                                            <p:cond delay="0"/>
+                                          </p:stCondLst>
+                                        </p:cTn>
+                                        <p:tgtEl>
+                                          <p:spTgt spid="3">
+                                            <p:txEl>
+                                              <p:pRg st="5" end="5"/>
+                                            </p:txEl>
+                                          </p:spTgt>
+                                        </p:tgtEl>
+                                        <p:attrNameLst>
+                                          <p:attrName>style.visibility</p:attrName>
+                                        </p:attrNameLst>
+                                      </p:cBhvr>
+                                      <p:to>
+                                        <p:strVal val="visible"/>
+                                      </p:to>
+                                    </p:set>
+                                  </p:childTnLst>
+                                </p:cTn>
+                              </p:par>
+                            </p:childTnLst>
+                          </p:cTn>
+                        </p:par>
+                      </p:childTnLst>
+                    </p:cTn>
+                  </p:par>
+                </p:childTnLst>
+              </p:cTn>
+              <p:prevCondLst>
+                <p:cond evt="onPrev" delay="0">
+                  <p:tgtEl>
+                    <p:sldTgt/>
+                  </p:tgtEl>
+                </p:cond>
+              </p:prevCondLst>
+              <p:nextCondLst>
+                <p:cond evt="onNext" delay="0">
+                  <p:tgtEl>
+                    <p:sldTgt/>
+                  </p:tgtEl>
+                </p:cond>
+              </p:nextCondLst>
+            </p:seq>
+          </p:childTnLst>
+        </p:cTn>
+      </p:par>
+    </p:tnLst>
+  </p:timing>
 </p:sld>
 </file>
 
@@ -5691,6 +8008,330 @@
   <p:clrMapOvr>
     <a:masterClrMapping/>
   </p:clrMapOvr>
+  <p:timing>
+    <p:tnLst>
+      <p:par>
+        <p:cTn id="1" dur="indefinite" restart="never" nodeType="tmRoot">
+          <p:childTnLst>
+            <p:seq concurrent="1" nextAc="seek">
+              <p:cTn id="2" dur="indefinite" nodeType="mainSeq">
+                <p:childTnLst>
+                  <p:par>
+                    <p:cTn id="3" fill="hold">
+                      <p:stCondLst>
+                        <p:cond delay="indefinite"/>
+                      </p:stCondLst>
+                      <p:childTnLst>
+                        <p:par>
+                          <p:cTn id="4" fill="hold">
+                            <p:stCondLst>
+                              <p:cond delay="0"/>
+                            </p:stCondLst>
+                            <p:childTnLst>
+                              <p:par>
+                                <p:cTn id="5" presetID="1" presetClass="entr" presetSubtype="0" fill="hold" nodeType="clickEffect">
+                                  <p:stCondLst>
+                                    <p:cond delay="0"/>
+                                  </p:stCondLst>
+                                  <p:childTnLst>
+                                    <p:set>
+                                      <p:cBhvr>
+                                        <p:cTn id="6" dur="1" fill="hold">
+                                          <p:stCondLst>
+                                            <p:cond delay="0"/>
+                                          </p:stCondLst>
+                                        </p:cTn>
+                                        <p:tgtEl>
+                                          <p:spTgt spid="3">
+                                            <p:txEl>
+                                              <p:pRg st="0" end="0"/>
+                                            </p:txEl>
+                                          </p:spTgt>
+                                        </p:tgtEl>
+                                        <p:attrNameLst>
+                                          <p:attrName>style.visibility</p:attrName>
+                                        </p:attrNameLst>
+                                      </p:cBhvr>
+                                      <p:to>
+                                        <p:strVal val="visible"/>
+                                      </p:to>
+                                    </p:set>
+                                  </p:childTnLst>
+                                </p:cTn>
+                              </p:par>
+                            </p:childTnLst>
+                          </p:cTn>
+                        </p:par>
+                      </p:childTnLst>
+                    </p:cTn>
+                  </p:par>
+                  <p:par>
+                    <p:cTn id="7" fill="hold">
+                      <p:stCondLst>
+                        <p:cond delay="indefinite"/>
+                      </p:stCondLst>
+                      <p:childTnLst>
+                        <p:par>
+                          <p:cTn id="8" fill="hold">
+                            <p:stCondLst>
+                              <p:cond delay="0"/>
+                            </p:stCondLst>
+                            <p:childTnLst>
+                              <p:par>
+                                <p:cTn id="9" presetID="1" presetClass="entr" presetSubtype="0" fill="hold" nodeType="clickEffect">
+                                  <p:stCondLst>
+                                    <p:cond delay="0"/>
+                                  </p:stCondLst>
+                                  <p:childTnLst>
+                                    <p:set>
+                                      <p:cBhvr>
+                                        <p:cTn id="10" dur="1" fill="hold">
+                                          <p:stCondLst>
+                                            <p:cond delay="0"/>
+                                          </p:stCondLst>
+                                        </p:cTn>
+                                        <p:tgtEl>
+                                          <p:spTgt spid="3">
+                                            <p:txEl>
+                                              <p:pRg st="1" end="1"/>
+                                            </p:txEl>
+                                          </p:spTgt>
+                                        </p:tgtEl>
+                                        <p:attrNameLst>
+                                          <p:attrName>style.visibility</p:attrName>
+                                        </p:attrNameLst>
+                                      </p:cBhvr>
+                                      <p:to>
+                                        <p:strVal val="visible"/>
+                                      </p:to>
+                                    </p:set>
+                                  </p:childTnLst>
+                                </p:cTn>
+                              </p:par>
+                            </p:childTnLst>
+                          </p:cTn>
+                        </p:par>
+                      </p:childTnLst>
+                    </p:cTn>
+                  </p:par>
+                  <p:par>
+                    <p:cTn id="11" fill="hold">
+                      <p:stCondLst>
+                        <p:cond delay="indefinite"/>
+                      </p:stCondLst>
+                      <p:childTnLst>
+                        <p:par>
+                          <p:cTn id="12" fill="hold">
+                            <p:stCondLst>
+                              <p:cond delay="0"/>
+                            </p:stCondLst>
+                            <p:childTnLst>
+                              <p:par>
+                                <p:cTn id="13" presetID="1" presetClass="entr" presetSubtype="0" fill="hold" nodeType="clickEffect">
+                                  <p:stCondLst>
+                                    <p:cond delay="0"/>
+                                  </p:stCondLst>
+                                  <p:childTnLst>
+                                    <p:set>
+                                      <p:cBhvr>
+                                        <p:cTn id="14" dur="1" fill="hold">
+                                          <p:stCondLst>
+                                            <p:cond delay="0"/>
+                                          </p:stCondLst>
+                                        </p:cTn>
+                                        <p:tgtEl>
+                                          <p:spTgt spid="3">
+                                            <p:txEl>
+                                              <p:pRg st="2" end="2"/>
+                                            </p:txEl>
+                                          </p:spTgt>
+                                        </p:tgtEl>
+                                        <p:attrNameLst>
+                                          <p:attrName>style.visibility</p:attrName>
+                                        </p:attrNameLst>
+                                      </p:cBhvr>
+                                      <p:to>
+                                        <p:strVal val="visible"/>
+                                      </p:to>
+                                    </p:set>
+                                  </p:childTnLst>
+                                </p:cTn>
+                              </p:par>
+                            </p:childTnLst>
+                          </p:cTn>
+                        </p:par>
+                      </p:childTnLst>
+                    </p:cTn>
+                  </p:par>
+                  <p:par>
+                    <p:cTn id="15" fill="hold">
+                      <p:stCondLst>
+                        <p:cond delay="indefinite"/>
+                      </p:stCondLst>
+                      <p:childTnLst>
+                        <p:par>
+                          <p:cTn id="16" fill="hold">
+                            <p:stCondLst>
+                              <p:cond delay="0"/>
+                            </p:stCondLst>
+                            <p:childTnLst>
+                              <p:par>
+                                <p:cTn id="17" presetID="1" presetClass="entr" presetSubtype="0" fill="hold" nodeType="clickEffect">
+                                  <p:stCondLst>
+                                    <p:cond delay="0"/>
+                                  </p:stCondLst>
+                                  <p:childTnLst>
+                                    <p:set>
+                                      <p:cBhvr>
+                                        <p:cTn id="18" dur="1" fill="hold">
+                                          <p:stCondLst>
+                                            <p:cond delay="0"/>
+                                          </p:stCondLst>
+                                        </p:cTn>
+                                        <p:tgtEl>
+                                          <p:spTgt spid="3">
+                                            <p:txEl>
+                                              <p:pRg st="3" end="3"/>
+                                            </p:txEl>
+                                          </p:spTgt>
+                                        </p:tgtEl>
+                                        <p:attrNameLst>
+                                          <p:attrName>style.visibility</p:attrName>
+                                        </p:attrNameLst>
+                                      </p:cBhvr>
+                                      <p:to>
+                                        <p:strVal val="visible"/>
+                                      </p:to>
+                                    </p:set>
+                                  </p:childTnLst>
+                                </p:cTn>
+                              </p:par>
+                            </p:childTnLst>
+                          </p:cTn>
+                        </p:par>
+                      </p:childTnLst>
+                    </p:cTn>
+                  </p:par>
+                  <p:par>
+                    <p:cTn id="19" fill="hold">
+                      <p:stCondLst>
+                        <p:cond delay="indefinite"/>
+                      </p:stCondLst>
+                      <p:childTnLst>
+                        <p:par>
+                          <p:cTn id="20" fill="hold">
+                            <p:stCondLst>
+                              <p:cond delay="0"/>
+                            </p:stCondLst>
+                            <p:childTnLst>
+                              <p:par>
+                                <p:cTn id="21" presetID="1" presetClass="entr" presetSubtype="0" fill="hold" nodeType="clickEffect">
+                                  <p:stCondLst>
+                                    <p:cond delay="0"/>
+                                  </p:stCondLst>
+                                  <p:childTnLst>
+                                    <p:set>
+                                      <p:cBhvr>
+                                        <p:cTn id="22" dur="1" fill="hold">
+                                          <p:stCondLst>
+                                            <p:cond delay="0"/>
+                                          </p:stCondLst>
+                                        </p:cTn>
+                                        <p:tgtEl>
+                                          <p:spTgt spid="3">
+                                            <p:txEl>
+                                              <p:pRg st="4" end="4"/>
+                                            </p:txEl>
+                                          </p:spTgt>
+                                        </p:tgtEl>
+                                        <p:attrNameLst>
+                                          <p:attrName>style.visibility</p:attrName>
+                                        </p:attrNameLst>
+                                      </p:cBhvr>
+                                      <p:to>
+                                        <p:strVal val="visible"/>
+                                      </p:to>
+                                    </p:set>
+                                  </p:childTnLst>
+                                </p:cTn>
+                              </p:par>
+                            </p:childTnLst>
+                          </p:cTn>
+                        </p:par>
+                      </p:childTnLst>
+                    </p:cTn>
+                  </p:par>
+                  <p:par>
+                    <p:cTn id="23" fill="hold">
+                      <p:stCondLst>
+                        <p:cond delay="indefinite"/>
+                      </p:stCondLst>
+                      <p:childTnLst>
+                        <p:par>
+                          <p:cTn id="24" fill="hold">
+                            <p:stCondLst>
+                              <p:cond delay="0"/>
+                            </p:stCondLst>
+                            <p:childTnLst>
+                              <p:par>
+                                <p:cTn id="25" presetID="1" presetClass="entr" presetSubtype="0" fill="hold" nodeType="clickEffect">
+                                  <p:stCondLst>
+                                    <p:cond delay="0"/>
+                                  </p:stCondLst>
+                                  <p:childTnLst>
+                                    <p:set>
+                                      <p:cBhvr>
+                                        <p:cTn id="26" dur="1" fill="hold">
+                                          <p:stCondLst>
+                                            <p:cond delay="0"/>
+                                          </p:stCondLst>
+                                        </p:cTn>
+                                        <p:tgtEl>
+                                          <p:spTgt spid="3">
+                                            <p:txEl>
+                                              <p:pRg st="5" end="5"/>
+                                            </p:txEl>
+                                          </p:spTgt>
+                                        </p:tgtEl>
+                                        <p:attrNameLst>
+                                          <p:attrName>style.visibility</p:attrName>
+                                        </p:attrNameLst>
+                                      </p:cBhvr>
+                                      <p:to>
+                                        <p:strVal val="visible"/>
+                                      </p:to>
+                                    </p:set>
+                                  </p:childTnLst>
+                                </p:cTn>
+                              </p:par>
+                            </p:childTnLst>
+                          </p:cTn>
+                        </p:par>
+                      </p:childTnLst>
+                    </p:cTn>
+                  </p:par>
+                </p:childTnLst>
+              </p:cTn>
+              <p:prevCondLst>
+                <p:cond evt="onPrev" delay="0">
+                  <p:tgtEl>
+                    <p:sldTgt/>
+                  </p:tgtEl>
+                </p:cond>
+              </p:prevCondLst>
+              <p:nextCondLst>
+                <p:cond evt="onNext" delay="0">
+                  <p:tgtEl>
+                    <p:sldTgt/>
+                  </p:tgtEl>
+                </p:cond>
+              </p:nextCondLst>
+            </p:seq>
+          </p:childTnLst>
+        </p:cTn>
+      </p:par>
+    </p:tnLst>
+  </p:timing>
 </p:sld>
 </file>
 
@@ -5824,6 +8465,330 @@
   <p:clrMapOvr>
     <a:masterClrMapping/>
   </p:clrMapOvr>
+  <p:timing>
+    <p:tnLst>
+      <p:par>
+        <p:cTn id="1" dur="indefinite" restart="never" nodeType="tmRoot">
+          <p:childTnLst>
+            <p:seq concurrent="1" nextAc="seek">
+              <p:cTn id="2" dur="indefinite" nodeType="mainSeq">
+                <p:childTnLst>
+                  <p:par>
+                    <p:cTn id="3" fill="hold">
+                      <p:stCondLst>
+                        <p:cond delay="indefinite"/>
+                      </p:stCondLst>
+                      <p:childTnLst>
+                        <p:par>
+                          <p:cTn id="4" fill="hold">
+                            <p:stCondLst>
+                              <p:cond delay="0"/>
+                            </p:stCondLst>
+                            <p:childTnLst>
+                              <p:par>
+                                <p:cTn id="5" presetID="1" presetClass="entr" presetSubtype="0" fill="hold" nodeType="clickEffect">
+                                  <p:stCondLst>
+                                    <p:cond delay="0"/>
+                                  </p:stCondLst>
+                                  <p:childTnLst>
+                                    <p:set>
+                                      <p:cBhvr>
+                                        <p:cTn id="6" dur="1" fill="hold">
+                                          <p:stCondLst>
+                                            <p:cond delay="0"/>
+                                          </p:stCondLst>
+                                        </p:cTn>
+                                        <p:tgtEl>
+                                          <p:spTgt spid="3">
+                                            <p:txEl>
+                                              <p:pRg st="0" end="0"/>
+                                            </p:txEl>
+                                          </p:spTgt>
+                                        </p:tgtEl>
+                                        <p:attrNameLst>
+                                          <p:attrName>style.visibility</p:attrName>
+                                        </p:attrNameLst>
+                                      </p:cBhvr>
+                                      <p:to>
+                                        <p:strVal val="visible"/>
+                                      </p:to>
+                                    </p:set>
+                                  </p:childTnLst>
+                                </p:cTn>
+                              </p:par>
+                            </p:childTnLst>
+                          </p:cTn>
+                        </p:par>
+                      </p:childTnLst>
+                    </p:cTn>
+                  </p:par>
+                  <p:par>
+                    <p:cTn id="7" fill="hold">
+                      <p:stCondLst>
+                        <p:cond delay="indefinite"/>
+                      </p:stCondLst>
+                      <p:childTnLst>
+                        <p:par>
+                          <p:cTn id="8" fill="hold">
+                            <p:stCondLst>
+                              <p:cond delay="0"/>
+                            </p:stCondLst>
+                            <p:childTnLst>
+                              <p:par>
+                                <p:cTn id="9" presetID="1" presetClass="entr" presetSubtype="0" fill="hold" nodeType="clickEffect">
+                                  <p:stCondLst>
+                                    <p:cond delay="0"/>
+                                  </p:stCondLst>
+                                  <p:childTnLst>
+                                    <p:set>
+                                      <p:cBhvr>
+                                        <p:cTn id="10" dur="1" fill="hold">
+                                          <p:stCondLst>
+                                            <p:cond delay="0"/>
+                                          </p:stCondLst>
+                                        </p:cTn>
+                                        <p:tgtEl>
+                                          <p:spTgt spid="3">
+                                            <p:txEl>
+                                              <p:pRg st="1" end="1"/>
+                                            </p:txEl>
+                                          </p:spTgt>
+                                        </p:tgtEl>
+                                        <p:attrNameLst>
+                                          <p:attrName>style.visibility</p:attrName>
+                                        </p:attrNameLst>
+                                      </p:cBhvr>
+                                      <p:to>
+                                        <p:strVal val="visible"/>
+                                      </p:to>
+                                    </p:set>
+                                  </p:childTnLst>
+                                </p:cTn>
+                              </p:par>
+                            </p:childTnLst>
+                          </p:cTn>
+                        </p:par>
+                      </p:childTnLst>
+                    </p:cTn>
+                  </p:par>
+                  <p:par>
+                    <p:cTn id="11" fill="hold">
+                      <p:stCondLst>
+                        <p:cond delay="indefinite"/>
+                      </p:stCondLst>
+                      <p:childTnLst>
+                        <p:par>
+                          <p:cTn id="12" fill="hold">
+                            <p:stCondLst>
+                              <p:cond delay="0"/>
+                            </p:stCondLst>
+                            <p:childTnLst>
+                              <p:par>
+                                <p:cTn id="13" presetID="1" presetClass="entr" presetSubtype="0" fill="hold" nodeType="clickEffect">
+                                  <p:stCondLst>
+                                    <p:cond delay="0"/>
+                                  </p:stCondLst>
+                                  <p:childTnLst>
+                                    <p:set>
+                                      <p:cBhvr>
+                                        <p:cTn id="14" dur="1" fill="hold">
+                                          <p:stCondLst>
+                                            <p:cond delay="0"/>
+                                          </p:stCondLst>
+                                        </p:cTn>
+                                        <p:tgtEl>
+                                          <p:spTgt spid="3">
+                                            <p:txEl>
+                                              <p:pRg st="2" end="2"/>
+                                            </p:txEl>
+                                          </p:spTgt>
+                                        </p:tgtEl>
+                                        <p:attrNameLst>
+                                          <p:attrName>style.visibility</p:attrName>
+                                        </p:attrNameLst>
+                                      </p:cBhvr>
+                                      <p:to>
+                                        <p:strVal val="visible"/>
+                                      </p:to>
+                                    </p:set>
+                                  </p:childTnLst>
+                                </p:cTn>
+                              </p:par>
+                            </p:childTnLst>
+                          </p:cTn>
+                        </p:par>
+                      </p:childTnLst>
+                    </p:cTn>
+                  </p:par>
+                  <p:par>
+                    <p:cTn id="15" fill="hold">
+                      <p:stCondLst>
+                        <p:cond delay="indefinite"/>
+                      </p:stCondLst>
+                      <p:childTnLst>
+                        <p:par>
+                          <p:cTn id="16" fill="hold">
+                            <p:stCondLst>
+                              <p:cond delay="0"/>
+                            </p:stCondLst>
+                            <p:childTnLst>
+                              <p:par>
+                                <p:cTn id="17" presetID="1" presetClass="entr" presetSubtype="0" fill="hold" nodeType="clickEffect">
+                                  <p:stCondLst>
+                                    <p:cond delay="0"/>
+                                  </p:stCondLst>
+                                  <p:childTnLst>
+                                    <p:set>
+                                      <p:cBhvr>
+                                        <p:cTn id="18" dur="1" fill="hold">
+                                          <p:stCondLst>
+                                            <p:cond delay="0"/>
+                                          </p:stCondLst>
+                                        </p:cTn>
+                                        <p:tgtEl>
+                                          <p:spTgt spid="3">
+                                            <p:txEl>
+                                              <p:pRg st="3" end="3"/>
+                                            </p:txEl>
+                                          </p:spTgt>
+                                        </p:tgtEl>
+                                        <p:attrNameLst>
+                                          <p:attrName>style.visibility</p:attrName>
+                                        </p:attrNameLst>
+                                      </p:cBhvr>
+                                      <p:to>
+                                        <p:strVal val="visible"/>
+                                      </p:to>
+                                    </p:set>
+                                  </p:childTnLst>
+                                </p:cTn>
+                              </p:par>
+                            </p:childTnLst>
+                          </p:cTn>
+                        </p:par>
+                      </p:childTnLst>
+                    </p:cTn>
+                  </p:par>
+                  <p:par>
+                    <p:cTn id="19" fill="hold">
+                      <p:stCondLst>
+                        <p:cond delay="indefinite"/>
+                      </p:stCondLst>
+                      <p:childTnLst>
+                        <p:par>
+                          <p:cTn id="20" fill="hold">
+                            <p:stCondLst>
+                              <p:cond delay="0"/>
+                            </p:stCondLst>
+                            <p:childTnLst>
+                              <p:par>
+                                <p:cTn id="21" presetID="1" presetClass="entr" presetSubtype="0" fill="hold" nodeType="clickEffect">
+                                  <p:stCondLst>
+                                    <p:cond delay="0"/>
+                                  </p:stCondLst>
+                                  <p:childTnLst>
+                                    <p:set>
+                                      <p:cBhvr>
+                                        <p:cTn id="22" dur="1" fill="hold">
+                                          <p:stCondLst>
+                                            <p:cond delay="0"/>
+                                          </p:stCondLst>
+                                        </p:cTn>
+                                        <p:tgtEl>
+                                          <p:spTgt spid="3">
+                                            <p:txEl>
+                                              <p:pRg st="4" end="4"/>
+                                            </p:txEl>
+                                          </p:spTgt>
+                                        </p:tgtEl>
+                                        <p:attrNameLst>
+                                          <p:attrName>style.visibility</p:attrName>
+                                        </p:attrNameLst>
+                                      </p:cBhvr>
+                                      <p:to>
+                                        <p:strVal val="visible"/>
+                                      </p:to>
+                                    </p:set>
+                                  </p:childTnLst>
+                                </p:cTn>
+                              </p:par>
+                            </p:childTnLst>
+                          </p:cTn>
+                        </p:par>
+                      </p:childTnLst>
+                    </p:cTn>
+                  </p:par>
+                  <p:par>
+                    <p:cTn id="23" fill="hold">
+                      <p:stCondLst>
+                        <p:cond delay="indefinite"/>
+                      </p:stCondLst>
+                      <p:childTnLst>
+                        <p:par>
+                          <p:cTn id="24" fill="hold">
+                            <p:stCondLst>
+                              <p:cond delay="0"/>
+                            </p:stCondLst>
+                            <p:childTnLst>
+                              <p:par>
+                                <p:cTn id="25" presetID="1" presetClass="entr" presetSubtype="0" fill="hold" nodeType="clickEffect">
+                                  <p:stCondLst>
+                                    <p:cond delay="0"/>
+                                  </p:stCondLst>
+                                  <p:childTnLst>
+                                    <p:set>
+                                      <p:cBhvr>
+                                        <p:cTn id="26" dur="1" fill="hold">
+                                          <p:stCondLst>
+                                            <p:cond delay="0"/>
+                                          </p:stCondLst>
+                                        </p:cTn>
+                                        <p:tgtEl>
+                                          <p:spTgt spid="3">
+                                            <p:txEl>
+                                              <p:pRg st="5" end="5"/>
+                                            </p:txEl>
+                                          </p:spTgt>
+                                        </p:tgtEl>
+                                        <p:attrNameLst>
+                                          <p:attrName>style.visibility</p:attrName>
+                                        </p:attrNameLst>
+                                      </p:cBhvr>
+                                      <p:to>
+                                        <p:strVal val="visible"/>
+                                      </p:to>
+                                    </p:set>
+                                  </p:childTnLst>
+                                </p:cTn>
+                              </p:par>
+                            </p:childTnLst>
+                          </p:cTn>
+                        </p:par>
+                      </p:childTnLst>
+                    </p:cTn>
+                  </p:par>
+                </p:childTnLst>
+              </p:cTn>
+              <p:prevCondLst>
+                <p:cond evt="onPrev" delay="0">
+                  <p:tgtEl>
+                    <p:sldTgt/>
+                  </p:tgtEl>
+                </p:cond>
+              </p:prevCondLst>
+              <p:nextCondLst>
+                <p:cond evt="onNext" delay="0">
+                  <p:tgtEl>
+                    <p:sldTgt/>
+                  </p:tgtEl>
+                </p:cond>
+              </p:nextCondLst>
+            </p:seq>
+          </p:childTnLst>
+        </p:cTn>
+      </p:par>
+    </p:tnLst>
+  </p:timing>
 </p:sld>
 </file>
 
@@ -6011,6 +8976,428 @@
   <p:clrMapOvr>
     <a:masterClrMapping/>
   </p:clrMapOvr>
+  <p:timing>
+    <p:tnLst>
+      <p:par>
+        <p:cTn id="1" dur="indefinite" restart="never" nodeType="tmRoot">
+          <p:childTnLst>
+            <p:seq concurrent="1" nextAc="seek">
+              <p:cTn id="2" dur="indefinite" nodeType="mainSeq">
+                <p:childTnLst>
+                  <p:par>
+                    <p:cTn id="3" fill="hold">
+                      <p:stCondLst>
+                        <p:cond delay="indefinite"/>
+                      </p:stCondLst>
+                      <p:childTnLst>
+                        <p:par>
+                          <p:cTn id="4" fill="hold">
+                            <p:stCondLst>
+                              <p:cond delay="0"/>
+                            </p:stCondLst>
+                            <p:childTnLst>
+                              <p:par>
+                                <p:cTn id="5" presetID="1" presetClass="entr" presetSubtype="0" fill="hold" nodeType="clickEffect">
+                                  <p:stCondLst>
+                                    <p:cond delay="0"/>
+                                  </p:stCondLst>
+                                  <p:childTnLst>
+                                    <p:set>
+                                      <p:cBhvr>
+                                        <p:cTn id="6" dur="1" fill="hold">
+                                          <p:stCondLst>
+                                            <p:cond delay="0"/>
+                                          </p:stCondLst>
+                                        </p:cTn>
+                                        <p:tgtEl>
+                                          <p:spTgt spid="3">
+                                            <p:txEl>
+                                              <p:pRg st="0" end="0"/>
+                                            </p:txEl>
+                                          </p:spTgt>
+                                        </p:tgtEl>
+                                        <p:attrNameLst>
+                                          <p:attrName>style.visibility</p:attrName>
+                                        </p:attrNameLst>
+                                      </p:cBhvr>
+                                      <p:to>
+                                        <p:strVal val="visible"/>
+                                      </p:to>
+                                    </p:set>
+                                  </p:childTnLst>
+                                </p:cTn>
+                              </p:par>
+                            </p:childTnLst>
+                          </p:cTn>
+                        </p:par>
+                      </p:childTnLst>
+                    </p:cTn>
+                  </p:par>
+                  <p:par>
+                    <p:cTn id="7" fill="hold">
+                      <p:stCondLst>
+                        <p:cond delay="indefinite"/>
+                      </p:stCondLst>
+                      <p:childTnLst>
+                        <p:par>
+                          <p:cTn id="8" fill="hold">
+                            <p:stCondLst>
+                              <p:cond delay="0"/>
+                            </p:stCondLst>
+                            <p:childTnLst>
+                              <p:par>
+                                <p:cTn id="9" presetID="1" presetClass="entr" presetSubtype="0" fill="hold" nodeType="clickEffect">
+                                  <p:stCondLst>
+                                    <p:cond delay="0"/>
+                                  </p:stCondLst>
+                                  <p:childTnLst>
+                                    <p:set>
+                                      <p:cBhvr>
+                                        <p:cTn id="10" dur="1" fill="hold">
+                                          <p:stCondLst>
+                                            <p:cond delay="0"/>
+                                          </p:stCondLst>
+                                        </p:cTn>
+                                        <p:tgtEl>
+                                          <p:spTgt spid="3">
+                                            <p:txEl>
+                                              <p:pRg st="1" end="1"/>
+                                            </p:txEl>
+                                          </p:spTgt>
+                                        </p:tgtEl>
+                                        <p:attrNameLst>
+                                          <p:attrName>style.visibility</p:attrName>
+                                        </p:attrNameLst>
+                                      </p:cBhvr>
+                                      <p:to>
+                                        <p:strVal val="visible"/>
+                                      </p:to>
+                                    </p:set>
+                                  </p:childTnLst>
+                                </p:cTn>
+                              </p:par>
+                            </p:childTnLst>
+                          </p:cTn>
+                        </p:par>
+                      </p:childTnLst>
+                    </p:cTn>
+                  </p:par>
+                  <p:par>
+                    <p:cTn id="11" fill="hold">
+                      <p:stCondLst>
+                        <p:cond delay="indefinite"/>
+                      </p:stCondLst>
+                      <p:childTnLst>
+                        <p:par>
+                          <p:cTn id="12" fill="hold">
+                            <p:stCondLst>
+                              <p:cond delay="0"/>
+                            </p:stCondLst>
+                            <p:childTnLst>
+                              <p:par>
+                                <p:cTn id="13" presetID="1" presetClass="entr" presetSubtype="0" fill="hold" nodeType="clickEffect">
+                                  <p:stCondLst>
+                                    <p:cond delay="0"/>
+                                  </p:stCondLst>
+                                  <p:childTnLst>
+                                    <p:set>
+                                      <p:cBhvr>
+                                        <p:cTn id="14" dur="1" fill="hold">
+                                          <p:stCondLst>
+                                            <p:cond delay="0"/>
+                                          </p:stCondLst>
+                                        </p:cTn>
+                                        <p:tgtEl>
+                                          <p:spTgt spid="3">
+                                            <p:txEl>
+                                              <p:pRg st="2" end="2"/>
+                                            </p:txEl>
+                                          </p:spTgt>
+                                        </p:tgtEl>
+                                        <p:attrNameLst>
+                                          <p:attrName>style.visibility</p:attrName>
+                                        </p:attrNameLst>
+                                      </p:cBhvr>
+                                      <p:to>
+                                        <p:strVal val="visible"/>
+                                      </p:to>
+                                    </p:set>
+                                  </p:childTnLst>
+                                </p:cTn>
+                              </p:par>
+                            </p:childTnLst>
+                          </p:cTn>
+                        </p:par>
+                      </p:childTnLst>
+                    </p:cTn>
+                  </p:par>
+                  <p:par>
+                    <p:cTn id="15" fill="hold">
+                      <p:stCondLst>
+                        <p:cond delay="indefinite"/>
+                      </p:stCondLst>
+                      <p:childTnLst>
+                        <p:par>
+                          <p:cTn id="16" fill="hold">
+                            <p:stCondLst>
+                              <p:cond delay="0"/>
+                            </p:stCondLst>
+                            <p:childTnLst>
+                              <p:par>
+                                <p:cTn id="17" presetID="1" presetClass="entr" presetSubtype="0" fill="hold" nodeType="clickEffect">
+                                  <p:stCondLst>
+                                    <p:cond delay="0"/>
+                                  </p:stCondLst>
+                                  <p:childTnLst>
+                                    <p:set>
+                                      <p:cBhvr>
+                                        <p:cTn id="18" dur="1" fill="hold">
+                                          <p:stCondLst>
+                                            <p:cond delay="0"/>
+                                          </p:stCondLst>
+                                        </p:cTn>
+                                        <p:tgtEl>
+                                          <p:spTgt spid="3">
+                                            <p:txEl>
+                                              <p:pRg st="3" end="3"/>
+                                            </p:txEl>
+                                          </p:spTgt>
+                                        </p:tgtEl>
+                                        <p:attrNameLst>
+                                          <p:attrName>style.visibility</p:attrName>
+                                        </p:attrNameLst>
+                                      </p:cBhvr>
+                                      <p:to>
+                                        <p:strVal val="visible"/>
+                                      </p:to>
+                                    </p:set>
+                                  </p:childTnLst>
+                                </p:cTn>
+                              </p:par>
+                            </p:childTnLst>
+                          </p:cTn>
+                        </p:par>
+                      </p:childTnLst>
+                    </p:cTn>
+                  </p:par>
+                  <p:par>
+                    <p:cTn id="19" fill="hold">
+                      <p:stCondLst>
+                        <p:cond delay="indefinite"/>
+                      </p:stCondLst>
+                      <p:childTnLst>
+                        <p:par>
+                          <p:cTn id="20" fill="hold">
+                            <p:stCondLst>
+                              <p:cond delay="0"/>
+                            </p:stCondLst>
+                            <p:childTnLst>
+                              <p:par>
+                                <p:cTn id="21" presetID="1" presetClass="entr" presetSubtype="0" fill="hold" nodeType="clickEffect">
+                                  <p:stCondLst>
+                                    <p:cond delay="0"/>
+                                  </p:stCondLst>
+                                  <p:childTnLst>
+                                    <p:set>
+                                      <p:cBhvr>
+                                        <p:cTn id="22" dur="1" fill="hold">
+                                          <p:stCondLst>
+                                            <p:cond delay="0"/>
+                                          </p:stCondLst>
+                                        </p:cTn>
+                                        <p:tgtEl>
+                                          <p:spTgt spid="3">
+                                            <p:txEl>
+                                              <p:pRg st="4" end="4"/>
+                                            </p:txEl>
+                                          </p:spTgt>
+                                        </p:tgtEl>
+                                        <p:attrNameLst>
+                                          <p:attrName>style.visibility</p:attrName>
+                                        </p:attrNameLst>
+                                      </p:cBhvr>
+                                      <p:to>
+                                        <p:strVal val="visible"/>
+                                      </p:to>
+                                    </p:set>
+                                  </p:childTnLst>
+                                </p:cTn>
+                              </p:par>
+                            </p:childTnLst>
+                          </p:cTn>
+                        </p:par>
+                      </p:childTnLst>
+                    </p:cTn>
+                  </p:par>
+                  <p:par>
+                    <p:cTn id="23" fill="hold">
+                      <p:stCondLst>
+                        <p:cond delay="indefinite"/>
+                      </p:stCondLst>
+                      <p:childTnLst>
+                        <p:par>
+                          <p:cTn id="24" fill="hold">
+                            <p:stCondLst>
+                              <p:cond delay="0"/>
+                            </p:stCondLst>
+                            <p:childTnLst>
+                              <p:par>
+                                <p:cTn id="25" presetID="1" presetClass="entr" presetSubtype="0" fill="hold" nodeType="clickEffect">
+                                  <p:stCondLst>
+                                    <p:cond delay="0"/>
+                                  </p:stCondLst>
+                                  <p:childTnLst>
+                                    <p:set>
+                                      <p:cBhvr>
+                                        <p:cTn id="26" dur="1" fill="hold">
+                                          <p:stCondLst>
+                                            <p:cond delay="0"/>
+                                          </p:stCondLst>
+                                        </p:cTn>
+                                        <p:tgtEl>
+                                          <p:spTgt spid="3">
+                                            <p:txEl>
+                                              <p:pRg st="5" end="5"/>
+                                            </p:txEl>
+                                          </p:spTgt>
+                                        </p:tgtEl>
+                                        <p:attrNameLst>
+                                          <p:attrName>style.visibility</p:attrName>
+                                        </p:attrNameLst>
+                                      </p:cBhvr>
+                                      <p:to>
+                                        <p:strVal val="visible"/>
+                                      </p:to>
+                                    </p:set>
+                                  </p:childTnLst>
+                                </p:cTn>
+                              </p:par>
+                            </p:childTnLst>
+                          </p:cTn>
+                        </p:par>
+                      </p:childTnLst>
+                    </p:cTn>
+                  </p:par>
+                  <p:par>
+                    <p:cTn id="27" fill="hold">
+                      <p:stCondLst>
+                        <p:cond delay="indefinite"/>
+                      </p:stCondLst>
+                      <p:childTnLst>
+                        <p:par>
+                          <p:cTn id="28" fill="hold">
+                            <p:stCondLst>
+                              <p:cond delay="0"/>
+                            </p:stCondLst>
+                            <p:childTnLst>
+                              <p:par>
+                                <p:cTn id="29" presetID="1" presetClass="entr" presetSubtype="0" fill="hold" nodeType="clickEffect">
+                                  <p:stCondLst>
+                                    <p:cond delay="0"/>
+                                  </p:stCondLst>
+                                  <p:childTnLst>
+                                    <p:set>
+                                      <p:cBhvr>
+                                        <p:cTn id="30" dur="1" fill="hold">
+                                          <p:stCondLst>
+                                            <p:cond delay="0"/>
+                                          </p:stCondLst>
+                                        </p:cTn>
+                                        <p:tgtEl>
+                                          <p:spTgt spid="3">
+                                            <p:txEl>
+                                              <p:pRg st="6" end="6"/>
+                                            </p:txEl>
+                                          </p:spTgt>
+                                        </p:tgtEl>
+                                        <p:attrNameLst>
+                                          <p:attrName>style.visibility</p:attrName>
+                                        </p:attrNameLst>
+                                      </p:cBhvr>
+                                      <p:to>
+                                        <p:strVal val="visible"/>
+                                      </p:to>
+                                    </p:set>
+                                  </p:childTnLst>
+                                </p:cTn>
+                              </p:par>
+                            </p:childTnLst>
+                          </p:cTn>
+                        </p:par>
+                      </p:childTnLst>
+                    </p:cTn>
+                  </p:par>
+                  <p:par>
+                    <p:cTn id="31" fill="hold">
+                      <p:stCondLst>
+                        <p:cond delay="indefinite"/>
+                      </p:stCondLst>
+                      <p:childTnLst>
+                        <p:par>
+                          <p:cTn id="32" fill="hold">
+                            <p:stCondLst>
+                              <p:cond delay="0"/>
+                            </p:stCondLst>
+                            <p:childTnLst>
+                              <p:par>
+                                <p:cTn id="33" presetID="1" presetClass="entr" presetSubtype="0" fill="hold" nodeType="clickEffect">
+                                  <p:stCondLst>
+                                    <p:cond delay="0"/>
+                                  </p:stCondLst>
+                                  <p:childTnLst>
+                                    <p:set>
+                                      <p:cBhvr>
+                                        <p:cTn id="34" dur="1" fill="hold">
+                                          <p:stCondLst>
+                                            <p:cond delay="0"/>
+                                          </p:stCondLst>
+                                        </p:cTn>
+                                        <p:tgtEl>
+                                          <p:spTgt spid="3">
+                                            <p:txEl>
+                                              <p:pRg st="7" end="7"/>
+                                            </p:txEl>
+                                          </p:spTgt>
+                                        </p:tgtEl>
+                                        <p:attrNameLst>
+                                          <p:attrName>style.visibility</p:attrName>
+                                        </p:attrNameLst>
+                                      </p:cBhvr>
+                                      <p:to>
+                                        <p:strVal val="visible"/>
+                                      </p:to>
+                                    </p:set>
+                                  </p:childTnLst>
+                                </p:cTn>
+                              </p:par>
+                            </p:childTnLst>
+                          </p:cTn>
+                        </p:par>
+                      </p:childTnLst>
+                    </p:cTn>
+                  </p:par>
+                </p:childTnLst>
+              </p:cTn>
+              <p:prevCondLst>
+                <p:cond evt="onPrev" delay="0">
+                  <p:tgtEl>
+                    <p:sldTgt/>
+                  </p:tgtEl>
+                </p:cond>
+              </p:prevCondLst>
+              <p:nextCondLst>
+                <p:cond evt="onNext" delay="0">
+                  <p:tgtEl>
+                    <p:sldTgt/>
+                  </p:tgtEl>
+                </p:cond>
+              </p:nextCondLst>
+            </p:seq>
+          </p:childTnLst>
+        </p:cTn>
+      </p:par>
+    </p:tnLst>
+  </p:timing>
 </p:sld>
 </file>
 
@@ -6321,6 +9708,420 @@
   <p:clrMapOvr>
     <a:masterClrMapping/>
   </p:clrMapOvr>
+  <p:timing>
+    <p:tnLst>
+      <p:par>
+        <p:cTn id="1" dur="indefinite" restart="never" nodeType="tmRoot">
+          <p:childTnLst>
+            <p:seq concurrent="1" nextAc="seek">
+              <p:cTn id="2" dur="indefinite" nodeType="mainSeq">
+                <p:childTnLst>
+                  <p:par>
+                    <p:cTn id="3" fill="hold">
+                      <p:stCondLst>
+                        <p:cond delay="indefinite"/>
+                      </p:stCondLst>
+                      <p:childTnLst>
+                        <p:par>
+                          <p:cTn id="4" fill="hold">
+                            <p:stCondLst>
+                              <p:cond delay="0"/>
+                            </p:stCondLst>
+                            <p:childTnLst>
+                              <p:par>
+                                <p:cTn id="5" presetID="1" presetClass="entr" presetSubtype="0" fill="hold" nodeType="clickEffect">
+                                  <p:stCondLst>
+                                    <p:cond delay="0"/>
+                                  </p:stCondLst>
+                                  <p:childTnLst>
+                                    <p:set>
+                                      <p:cBhvr>
+                                        <p:cTn id="6" dur="1" fill="hold">
+                                          <p:stCondLst>
+                                            <p:cond delay="0"/>
+                                          </p:stCondLst>
+                                        </p:cTn>
+                                        <p:tgtEl>
+                                          <p:spTgt spid="3">
+                                            <p:txEl>
+                                              <p:pRg st="0" end="0"/>
+                                            </p:txEl>
+                                          </p:spTgt>
+                                        </p:tgtEl>
+                                        <p:attrNameLst>
+                                          <p:attrName>style.visibility</p:attrName>
+                                        </p:attrNameLst>
+                                      </p:cBhvr>
+                                      <p:to>
+                                        <p:strVal val="visible"/>
+                                      </p:to>
+                                    </p:set>
+                                  </p:childTnLst>
+                                </p:cTn>
+                              </p:par>
+                            </p:childTnLst>
+                          </p:cTn>
+                        </p:par>
+                      </p:childTnLst>
+                    </p:cTn>
+                  </p:par>
+                  <p:par>
+                    <p:cTn id="7" fill="hold">
+                      <p:stCondLst>
+                        <p:cond delay="indefinite"/>
+                      </p:stCondLst>
+                      <p:childTnLst>
+                        <p:par>
+                          <p:cTn id="8" fill="hold">
+                            <p:stCondLst>
+                              <p:cond delay="0"/>
+                            </p:stCondLst>
+                            <p:childTnLst>
+                              <p:par>
+                                <p:cTn id="9" presetID="1" presetClass="entr" presetSubtype="0" fill="hold" nodeType="clickEffect">
+                                  <p:stCondLst>
+                                    <p:cond delay="0"/>
+                                  </p:stCondLst>
+                                  <p:childTnLst>
+                                    <p:set>
+                                      <p:cBhvr>
+                                        <p:cTn id="10" dur="1" fill="hold">
+                                          <p:stCondLst>
+                                            <p:cond delay="0"/>
+                                          </p:stCondLst>
+                                        </p:cTn>
+                                        <p:tgtEl>
+                                          <p:spTgt spid="3">
+                                            <p:txEl>
+                                              <p:pRg st="1" end="1"/>
+                                            </p:txEl>
+                                          </p:spTgt>
+                                        </p:tgtEl>
+                                        <p:attrNameLst>
+                                          <p:attrName>style.visibility</p:attrName>
+                                        </p:attrNameLst>
+                                      </p:cBhvr>
+                                      <p:to>
+                                        <p:strVal val="visible"/>
+                                      </p:to>
+                                    </p:set>
+                                  </p:childTnLst>
+                                </p:cTn>
+                              </p:par>
+                            </p:childTnLst>
+                          </p:cTn>
+                        </p:par>
+                      </p:childTnLst>
+                    </p:cTn>
+                  </p:par>
+                  <p:par>
+                    <p:cTn id="11" fill="hold">
+                      <p:stCondLst>
+                        <p:cond delay="indefinite"/>
+                      </p:stCondLst>
+                      <p:childTnLst>
+                        <p:par>
+                          <p:cTn id="12" fill="hold">
+                            <p:stCondLst>
+                              <p:cond delay="0"/>
+                            </p:stCondLst>
+                            <p:childTnLst>
+                              <p:par>
+                                <p:cTn id="13" presetID="1" presetClass="entr" presetSubtype="0" fill="hold" nodeType="clickEffect">
+                                  <p:stCondLst>
+                                    <p:cond delay="0"/>
+                                  </p:stCondLst>
+                                  <p:childTnLst>
+                                    <p:set>
+                                      <p:cBhvr>
+                                        <p:cTn id="14" dur="1" fill="hold">
+                                          <p:stCondLst>
+                                            <p:cond delay="0"/>
+                                          </p:stCondLst>
+                                        </p:cTn>
+                                        <p:tgtEl>
+                                          <p:spTgt spid="3">
+                                            <p:txEl>
+                                              <p:pRg st="2" end="2"/>
+                                            </p:txEl>
+                                          </p:spTgt>
+                                        </p:tgtEl>
+                                        <p:attrNameLst>
+                                          <p:attrName>style.visibility</p:attrName>
+                                        </p:attrNameLst>
+                                      </p:cBhvr>
+                                      <p:to>
+                                        <p:strVal val="visible"/>
+                                      </p:to>
+                                    </p:set>
+                                  </p:childTnLst>
+                                </p:cTn>
+                              </p:par>
+                            </p:childTnLst>
+                          </p:cTn>
+                        </p:par>
+                      </p:childTnLst>
+                    </p:cTn>
+                  </p:par>
+                  <p:par>
+                    <p:cTn id="15" fill="hold">
+                      <p:stCondLst>
+                        <p:cond delay="indefinite"/>
+                      </p:stCondLst>
+                      <p:childTnLst>
+                        <p:par>
+                          <p:cTn id="16" fill="hold">
+                            <p:stCondLst>
+                              <p:cond delay="0"/>
+                            </p:stCondLst>
+                            <p:childTnLst>
+                              <p:par>
+                                <p:cTn id="17" presetID="1" presetClass="entr" presetSubtype="0" fill="hold" nodeType="clickEffect">
+                                  <p:stCondLst>
+                                    <p:cond delay="0"/>
+                                  </p:stCondLst>
+                                  <p:childTnLst>
+                                    <p:set>
+                                      <p:cBhvr>
+                                        <p:cTn id="18" dur="1" fill="hold">
+                                          <p:stCondLst>
+                                            <p:cond delay="0"/>
+                                          </p:stCondLst>
+                                        </p:cTn>
+                                        <p:tgtEl>
+                                          <p:spTgt spid="1028"/>
+                                        </p:tgtEl>
+                                        <p:attrNameLst>
+                                          <p:attrName>style.visibility</p:attrName>
+                                        </p:attrNameLst>
+                                      </p:cBhvr>
+                                      <p:to>
+                                        <p:strVal val="visible"/>
+                                      </p:to>
+                                    </p:set>
+                                  </p:childTnLst>
+                                </p:cTn>
+                              </p:par>
+                            </p:childTnLst>
+                          </p:cTn>
+                        </p:par>
+                      </p:childTnLst>
+                    </p:cTn>
+                  </p:par>
+                  <p:par>
+                    <p:cTn id="19" fill="hold">
+                      <p:stCondLst>
+                        <p:cond delay="indefinite"/>
+                      </p:stCondLst>
+                      <p:childTnLst>
+                        <p:par>
+                          <p:cTn id="20" fill="hold">
+                            <p:stCondLst>
+                              <p:cond delay="0"/>
+                            </p:stCondLst>
+                            <p:childTnLst>
+                              <p:par>
+                                <p:cTn id="21" presetID="1" presetClass="entr" presetSubtype="0" fill="hold" nodeType="clickEffect">
+                                  <p:stCondLst>
+                                    <p:cond delay="0"/>
+                                  </p:stCondLst>
+                                  <p:childTnLst>
+                                    <p:set>
+                                      <p:cBhvr>
+                                        <p:cTn id="22" dur="1" fill="hold">
+                                          <p:stCondLst>
+                                            <p:cond delay="0"/>
+                                          </p:stCondLst>
+                                        </p:cTn>
+                                        <p:tgtEl>
+                                          <p:spTgt spid="1030"/>
+                                        </p:tgtEl>
+                                        <p:attrNameLst>
+                                          <p:attrName>style.visibility</p:attrName>
+                                        </p:attrNameLst>
+                                      </p:cBhvr>
+                                      <p:to>
+                                        <p:strVal val="visible"/>
+                                      </p:to>
+                                    </p:set>
+                                  </p:childTnLst>
+                                </p:cTn>
+                              </p:par>
+                            </p:childTnLst>
+                          </p:cTn>
+                        </p:par>
+                      </p:childTnLst>
+                    </p:cTn>
+                  </p:par>
+                  <p:par>
+                    <p:cTn id="23" fill="hold">
+                      <p:stCondLst>
+                        <p:cond delay="indefinite"/>
+                      </p:stCondLst>
+                      <p:childTnLst>
+                        <p:par>
+                          <p:cTn id="24" fill="hold">
+                            <p:stCondLst>
+                              <p:cond delay="0"/>
+                            </p:stCondLst>
+                            <p:childTnLst>
+                              <p:par>
+                                <p:cTn id="25" presetID="1" presetClass="entr" presetSubtype="0" fill="hold" nodeType="clickEffect">
+                                  <p:stCondLst>
+                                    <p:cond delay="0"/>
+                                  </p:stCondLst>
+                                  <p:childTnLst>
+                                    <p:set>
+                                      <p:cBhvr>
+                                        <p:cTn id="26" dur="1" fill="hold">
+                                          <p:stCondLst>
+                                            <p:cond delay="0"/>
+                                          </p:stCondLst>
+                                        </p:cTn>
+                                        <p:tgtEl>
+                                          <p:spTgt spid="3">
+                                            <p:txEl>
+                                              <p:pRg st="3" end="3"/>
+                                            </p:txEl>
+                                          </p:spTgt>
+                                        </p:tgtEl>
+                                        <p:attrNameLst>
+                                          <p:attrName>style.visibility</p:attrName>
+                                        </p:attrNameLst>
+                                      </p:cBhvr>
+                                      <p:to>
+                                        <p:strVal val="visible"/>
+                                      </p:to>
+                                    </p:set>
+                                  </p:childTnLst>
+                                </p:cTn>
+                              </p:par>
+                            </p:childTnLst>
+                          </p:cTn>
+                        </p:par>
+                      </p:childTnLst>
+                    </p:cTn>
+                  </p:par>
+                  <p:par>
+                    <p:cTn id="27" fill="hold">
+                      <p:stCondLst>
+                        <p:cond delay="indefinite"/>
+                      </p:stCondLst>
+                      <p:childTnLst>
+                        <p:par>
+                          <p:cTn id="28" fill="hold">
+                            <p:stCondLst>
+                              <p:cond delay="0"/>
+                            </p:stCondLst>
+                            <p:childTnLst>
+                              <p:par>
+                                <p:cTn id="29" presetID="1" presetClass="entr" presetSubtype="0" fill="hold" nodeType="clickEffect">
+                                  <p:stCondLst>
+                                    <p:cond delay="0"/>
+                                  </p:stCondLst>
+                                  <p:childTnLst>
+                                    <p:set>
+                                      <p:cBhvr>
+                                        <p:cTn id="30" dur="1" fill="hold">
+                                          <p:stCondLst>
+                                            <p:cond delay="0"/>
+                                          </p:stCondLst>
+                                        </p:cTn>
+                                        <p:tgtEl>
+                                          <p:spTgt spid="3">
+                                            <p:txEl>
+                                              <p:pRg st="4" end="4"/>
+                                            </p:txEl>
+                                          </p:spTgt>
+                                        </p:tgtEl>
+                                        <p:attrNameLst>
+                                          <p:attrName>style.visibility</p:attrName>
+                                        </p:attrNameLst>
+                                      </p:cBhvr>
+                                      <p:to>
+                                        <p:strVal val="visible"/>
+                                      </p:to>
+                                    </p:set>
+                                  </p:childTnLst>
+                                </p:cTn>
+                              </p:par>
+                            </p:childTnLst>
+                          </p:cTn>
+                        </p:par>
+                      </p:childTnLst>
+                    </p:cTn>
+                  </p:par>
+                  <p:par>
+                    <p:cTn id="31" fill="hold">
+                      <p:stCondLst>
+                        <p:cond delay="indefinite"/>
+                      </p:stCondLst>
+                      <p:childTnLst>
+                        <p:par>
+                          <p:cTn id="32" fill="hold">
+                            <p:stCondLst>
+                              <p:cond delay="0"/>
+                            </p:stCondLst>
+                            <p:childTnLst>
+                              <p:par>
+                                <p:cTn id="33" presetID="1" presetClass="entr" presetSubtype="0" fill="hold" nodeType="clickEffect">
+                                  <p:stCondLst>
+                                    <p:cond delay="0"/>
+                                  </p:stCondLst>
+                                  <p:childTnLst>
+                                    <p:set>
+                                      <p:cBhvr>
+                                        <p:cTn id="34" dur="1" fill="hold">
+                                          <p:stCondLst>
+                                            <p:cond delay="0"/>
+                                          </p:stCondLst>
+                                        </p:cTn>
+                                        <p:tgtEl>
+                                          <p:spTgt spid="3">
+                                            <p:txEl>
+                                              <p:pRg st="5" end="5"/>
+                                            </p:txEl>
+                                          </p:spTgt>
+                                        </p:tgtEl>
+                                        <p:attrNameLst>
+                                          <p:attrName>style.visibility</p:attrName>
+                                        </p:attrNameLst>
+                                      </p:cBhvr>
+                                      <p:to>
+                                        <p:strVal val="visible"/>
+                                      </p:to>
+                                    </p:set>
+                                  </p:childTnLst>
+                                </p:cTn>
+                              </p:par>
+                            </p:childTnLst>
+                          </p:cTn>
+                        </p:par>
+                      </p:childTnLst>
+                    </p:cTn>
+                  </p:par>
+                </p:childTnLst>
+              </p:cTn>
+              <p:prevCondLst>
+                <p:cond evt="onPrev" delay="0">
+                  <p:tgtEl>
+                    <p:sldTgt/>
+                  </p:tgtEl>
+                </p:cond>
+              </p:prevCondLst>
+              <p:nextCondLst>
+                <p:cond evt="onNext" delay="0">
+                  <p:tgtEl>
+                    <p:sldTgt/>
+                  </p:tgtEl>
+                </p:cond>
+              </p:nextCondLst>
+            </p:seq>
+          </p:childTnLst>
+        </p:cTn>
+      </p:par>
+    </p:tnLst>
+  </p:timing>
 </p:sld>
 </file>
 
@@ -6529,6 +10330,526 @@
   <p:clrMapOvr>
     <a:masterClrMapping/>
   </p:clrMapOvr>
+  <p:timing>
+    <p:tnLst>
+      <p:par>
+        <p:cTn id="1" dur="indefinite" restart="never" nodeType="tmRoot">
+          <p:childTnLst>
+            <p:seq concurrent="1" nextAc="seek">
+              <p:cTn id="2" dur="indefinite" nodeType="mainSeq">
+                <p:childTnLst>
+                  <p:par>
+                    <p:cTn id="3" fill="hold">
+                      <p:stCondLst>
+                        <p:cond delay="indefinite"/>
+                      </p:stCondLst>
+                      <p:childTnLst>
+                        <p:par>
+                          <p:cTn id="4" fill="hold">
+                            <p:stCondLst>
+                              <p:cond delay="0"/>
+                            </p:stCondLst>
+                            <p:childTnLst>
+                              <p:par>
+                                <p:cTn id="5" presetID="1" presetClass="entr" presetSubtype="0" fill="hold" nodeType="clickEffect">
+                                  <p:stCondLst>
+                                    <p:cond delay="0"/>
+                                  </p:stCondLst>
+                                  <p:childTnLst>
+                                    <p:set>
+                                      <p:cBhvr>
+                                        <p:cTn id="6" dur="1" fill="hold">
+                                          <p:stCondLst>
+                                            <p:cond delay="0"/>
+                                          </p:stCondLst>
+                                        </p:cTn>
+                                        <p:tgtEl>
+                                          <p:spTgt spid="3">
+                                            <p:txEl>
+                                              <p:pRg st="0" end="0"/>
+                                            </p:txEl>
+                                          </p:spTgt>
+                                        </p:tgtEl>
+                                        <p:attrNameLst>
+                                          <p:attrName>style.visibility</p:attrName>
+                                        </p:attrNameLst>
+                                      </p:cBhvr>
+                                      <p:to>
+                                        <p:strVal val="visible"/>
+                                      </p:to>
+                                    </p:set>
+                                  </p:childTnLst>
+                                </p:cTn>
+                              </p:par>
+                            </p:childTnLst>
+                          </p:cTn>
+                        </p:par>
+                      </p:childTnLst>
+                    </p:cTn>
+                  </p:par>
+                  <p:par>
+                    <p:cTn id="7" fill="hold">
+                      <p:stCondLst>
+                        <p:cond delay="indefinite"/>
+                      </p:stCondLst>
+                      <p:childTnLst>
+                        <p:par>
+                          <p:cTn id="8" fill="hold">
+                            <p:stCondLst>
+                              <p:cond delay="0"/>
+                            </p:stCondLst>
+                            <p:childTnLst>
+                              <p:par>
+                                <p:cTn id="9" presetID="1" presetClass="entr" presetSubtype="0" fill="hold" nodeType="clickEffect">
+                                  <p:stCondLst>
+                                    <p:cond delay="0"/>
+                                  </p:stCondLst>
+                                  <p:childTnLst>
+                                    <p:set>
+                                      <p:cBhvr>
+                                        <p:cTn id="10" dur="1" fill="hold">
+                                          <p:stCondLst>
+                                            <p:cond delay="0"/>
+                                          </p:stCondLst>
+                                        </p:cTn>
+                                        <p:tgtEl>
+                                          <p:spTgt spid="3">
+                                            <p:txEl>
+                                              <p:pRg st="1" end="1"/>
+                                            </p:txEl>
+                                          </p:spTgt>
+                                        </p:tgtEl>
+                                        <p:attrNameLst>
+                                          <p:attrName>style.visibility</p:attrName>
+                                        </p:attrNameLst>
+                                      </p:cBhvr>
+                                      <p:to>
+                                        <p:strVal val="visible"/>
+                                      </p:to>
+                                    </p:set>
+                                  </p:childTnLst>
+                                </p:cTn>
+                              </p:par>
+                            </p:childTnLst>
+                          </p:cTn>
+                        </p:par>
+                      </p:childTnLst>
+                    </p:cTn>
+                  </p:par>
+                  <p:par>
+                    <p:cTn id="11" fill="hold">
+                      <p:stCondLst>
+                        <p:cond delay="indefinite"/>
+                      </p:stCondLst>
+                      <p:childTnLst>
+                        <p:par>
+                          <p:cTn id="12" fill="hold">
+                            <p:stCondLst>
+                              <p:cond delay="0"/>
+                            </p:stCondLst>
+                            <p:childTnLst>
+                              <p:par>
+                                <p:cTn id="13" presetID="1" presetClass="entr" presetSubtype="0" fill="hold" nodeType="clickEffect">
+                                  <p:stCondLst>
+                                    <p:cond delay="0"/>
+                                  </p:stCondLst>
+                                  <p:childTnLst>
+                                    <p:set>
+                                      <p:cBhvr>
+                                        <p:cTn id="14" dur="1" fill="hold">
+                                          <p:stCondLst>
+                                            <p:cond delay="0"/>
+                                          </p:stCondLst>
+                                        </p:cTn>
+                                        <p:tgtEl>
+                                          <p:spTgt spid="3">
+                                            <p:txEl>
+                                              <p:pRg st="2" end="2"/>
+                                            </p:txEl>
+                                          </p:spTgt>
+                                        </p:tgtEl>
+                                        <p:attrNameLst>
+                                          <p:attrName>style.visibility</p:attrName>
+                                        </p:attrNameLst>
+                                      </p:cBhvr>
+                                      <p:to>
+                                        <p:strVal val="visible"/>
+                                      </p:to>
+                                    </p:set>
+                                  </p:childTnLst>
+                                </p:cTn>
+                              </p:par>
+                            </p:childTnLst>
+                          </p:cTn>
+                        </p:par>
+                      </p:childTnLst>
+                    </p:cTn>
+                  </p:par>
+                  <p:par>
+                    <p:cTn id="15" fill="hold">
+                      <p:stCondLst>
+                        <p:cond delay="indefinite"/>
+                      </p:stCondLst>
+                      <p:childTnLst>
+                        <p:par>
+                          <p:cTn id="16" fill="hold">
+                            <p:stCondLst>
+                              <p:cond delay="0"/>
+                            </p:stCondLst>
+                            <p:childTnLst>
+                              <p:par>
+                                <p:cTn id="17" presetID="1" presetClass="entr" presetSubtype="0" fill="hold" nodeType="clickEffect">
+                                  <p:stCondLst>
+                                    <p:cond delay="0"/>
+                                  </p:stCondLst>
+                                  <p:childTnLst>
+                                    <p:set>
+                                      <p:cBhvr>
+                                        <p:cTn id="18" dur="1" fill="hold">
+                                          <p:stCondLst>
+                                            <p:cond delay="0"/>
+                                          </p:stCondLst>
+                                        </p:cTn>
+                                        <p:tgtEl>
+                                          <p:spTgt spid="3">
+                                            <p:txEl>
+                                              <p:pRg st="3" end="3"/>
+                                            </p:txEl>
+                                          </p:spTgt>
+                                        </p:tgtEl>
+                                        <p:attrNameLst>
+                                          <p:attrName>style.visibility</p:attrName>
+                                        </p:attrNameLst>
+                                      </p:cBhvr>
+                                      <p:to>
+                                        <p:strVal val="visible"/>
+                                      </p:to>
+                                    </p:set>
+                                  </p:childTnLst>
+                                </p:cTn>
+                              </p:par>
+                            </p:childTnLst>
+                          </p:cTn>
+                        </p:par>
+                      </p:childTnLst>
+                    </p:cTn>
+                  </p:par>
+                  <p:par>
+                    <p:cTn id="19" fill="hold">
+                      <p:stCondLst>
+                        <p:cond delay="indefinite"/>
+                      </p:stCondLst>
+                      <p:childTnLst>
+                        <p:par>
+                          <p:cTn id="20" fill="hold">
+                            <p:stCondLst>
+                              <p:cond delay="0"/>
+                            </p:stCondLst>
+                            <p:childTnLst>
+                              <p:par>
+                                <p:cTn id="21" presetID="1" presetClass="entr" presetSubtype="0" fill="hold" nodeType="clickEffect">
+                                  <p:stCondLst>
+                                    <p:cond delay="0"/>
+                                  </p:stCondLst>
+                                  <p:childTnLst>
+                                    <p:set>
+                                      <p:cBhvr>
+                                        <p:cTn id="22" dur="1" fill="hold">
+                                          <p:stCondLst>
+                                            <p:cond delay="0"/>
+                                          </p:stCondLst>
+                                        </p:cTn>
+                                        <p:tgtEl>
+                                          <p:spTgt spid="3">
+                                            <p:txEl>
+                                              <p:pRg st="4" end="4"/>
+                                            </p:txEl>
+                                          </p:spTgt>
+                                        </p:tgtEl>
+                                        <p:attrNameLst>
+                                          <p:attrName>style.visibility</p:attrName>
+                                        </p:attrNameLst>
+                                      </p:cBhvr>
+                                      <p:to>
+                                        <p:strVal val="visible"/>
+                                      </p:to>
+                                    </p:set>
+                                  </p:childTnLst>
+                                </p:cTn>
+                              </p:par>
+                            </p:childTnLst>
+                          </p:cTn>
+                        </p:par>
+                      </p:childTnLst>
+                    </p:cTn>
+                  </p:par>
+                  <p:par>
+                    <p:cTn id="23" fill="hold">
+                      <p:stCondLst>
+                        <p:cond delay="indefinite"/>
+                      </p:stCondLst>
+                      <p:childTnLst>
+                        <p:par>
+                          <p:cTn id="24" fill="hold">
+                            <p:stCondLst>
+                              <p:cond delay="0"/>
+                            </p:stCondLst>
+                            <p:childTnLst>
+                              <p:par>
+                                <p:cTn id="25" presetID="1" presetClass="entr" presetSubtype="0" fill="hold" nodeType="clickEffect">
+                                  <p:stCondLst>
+                                    <p:cond delay="0"/>
+                                  </p:stCondLst>
+                                  <p:childTnLst>
+                                    <p:set>
+                                      <p:cBhvr>
+                                        <p:cTn id="26" dur="1" fill="hold">
+                                          <p:stCondLst>
+                                            <p:cond delay="0"/>
+                                          </p:stCondLst>
+                                        </p:cTn>
+                                        <p:tgtEl>
+                                          <p:spTgt spid="3">
+                                            <p:txEl>
+                                              <p:pRg st="5" end="5"/>
+                                            </p:txEl>
+                                          </p:spTgt>
+                                        </p:tgtEl>
+                                        <p:attrNameLst>
+                                          <p:attrName>style.visibility</p:attrName>
+                                        </p:attrNameLst>
+                                      </p:cBhvr>
+                                      <p:to>
+                                        <p:strVal val="visible"/>
+                                      </p:to>
+                                    </p:set>
+                                  </p:childTnLst>
+                                </p:cTn>
+                              </p:par>
+                            </p:childTnLst>
+                          </p:cTn>
+                        </p:par>
+                      </p:childTnLst>
+                    </p:cTn>
+                  </p:par>
+                  <p:par>
+                    <p:cTn id="27" fill="hold">
+                      <p:stCondLst>
+                        <p:cond delay="indefinite"/>
+                      </p:stCondLst>
+                      <p:childTnLst>
+                        <p:par>
+                          <p:cTn id="28" fill="hold">
+                            <p:stCondLst>
+                              <p:cond delay="0"/>
+                            </p:stCondLst>
+                            <p:childTnLst>
+                              <p:par>
+                                <p:cTn id="29" presetID="1" presetClass="entr" presetSubtype="0" fill="hold" nodeType="clickEffect">
+                                  <p:stCondLst>
+                                    <p:cond delay="0"/>
+                                  </p:stCondLst>
+                                  <p:childTnLst>
+                                    <p:set>
+                                      <p:cBhvr>
+                                        <p:cTn id="30" dur="1" fill="hold">
+                                          <p:stCondLst>
+                                            <p:cond delay="0"/>
+                                          </p:stCondLst>
+                                        </p:cTn>
+                                        <p:tgtEl>
+                                          <p:spTgt spid="3">
+                                            <p:txEl>
+                                              <p:pRg st="6" end="6"/>
+                                            </p:txEl>
+                                          </p:spTgt>
+                                        </p:tgtEl>
+                                        <p:attrNameLst>
+                                          <p:attrName>style.visibility</p:attrName>
+                                        </p:attrNameLst>
+                                      </p:cBhvr>
+                                      <p:to>
+                                        <p:strVal val="visible"/>
+                                      </p:to>
+                                    </p:set>
+                                  </p:childTnLst>
+                                </p:cTn>
+                              </p:par>
+                            </p:childTnLst>
+                          </p:cTn>
+                        </p:par>
+                      </p:childTnLst>
+                    </p:cTn>
+                  </p:par>
+                  <p:par>
+                    <p:cTn id="31" fill="hold">
+                      <p:stCondLst>
+                        <p:cond delay="indefinite"/>
+                      </p:stCondLst>
+                      <p:childTnLst>
+                        <p:par>
+                          <p:cTn id="32" fill="hold">
+                            <p:stCondLst>
+                              <p:cond delay="0"/>
+                            </p:stCondLst>
+                            <p:childTnLst>
+                              <p:par>
+                                <p:cTn id="33" presetID="1" presetClass="entr" presetSubtype="0" fill="hold" nodeType="clickEffect">
+                                  <p:stCondLst>
+                                    <p:cond delay="0"/>
+                                  </p:stCondLst>
+                                  <p:childTnLst>
+                                    <p:set>
+                                      <p:cBhvr>
+                                        <p:cTn id="34" dur="1" fill="hold">
+                                          <p:stCondLst>
+                                            <p:cond delay="0"/>
+                                          </p:stCondLst>
+                                        </p:cTn>
+                                        <p:tgtEl>
+                                          <p:spTgt spid="3">
+                                            <p:txEl>
+                                              <p:pRg st="7" end="7"/>
+                                            </p:txEl>
+                                          </p:spTgt>
+                                        </p:tgtEl>
+                                        <p:attrNameLst>
+                                          <p:attrName>style.visibility</p:attrName>
+                                        </p:attrNameLst>
+                                      </p:cBhvr>
+                                      <p:to>
+                                        <p:strVal val="visible"/>
+                                      </p:to>
+                                    </p:set>
+                                  </p:childTnLst>
+                                </p:cTn>
+                              </p:par>
+                            </p:childTnLst>
+                          </p:cTn>
+                        </p:par>
+                      </p:childTnLst>
+                    </p:cTn>
+                  </p:par>
+                  <p:par>
+                    <p:cTn id="35" fill="hold">
+                      <p:stCondLst>
+                        <p:cond delay="indefinite"/>
+                      </p:stCondLst>
+                      <p:childTnLst>
+                        <p:par>
+                          <p:cTn id="36" fill="hold">
+                            <p:stCondLst>
+                              <p:cond delay="0"/>
+                            </p:stCondLst>
+                            <p:childTnLst>
+                              <p:par>
+                                <p:cTn id="37" presetID="1" presetClass="entr" presetSubtype="0" fill="hold" nodeType="clickEffect">
+                                  <p:stCondLst>
+                                    <p:cond delay="0"/>
+                                  </p:stCondLst>
+                                  <p:childTnLst>
+                                    <p:set>
+                                      <p:cBhvr>
+                                        <p:cTn id="38" dur="1" fill="hold">
+                                          <p:stCondLst>
+                                            <p:cond delay="0"/>
+                                          </p:stCondLst>
+                                        </p:cTn>
+                                        <p:tgtEl>
+                                          <p:spTgt spid="3">
+                                            <p:txEl>
+                                              <p:pRg st="8" end="8"/>
+                                            </p:txEl>
+                                          </p:spTgt>
+                                        </p:tgtEl>
+                                        <p:attrNameLst>
+                                          <p:attrName>style.visibility</p:attrName>
+                                        </p:attrNameLst>
+                                      </p:cBhvr>
+                                      <p:to>
+                                        <p:strVal val="visible"/>
+                                      </p:to>
+                                    </p:set>
+                                  </p:childTnLst>
+                                </p:cTn>
+                              </p:par>
+                            </p:childTnLst>
+                          </p:cTn>
+                        </p:par>
+                      </p:childTnLst>
+                    </p:cTn>
+                  </p:par>
+                  <p:par>
+                    <p:cTn id="39" fill="hold">
+                      <p:stCondLst>
+                        <p:cond delay="indefinite"/>
+                      </p:stCondLst>
+                      <p:childTnLst>
+                        <p:par>
+                          <p:cTn id="40" fill="hold">
+                            <p:stCondLst>
+                              <p:cond delay="0"/>
+                            </p:stCondLst>
+                            <p:childTnLst>
+                              <p:par>
+                                <p:cTn id="41" presetID="1" presetClass="entr" presetSubtype="0" fill="hold" nodeType="clickEffect">
+                                  <p:stCondLst>
+                                    <p:cond delay="0"/>
+                                  </p:stCondLst>
+                                  <p:childTnLst>
+                                    <p:set>
+                                      <p:cBhvr>
+                                        <p:cTn id="42" dur="1" fill="hold">
+                                          <p:stCondLst>
+                                            <p:cond delay="0"/>
+                                          </p:stCondLst>
+                                        </p:cTn>
+                                        <p:tgtEl>
+                                          <p:spTgt spid="3">
+                                            <p:txEl>
+                                              <p:pRg st="9" end="9"/>
+                                            </p:txEl>
+                                          </p:spTgt>
+                                        </p:tgtEl>
+                                        <p:attrNameLst>
+                                          <p:attrName>style.visibility</p:attrName>
+                                        </p:attrNameLst>
+                                      </p:cBhvr>
+                                      <p:to>
+                                        <p:strVal val="visible"/>
+                                      </p:to>
+                                    </p:set>
+                                  </p:childTnLst>
+                                </p:cTn>
+                              </p:par>
+                            </p:childTnLst>
+                          </p:cTn>
+                        </p:par>
+                      </p:childTnLst>
+                    </p:cTn>
+                  </p:par>
+                </p:childTnLst>
+              </p:cTn>
+              <p:prevCondLst>
+                <p:cond evt="onPrev" delay="0">
+                  <p:tgtEl>
+                    <p:sldTgt/>
+                  </p:tgtEl>
+                </p:cond>
+              </p:prevCondLst>
+              <p:nextCondLst>
+                <p:cond evt="onNext" delay="0">
+                  <p:tgtEl>
+                    <p:sldTgt/>
+                  </p:tgtEl>
+                </p:cond>
+              </p:nextCondLst>
+            </p:seq>
+          </p:childTnLst>
+        </p:cTn>
+      </p:par>
+    </p:tnLst>
+  </p:timing>
 </p:sld>
 </file>
 
@@ -6703,10 +11024,795 @@
   <p:clrMapOvr>
     <a:masterClrMapping/>
   </p:clrMapOvr>
+  <p:timing>
+    <p:tnLst>
+      <p:par>
+        <p:cTn id="1" dur="indefinite" restart="never" nodeType="tmRoot">
+          <p:childTnLst>
+            <p:seq concurrent="1" nextAc="seek">
+              <p:cTn id="2" dur="indefinite" nodeType="mainSeq">
+                <p:childTnLst>
+                  <p:par>
+                    <p:cTn id="3" fill="hold">
+                      <p:stCondLst>
+                        <p:cond delay="indefinite"/>
+                      </p:stCondLst>
+                      <p:childTnLst>
+                        <p:par>
+                          <p:cTn id="4" fill="hold">
+                            <p:stCondLst>
+                              <p:cond delay="0"/>
+                            </p:stCondLst>
+                            <p:childTnLst>
+                              <p:par>
+                                <p:cTn id="5" presetID="1" presetClass="entr" presetSubtype="0" fill="hold" nodeType="clickEffect">
+                                  <p:stCondLst>
+                                    <p:cond delay="0"/>
+                                  </p:stCondLst>
+                                  <p:childTnLst>
+                                    <p:set>
+                                      <p:cBhvr>
+                                        <p:cTn id="6" dur="1" fill="hold">
+                                          <p:stCondLst>
+                                            <p:cond delay="0"/>
+                                          </p:stCondLst>
+                                        </p:cTn>
+                                        <p:tgtEl>
+                                          <p:spTgt spid="3">
+                                            <p:txEl>
+                                              <p:pRg st="0" end="0"/>
+                                            </p:txEl>
+                                          </p:spTgt>
+                                        </p:tgtEl>
+                                        <p:attrNameLst>
+                                          <p:attrName>style.visibility</p:attrName>
+                                        </p:attrNameLst>
+                                      </p:cBhvr>
+                                      <p:to>
+                                        <p:strVal val="visible"/>
+                                      </p:to>
+                                    </p:set>
+                                  </p:childTnLst>
+                                </p:cTn>
+                              </p:par>
+                            </p:childTnLst>
+                          </p:cTn>
+                        </p:par>
+                      </p:childTnLst>
+                    </p:cTn>
+                  </p:par>
+                  <p:par>
+                    <p:cTn id="7" fill="hold">
+                      <p:stCondLst>
+                        <p:cond delay="indefinite"/>
+                      </p:stCondLst>
+                      <p:childTnLst>
+                        <p:par>
+                          <p:cTn id="8" fill="hold">
+                            <p:stCondLst>
+                              <p:cond delay="0"/>
+                            </p:stCondLst>
+                            <p:childTnLst>
+                              <p:par>
+                                <p:cTn id="9" presetID="1" presetClass="entr" presetSubtype="0" fill="hold" nodeType="clickEffect">
+                                  <p:stCondLst>
+                                    <p:cond delay="0"/>
+                                  </p:stCondLst>
+                                  <p:childTnLst>
+                                    <p:set>
+                                      <p:cBhvr>
+                                        <p:cTn id="10" dur="1" fill="hold">
+                                          <p:stCondLst>
+                                            <p:cond delay="0"/>
+                                          </p:stCondLst>
+                                        </p:cTn>
+                                        <p:tgtEl>
+                                          <p:spTgt spid="3">
+                                            <p:txEl>
+                                              <p:pRg st="1" end="1"/>
+                                            </p:txEl>
+                                          </p:spTgt>
+                                        </p:tgtEl>
+                                        <p:attrNameLst>
+                                          <p:attrName>style.visibility</p:attrName>
+                                        </p:attrNameLst>
+                                      </p:cBhvr>
+                                      <p:to>
+                                        <p:strVal val="visible"/>
+                                      </p:to>
+                                    </p:set>
+                                  </p:childTnLst>
+                                </p:cTn>
+                              </p:par>
+                            </p:childTnLst>
+                          </p:cTn>
+                        </p:par>
+                      </p:childTnLst>
+                    </p:cTn>
+                  </p:par>
+                  <p:par>
+                    <p:cTn id="11" fill="hold">
+                      <p:stCondLst>
+                        <p:cond delay="indefinite"/>
+                      </p:stCondLst>
+                      <p:childTnLst>
+                        <p:par>
+                          <p:cTn id="12" fill="hold">
+                            <p:stCondLst>
+                              <p:cond delay="0"/>
+                            </p:stCondLst>
+                            <p:childTnLst>
+                              <p:par>
+                                <p:cTn id="13" presetID="1" presetClass="entr" presetSubtype="0" fill="hold" nodeType="clickEffect">
+                                  <p:stCondLst>
+                                    <p:cond delay="0"/>
+                                  </p:stCondLst>
+                                  <p:childTnLst>
+                                    <p:set>
+                                      <p:cBhvr>
+                                        <p:cTn id="14" dur="1" fill="hold">
+                                          <p:stCondLst>
+                                            <p:cond delay="0"/>
+                                          </p:stCondLst>
+                                        </p:cTn>
+                                        <p:tgtEl>
+                                          <p:spTgt spid="3">
+                                            <p:txEl>
+                                              <p:pRg st="2" end="2"/>
+                                            </p:txEl>
+                                          </p:spTgt>
+                                        </p:tgtEl>
+                                        <p:attrNameLst>
+                                          <p:attrName>style.visibility</p:attrName>
+                                        </p:attrNameLst>
+                                      </p:cBhvr>
+                                      <p:to>
+                                        <p:strVal val="visible"/>
+                                      </p:to>
+                                    </p:set>
+                                  </p:childTnLst>
+                                </p:cTn>
+                              </p:par>
+                            </p:childTnLst>
+                          </p:cTn>
+                        </p:par>
+                      </p:childTnLst>
+                    </p:cTn>
+                  </p:par>
+                  <p:par>
+                    <p:cTn id="15" fill="hold">
+                      <p:stCondLst>
+                        <p:cond delay="indefinite"/>
+                      </p:stCondLst>
+                      <p:childTnLst>
+                        <p:par>
+                          <p:cTn id="16" fill="hold">
+                            <p:stCondLst>
+                              <p:cond delay="0"/>
+                            </p:stCondLst>
+                            <p:childTnLst>
+                              <p:par>
+                                <p:cTn id="17" presetID="1" presetClass="entr" presetSubtype="0" fill="hold" nodeType="clickEffect">
+                                  <p:stCondLst>
+                                    <p:cond delay="0"/>
+                                  </p:stCondLst>
+                                  <p:childTnLst>
+                                    <p:set>
+                                      <p:cBhvr>
+                                        <p:cTn id="18" dur="1" fill="hold">
+                                          <p:stCondLst>
+                                            <p:cond delay="0"/>
+                                          </p:stCondLst>
+                                        </p:cTn>
+                                        <p:tgtEl>
+                                          <p:spTgt spid="3">
+                                            <p:txEl>
+                                              <p:pRg st="3" end="3"/>
+                                            </p:txEl>
+                                          </p:spTgt>
+                                        </p:tgtEl>
+                                        <p:attrNameLst>
+                                          <p:attrName>style.visibility</p:attrName>
+                                        </p:attrNameLst>
+                                      </p:cBhvr>
+                                      <p:to>
+                                        <p:strVal val="visible"/>
+                                      </p:to>
+                                    </p:set>
+                                  </p:childTnLst>
+                                </p:cTn>
+                              </p:par>
+                            </p:childTnLst>
+                          </p:cTn>
+                        </p:par>
+                      </p:childTnLst>
+                    </p:cTn>
+                  </p:par>
+                  <p:par>
+                    <p:cTn id="19" fill="hold">
+                      <p:stCondLst>
+                        <p:cond delay="indefinite"/>
+                      </p:stCondLst>
+                      <p:childTnLst>
+                        <p:par>
+                          <p:cTn id="20" fill="hold">
+                            <p:stCondLst>
+                              <p:cond delay="0"/>
+                            </p:stCondLst>
+                            <p:childTnLst>
+                              <p:par>
+                                <p:cTn id="21" presetID="1" presetClass="entr" presetSubtype="0" fill="hold" nodeType="clickEffect">
+                                  <p:stCondLst>
+                                    <p:cond delay="0"/>
+                                  </p:stCondLst>
+                                  <p:childTnLst>
+                                    <p:set>
+                                      <p:cBhvr>
+                                        <p:cTn id="22" dur="1" fill="hold">
+                                          <p:stCondLst>
+                                            <p:cond delay="0"/>
+                                          </p:stCondLst>
+                                        </p:cTn>
+                                        <p:tgtEl>
+                                          <p:spTgt spid="3">
+                                            <p:txEl>
+                                              <p:pRg st="4" end="4"/>
+                                            </p:txEl>
+                                          </p:spTgt>
+                                        </p:tgtEl>
+                                        <p:attrNameLst>
+                                          <p:attrName>style.visibility</p:attrName>
+                                        </p:attrNameLst>
+                                      </p:cBhvr>
+                                      <p:to>
+                                        <p:strVal val="visible"/>
+                                      </p:to>
+                                    </p:set>
+                                  </p:childTnLst>
+                                </p:cTn>
+                              </p:par>
+                            </p:childTnLst>
+                          </p:cTn>
+                        </p:par>
+                      </p:childTnLst>
+                    </p:cTn>
+                  </p:par>
+                  <p:par>
+                    <p:cTn id="23" fill="hold">
+                      <p:stCondLst>
+                        <p:cond delay="indefinite"/>
+                      </p:stCondLst>
+                      <p:childTnLst>
+                        <p:par>
+                          <p:cTn id="24" fill="hold">
+                            <p:stCondLst>
+                              <p:cond delay="0"/>
+                            </p:stCondLst>
+                            <p:childTnLst>
+                              <p:par>
+                                <p:cTn id="25" presetID="1" presetClass="entr" presetSubtype="0" fill="hold" nodeType="clickEffect">
+                                  <p:stCondLst>
+                                    <p:cond delay="0"/>
+                                  </p:stCondLst>
+                                  <p:childTnLst>
+                                    <p:set>
+                                      <p:cBhvr>
+                                        <p:cTn id="26" dur="1" fill="hold">
+                                          <p:stCondLst>
+                                            <p:cond delay="0"/>
+                                          </p:stCondLst>
+                                        </p:cTn>
+                                        <p:tgtEl>
+                                          <p:spTgt spid="3">
+                                            <p:txEl>
+                                              <p:pRg st="5" end="5"/>
+                                            </p:txEl>
+                                          </p:spTgt>
+                                        </p:tgtEl>
+                                        <p:attrNameLst>
+                                          <p:attrName>style.visibility</p:attrName>
+                                        </p:attrNameLst>
+                                      </p:cBhvr>
+                                      <p:to>
+                                        <p:strVal val="visible"/>
+                                      </p:to>
+                                    </p:set>
+                                  </p:childTnLst>
+                                </p:cTn>
+                              </p:par>
+                            </p:childTnLst>
+                          </p:cTn>
+                        </p:par>
+                      </p:childTnLst>
+                    </p:cTn>
+                  </p:par>
+                  <p:par>
+                    <p:cTn id="27" fill="hold">
+                      <p:stCondLst>
+                        <p:cond delay="indefinite"/>
+                      </p:stCondLst>
+                      <p:childTnLst>
+                        <p:par>
+                          <p:cTn id="28" fill="hold">
+                            <p:stCondLst>
+                              <p:cond delay="0"/>
+                            </p:stCondLst>
+                            <p:childTnLst>
+                              <p:par>
+                                <p:cTn id="29" presetID="1" presetClass="entr" presetSubtype="0" fill="hold" nodeType="clickEffect">
+                                  <p:stCondLst>
+                                    <p:cond delay="0"/>
+                                  </p:stCondLst>
+                                  <p:childTnLst>
+                                    <p:set>
+                                      <p:cBhvr>
+                                        <p:cTn id="30" dur="1" fill="hold">
+                                          <p:stCondLst>
+                                            <p:cond delay="0"/>
+                                          </p:stCondLst>
+                                        </p:cTn>
+                                        <p:tgtEl>
+                                          <p:spTgt spid="3">
+                                            <p:txEl>
+                                              <p:pRg st="6" end="6"/>
+                                            </p:txEl>
+                                          </p:spTgt>
+                                        </p:tgtEl>
+                                        <p:attrNameLst>
+                                          <p:attrName>style.visibility</p:attrName>
+                                        </p:attrNameLst>
+                                      </p:cBhvr>
+                                      <p:to>
+                                        <p:strVal val="visible"/>
+                                      </p:to>
+                                    </p:set>
+                                  </p:childTnLst>
+                                </p:cTn>
+                              </p:par>
+                            </p:childTnLst>
+                          </p:cTn>
+                        </p:par>
+                      </p:childTnLst>
+                    </p:cTn>
+                  </p:par>
+                  <p:par>
+                    <p:cTn id="31" fill="hold">
+                      <p:stCondLst>
+                        <p:cond delay="indefinite"/>
+                      </p:stCondLst>
+                      <p:childTnLst>
+                        <p:par>
+                          <p:cTn id="32" fill="hold">
+                            <p:stCondLst>
+                              <p:cond delay="0"/>
+                            </p:stCondLst>
+                            <p:childTnLst>
+                              <p:par>
+                                <p:cTn id="33" presetID="1" presetClass="entr" presetSubtype="0" fill="hold" nodeType="clickEffect">
+                                  <p:stCondLst>
+                                    <p:cond delay="0"/>
+                                  </p:stCondLst>
+                                  <p:childTnLst>
+                                    <p:set>
+                                      <p:cBhvr>
+                                        <p:cTn id="34" dur="1" fill="hold">
+                                          <p:stCondLst>
+                                            <p:cond delay="0"/>
+                                          </p:stCondLst>
+                                        </p:cTn>
+                                        <p:tgtEl>
+                                          <p:spTgt spid="3">
+                                            <p:txEl>
+                                              <p:pRg st="7" end="7"/>
+                                            </p:txEl>
+                                          </p:spTgt>
+                                        </p:tgtEl>
+                                        <p:attrNameLst>
+                                          <p:attrName>style.visibility</p:attrName>
+                                        </p:attrNameLst>
+                                      </p:cBhvr>
+                                      <p:to>
+                                        <p:strVal val="visible"/>
+                                      </p:to>
+                                    </p:set>
+                                  </p:childTnLst>
+                                </p:cTn>
+                              </p:par>
+                            </p:childTnLst>
+                          </p:cTn>
+                        </p:par>
+                      </p:childTnLst>
+                    </p:cTn>
+                  </p:par>
+                </p:childTnLst>
+              </p:cTn>
+              <p:prevCondLst>
+                <p:cond evt="onPrev" delay="0">
+                  <p:tgtEl>
+                    <p:sldTgt/>
+                  </p:tgtEl>
+                </p:cond>
+              </p:prevCondLst>
+              <p:nextCondLst>
+                <p:cond evt="onNext" delay="0">
+                  <p:tgtEl>
+                    <p:sldTgt/>
+                  </p:tgtEl>
+                </p:cond>
+              </p:nextCondLst>
+            </p:seq>
+          </p:childTnLst>
+        </p:cTn>
+      </p:par>
+    </p:tnLst>
+  </p:timing>
 </p:sld>
 </file>
 
 <file path=ppt/slides/slide22.xml><?xml version="1.0" encoding="utf-8"?>
+<p:sld xmlns:a="http://schemas.openxmlformats.org/drawingml/2006/main" xmlns:r="http://schemas.openxmlformats.org/officeDocument/2006/relationships" xmlns:p="http://schemas.openxmlformats.org/presentationml/2006/main">
+  <p:cSld>
+    <p:spTree>
+      <p:nvGrpSpPr>
+        <p:cNvPr id="1" name=""/>
+        <p:cNvGrpSpPr/>
+        <p:nvPr/>
+      </p:nvGrpSpPr>
+      <p:grpSpPr>
+        <a:xfrm>
+          <a:off x="0" y="0"/>
+          <a:ext cx="0" cy="0"/>
+          <a:chOff x="0" y="0"/>
+          <a:chExt cx="0" cy="0"/>
+        </a:xfrm>
+      </p:grpSpPr>
+      <p:sp>
+        <p:nvSpPr>
+          <p:cNvPr id="2" name="Title 1">
+            <a:extLst>
+              <a:ext uri="{FF2B5EF4-FFF2-40B4-BE49-F238E27FC236}">
+                <a16:creationId xmlns:a16="http://schemas.microsoft.com/office/drawing/2014/main" id="{19D43D90-392B-4DC5-8121-7192FC8F9C2F}"/>
+              </a:ext>
+            </a:extLst>
+          </p:cNvPr>
+          <p:cNvSpPr>
+            <a:spLocks noGrp="1"/>
+          </p:cNvSpPr>
+          <p:nvPr>
+            <p:ph type="title"/>
+          </p:nvPr>
+        </p:nvSpPr>
+        <p:spPr/>
+        <p:txBody>
+          <a:bodyPr/>
+          <a:lstStyle/>
+          <a:p>
+            <a:r>
+              <a:rPr lang="en-US" dirty="0"/>
+              <a:t>Next week</a:t>
+            </a:r>
+            <a:endParaRPr lang="en-DE" dirty="0"/>
+          </a:p>
+        </p:txBody>
+      </p:sp>
+      <p:sp>
+        <p:nvSpPr>
+          <p:cNvPr id="3" name="Content Placeholder 2">
+            <a:extLst>
+              <a:ext uri="{FF2B5EF4-FFF2-40B4-BE49-F238E27FC236}">
+                <a16:creationId xmlns:a16="http://schemas.microsoft.com/office/drawing/2014/main" id="{60238D3A-A79D-4C0B-9E8C-B8823AA8716A}"/>
+              </a:ext>
+            </a:extLst>
+          </p:cNvPr>
+          <p:cNvSpPr>
+            <a:spLocks noGrp="1"/>
+          </p:cNvSpPr>
+          <p:nvPr>
+            <p:ph idx="1"/>
+          </p:nvPr>
+        </p:nvSpPr>
+        <p:spPr/>
+        <p:txBody>
+          <a:bodyPr/>
+          <a:lstStyle/>
+          <a:p>
+            <a:r>
+              <a:rPr lang="en-US" dirty="0"/>
+              <a:t>Next week will be the last week of our overview of the philosophical side of the </a:t>
+            </a:r>
+            <a:r>
+              <a:rPr lang="en-US" dirty="0" err="1"/>
+              <a:t>LoT</a:t>
+            </a:r>
+            <a:r>
+              <a:rPr lang="en-US" dirty="0"/>
+              <a:t> debate.</a:t>
+            </a:r>
+          </a:p>
+          <a:p>
+            <a:r>
+              <a:rPr lang="en-US" dirty="0"/>
+              <a:t>We will consider some objections to the </a:t>
+            </a:r>
+            <a:r>
+              <a:rPr lang="en-US" dirty="0" err="1"/>
+              <a:t>LoTH</a:t>
+            </a:r>
+            <a:r>
+              <a:rPr lang="en-US" dirty="0"/>
+              <a:t> (and possibly counter-objections).</a:t>
+            </a:r>
+          </a:p>
+          <a:p>
+            <a:r>
+              <a:rPr lang="en-US" dirty="0"/>
+              <a:t>Afterwards, we will have a new aim: implement a computational model of the human </a:t>
+            </a:r>
+            <a:r>
+              <a:rPr lang="en-US" dirty="0" err="1"/>
+              <a:t>LoT</a:t>
+            </a:r>
+            <a:r>
+              <a:rPr lang="en-US" dirty="0"/>
+              <a:t>, or at least some fragments of it.</a:t>
+            </a:r>
+          </a:p>
+          <a:p>
+            <a:r>
+              <a:rPr lang="en-US" dirty="0"/>
+              <a:t>Therefore, after next week we will start going into some more technical stuff: formal grammars, functions, Bayesian probability. This will be needed to develop specific implementations of some fragments of the </a:t>
+            </a:r>
+            <a:r>
+              <a:rPr lang="en-US" dirty="0" err="1"/>
+              <a:t>LoT</a:t>
+            </a:r>
+            <a:r>
+              <a:rPr lang="en-US" dirty="0"/>
+              <a:t>.</a:t>
+            </a:r>
+          </a:p>
+        </p:txBody>
+      </p:sp>
+    </p:spTree>
+    <p:extLst>
+      <p:ext uri="{BB962C8B-B14F-4D97-AF65-F5344CB8AC3E}">
+        <p14:creationId xmlns:p14="http://schemas.microsoft.com/office/powerpoint/2010/main" val="3108290459"/>
+      </p:ext>
+    </p:extLst>
+  </p:cSld>
+  <p:clrMapOvr>
+    <a:masterClrMapping/>
+  </p:clrMapOvr>
+  <p:timing>
+    <p:tnLst>
+      <p:par>
+        <p:cTn id="1" dur="indefinite" restart="never" nodeType="tmRoot">
+          <p:childTnLst>
+            <p:seq concurrent="1" nextAc="seek">
+              <p:cTn id="2" dur="indefinite" nodeType="mainSeq">
+                <p:childTnLst>
+                  <p:par>
+                    <p:cTn id="3" fill="hold">
+                      <p:stCondLst>
+                        <p:cond delay="indefinite"/>
+                      </p:stCondLst>
+                      <p:childTnLst>
+                        <p:par>
+                          <p:cTn id="4" fill="hold">
+                            <p:stCondLst>
+                              <p:cond delay="0"/>
+                            </p:stCondLst>
+                            <p:childTnLst>
+                              <p:par>
+                                <p:cTn id="5" presetID="1" presetClass="entr" presetSubtype="0" fill="hold" nodeType="clickEffect">
+                                  <p:stCondLst>
+                                    <p:cond delay="0"/>
+                                  </p:stCondLst>
+                                  <p:childTnLst>
+                                    <p:set>
+                                      <p:cBhvr>
+                                        <p:cTn id="6" dur="1" fill="hold">
+                                          <p:stCondLst>
+                                            <p:cond delay="0"/>
+                                          </p:stCondLst>
+                                        </p:cTn>
+                                        <p:tgtEl>
+                                          <p:spTgt spid="3">
+                                            <p:txEl>
+                                              <p:pRg st="0" end="0"/>
+                                            </p:txEl>
+                                          </p:spTgt>
+                                        </p:tgtEl>
+                                        <p:attrNameLst>
+                                          <p:attrName>style.visibility</p:attrName>
+                                        </p:attrNameLst>
+                                      </p:cBhvr>
+                                      <p:to>
+                                        <p:strVal val="visible"/>
+                                      </p:to>
+                                    </p:set>
+                                  </p:childTnLst>
+                                </p:cTn>
+                              </p:par>
+                            </p:childTnLst>
+                          </p:cTn>
+                        </p:par>
+                      </p:childTnLst>
+                    </p:cTn>
+                  </p:par>
+                  <p:par>
+                    <p:cTn id="7" fill="hold">
+                      <p:stCondLst>
+                        <p:cond delay="indefinite"/>
+                      </p:stCondLst>
+                      <p:childTnLst>
+                        <p:par>
+                          <p:cTn id="8" fill="hold">
+                            <p:stCondLst>
+                              <p:cond delay="0"/>
+                            </p:stCondLst>
+                            <p:childTnLst>
+                              <p:par>
+                                <p:cTn id="9" presetID="1" presetClass="entr" presetSubtype="0" fill="hold" nodeType="clickEffect">
+                                  <p:stCondLst>
+                                    <p:cond delay="0"/>
+                                  </p:stCondLst>
+                                  <p:childTnLst>
+                                    <p:set>
+                                      <p:cBhvr>
+                                        <p:cTn id="10" dur="1" fill="hold">
+                                          <p:stCondLst>
+                                            <p:cond delay="0"/>
+                                          </p:stCondLst>
+                                        </p:cTn>
+                                        <p:tgtEl>
+                                          <p:spTgt spid="3">
+                                            <p:txEl>
+                                              <p:pRg st="1" end="1"/>
+                                            </p:txEl>
+                                          </p:spTgt>
+                                        </p:tgtEl>
+                                        <p:attrNameLst>
+                                          <p:attrName>style.visibility</p:attrName>
+                                        </p:attrNameLst>
+                                      </p:cBhvr>
+                                      <p:to>
+                                        <p:strVal val="visible"/>
+                                      </p:to>
+                                    </p:set>
+                                  </p:childTnLst>
+                                </p:cTn>
+                              </p:par>
+                            </p:childTnLst>
+                          </p:cTn>
+                        </p:par>
+                      </p:childTnLst>
+                    </p:cTn>
+                  </p:par>
+                  <p:par>
+                    <p:cTn id="11" fill="hold">
+                      <p:stCondLst>
+                        <p:cond delay="indefinite"/>
+                      </p:stCondLst>
+                      <p:childTnLst>
+                        <p:par>
+                          <p:cTn id="12" fill="hold">
+                            <p:stCondLst>
+                              <p:cond delay="0"/>
+                            </p:stCondLst>
+                            <p:childTnLst>
+                              <p:par>
+                                <p:cTn id="13" presetID="1" presetClass="entr" presetSubtype="0" fill="hold" nodeType="clickEffect">
+                                  <p:stCondLst>
+                                    <p:cond delay="0"/>
+                                  </p:stCondLst>
+                                  <p:childTnLst>
+                                    <p:set>
+                                      <p:cBhvr>
+                                        <p:cTn id="14" dur="1" fill="hold">
+                                          <p:stCondLst>
+                                            <p:cond delay="0"/>
+                                          </p:stCondLst>
+                                        </p:cTn>
+                                        <p:tgtEl>
+                                          <p:spTgt spid="3">
+                                            <p:txEl>
+                                              <p:pRg st="2" end="2"/>
+                                            </p:txEl>
+                                          </p:spTgt>
+                                        </p:tgtEl>
+                                        <p:attrNameLst>
+                                          <p:attrName>style.visibility</p:attrName>
+                                        </p:attrNameLst>
+                                      </p:cBhvr>
+                                      <p:to>
+                                        <p:strVal val="visible"/>
+                                      </p:to>
+                                    </p:set>
+                                  </p:childTnLst>
+                                </p:cTn>
+                              </p:par>
+                            </p:childTnLst>
+                          </p:cTn>
+                        </p:par>
+                      </p:childTnLst>
+                    </p:cTn>
+                  </p:par>
+                  <p:par>
+                    <p:cTn id="15" fill="hold">
+                      <p:stCondLst>
+                        <p:cond delay="indefinite"/>
+                      </p:stCondLst>
+                      <p:childTnLst>
+                        <p:par>
+                          <p:cTn id="16" fill="hold">
+                            <p:stCondLst>
+                              <p:cond delay="0"/>
+                            </p:stCondLst>
+                            <p:childTnLst>
+                              <p:par>
+                                <p:cTn id="17" presetID="1" presetClass="entr" presetSubtype="0" fill="hold" nodeType="clickEffect">
+                                  <p:stCondLst>
+                                    <p:cond delay="0"/>
+                                  </p:stCondLst>
+                                  <p:childTnLst>
+                                    <p:set>
+                                      <p:cBhvr>
+                                        <p:cTn id="18" dur="1" fill="hold">
+                                          <p:stCondLst>
+                                            <p:cond delay="0"/>
+                                          </p:stCondLst>
+                                        </p:cTn>
+                                        <p:tgtEl>
+                                          <p:spTgt spid="3">
+                                            <p:txEl>
+                                              <p:pRg st="3" end="3"/>
+                                            </p:txEl>
+                                          </p:spTgt>
+                                        </p:tgtEl>
+                                        <p:attrNameLst>
+                                          <p:attrName>style.visibility</p:attrName>
+                                        </p:attrNameLst>
+                                      </p:cBhvr>
+                                      <p:to>
+                                        <p:strVal val="visible"/>
+                                      </p:to>
+                                    </p:set>
+                                  </p:childTnLst>
+                                </p:cTn>
+                              </p:par>
+                            </p:childTnLst>
+                          </p:cTn>
+                        </p:par>
+                      </p:childTnLst>
+                    </p:cTn>
+                  </p:par>
+                </p:childTnLst>
+              </p:cTn>
+              <p:prevCondLst>
+                <p:cond evt="onPrev" delay="0">
+                  <p:tgtEl>
+                    <p:sldTgt/>
+                  </p:tgtEl>
+                </p:cond>
+              </p:prevCondLst>
+              <p:nextCondLst>
+                <p:cond evt="onNext" delay="0">
+                  <p:tgtEl>
+                    <p:sldTgt/>
+                  </p:tgtEl>
+                </p:cond>
+              </p:nextCondLst>
+            </p:seq>
+          </p:childTnLst>
+        </p:cTn>
+      </p:par>
+    </p:tnLst>
+  </p:timing>
+</p:sld>
+</file>
+
+<file path=ppt/slides/slide23.xml><?xml version="1.0" encoding="utf-8"?>
 <p:sld xmlns:a="http://schemas.openxmlformats.org/drawingml/2006/main" xmlns:r="http://schemas.openxmlformats.org/officeDocument/2006/relationships" xmlns:p="http://schemas.openxmlformats.org/presentationml/2006/main">
   <p:cSld>
     <p:spTree>
@@ -6809,15 +11915,7 @@
             </a:r>
             <a:r>
               <a:rPr lang="en-US" dirty="0"/>
-              <a:t>(</a:t>
-            </a:r>
-            <a:r>
-              <a:rPr lang="en-US"/>
-              <a:t>if it does)? </a:t>
-            </a:r>
-            <a:r>
-              <a:rPr lang="en-US" dirty="0"/>
-              <a:t>Does it exist in the same way that chairs exist?</a:t>
+              <a:t>(if it does)? Does it exist in the same way that chairs exist?</a:t>
             </a:r>
             <a:endParaRPr lang="en-DE" dirty="0"/>
           </a:p>
@@ -6833,143 +11931,281 @@
   <p:clrMapOvr>
     <a:masterClrMapping/>
   </p:clrMapOvr>
-</p:sld>
-</file>
-
-<file path=ppt/slides/slide23.xml><?xml version="1.0" encoding="utf-8"?>
-<p:sld xmlns:a="http://schemas.openxmlformats.org/drawingml/2006/main" xmlns:r="http://schemas.openxmlformats.org/officeDocument/2006/relationships" xmlns:p="http://schemas.openxmlformats.org/presentationml/2006/main">
-  <p:cSld>
-    <p:spTree>
-      <p:nvGrpSpPr>
-        <p:cNvPr id="1" name=""/>
-        <p:cNvGrpSpPr/>
-        <p:nvPr/>
-      </p:nvGrpSpPr>
-      <p:grpSpPr>
-        <a:xfrm>
-          <a:off x="0" y="0"/>
-          <a:ext cx="0" cy="0"/>
-          <a:chOff x="0" y="0"/>
-          <a:chExt cx="0" cy="0"/>
-        </a:xfrm>
-      </p:grpSpPr>
-      <p:sp>
-        <p:nvSpPr>
-          <p:cNvPr id="2" name="Title 1">
-            <a:extLst>
-              <a:ext uri="{FF2B5EF4-FFF2-40B4-BE49-F238E27FC236}">
-                <a16:creationId xmlns:a16="http://schemas.microsoft.com/office/drawing/2014/main" id="{19D43D90-392B-4DC5-8121-7192FC8F9C2F}"/>
-              </a:ext>
-            </a:extLst>
-          </p:cNvPr>
-          <p:cNvSpPr>
-            <a:spLocks noGrp="1"/>
-          </p:cNvSpPr>
-          <p:nvPr>
-            <p:ph type="title"/>
-          </p:nvPr>
-        </p:nvSpPr>
-        <p:spPr/>
-        <p:txBody>
-          <a:bodyPr/>
-          <a:lstStyle/>
-          <a:p>
-            <a:r>
-              <a:rPr lang="en-US" dirty="0"/>
-              <a:t>Next week</a:t>
-            </a:r>
-            <a:endParaRPr lang="en-DE" dirty="0"/>
-          </a:p>
-        </p:txBody>
-      </p:sp>
-      <p:sp>
-        <p:nvSpPr>
-          <p:cNvPr id="3" name="Content Placeholder 2">
-            <a:extLst>
-              <a:ext uri="{FF2B5EF4-FFF2-40B4-BE49-F238E27FC236}">
-                <a16:creationId xmlns:a16="http://schemas.microsoft.com/office/drawing/2014/main" id="{60238D3A-A79D-4C0B-9E8C-B8823AA8716A}"/>
-              </a:ext>
-            </a:extLst>
-          </p:cNvPr>
-          <p:cNvSpPr>
-            <a:spLocks noGrp="1"/>
-          </p:cNvSpPr>
-          <p:nvPr>
-            <p:ph idx="1"/>
-          </p:nvPr>
-        </p:nvSpPr>
-        <p:spPr/>
-        <p:txBody>
-          <a:bodyPr/>
-          <a:lstStyle/>
-          <a:p>
-            <a:r>
-              <a:rPr lang="en-US" dirty="0"/>
-              <a:t>Next week will be the last week of our overview of the philosophical side of the </a:t>
-            </a:r>
-            <a:r>
-              <a:rPr lang="en-US" dirty="0" err="1"/>
-              <a:t>LoT</a:t>
-            </a:r>
-            <a:r>
-              <a:rPr lang="en-US" dirty="0"/>
-              <a:t> debate.</a:t>
-            </a:r>
-          </a:p>
-          <a:p>
-            <a:r>
-              <a:rPr lang="en-US" dirty="0"/>
-              <a:t>We will consider some objections to the </a:t>
-            </a:r>
-            <a:r>
-              <a:rPr lang="en-US" dirty="0" err="1"/>
-              <a:t>LoTH</a:t>
-            </a:r>
-            <a:r>
-              <a:rPr lang="en-US" dirty="0"/>
-              <a:t> (and possibly counter-objections).</a:t>
-            </a:r>
-          </a:p>
-          <a:p>
-            <a:r>
-              <a:rPr lang="en-US" dirty="0"/>
-              <a:t>Afterwards, we will have a new aim: implement a computational model of the human </a:t>
-            </a:r>
-            <a:r>
-              <a:rPr lang="en-US" dirty="0" err="1"/>
-              <a:t>LoT</a:t>
-            </a:r>
-            <a:r>
-              <a:rPr lang="en-US" dirty="0"/>
-              <a:t>, or at least some fragments of it.</a:t>
-            </a:r>
-          </a:p>
-          <a:p>
-            <a:r>
-              <a:rPr lang="en-US" dirty="0"/>
-              <a:t>Therefore, after next week we will start going into some more technical stuff: formal grammars, functions, Bayesian probability. This will be needed to develop specific implementations of some fragments of the </a:t>
-            </a:r>
-            <a:r>
-              <a:rPr lang="en-US" dirty="0" err="1"/>
-              <a:t>LoT</a:t>
-            </a:r>
-            <a:r>
-              <a:rPr lang="en-US" dirty="0"/>
-              <a:t>.</a:t>
-            </a:r>
-          </a:p>
-        </p:txBody>
-      </p:sp>
-    </p:spTree>
-    <p:extLst>
-      <p:ext uri="{BB962C8B-B14F-4D97-AF65-F5344CB8AC3E}">
-        <p14:creationId xmlns:p14="http://schemas.microsoft.com/office/powerpoint/2010/main" val="3108290459"/>
-      </p:ext>
-    </p:extLst>
-  </p:cSld>
-  <p:clrMapOvr>
-    <a:masterClrMapping/>
-  </p:clrMapOvr>
+  <p:timing>
+    <p:tnLst>
+      <p:par>
+        <p:cTn id="1" dur="indefinite" restart="never" nodeType="tmRoot">
+          <p:childTnLst>
+            <p:seq concurrent="1" nextAc="seek">
+              <p:cTn id="2" dur="indefinite" nodeType="mainSeq">
+                <p:childTnLst>
+                  <p:par>
+                    <p:cTn id="3" fill="hold">
+                      <p:stCondLst>
+                        <p:cond delay="indefinite"/>
+                      </p:stCondLst>
+                      <p:childTnLst>
+                        <p:par>
+                          <p:cTn id="4" fill="hold">
+                            <p:stCondLst>
+                              <p:cond delay="0"/>
+                            </p:stCondLst>
+                            <p:childTnLst>
+                              <p:par>
+                                <p:cTn id="5" presetID="1" presetClass="entr" presetSubtype="0" fill="hold" nodeType="clickEffect">
+                                  <p:stCondLst>
+                                    <p:cond delay="0"/>
+                                  </p:stCondLst>
+                                  <p:childTnLst>
+                                    <p:set>
+                                      <p:cBhvr>
+                                        <p:cTn id="6" dur="1" fill="hold">
+                                          <p:stCondLst>
+                                            <p:cond delay="0"/>
+                                          </p:stCondLst>
+                                        </p:cTn>
+                                        <p:tgtEl>
+                                          <p:spTgt spid="3">
+                                            <p:txEl>
+                                              <p:pRg st="0" end="0"/>
+                                            </p:txEl>
+                                          </p:spTgt>
+                                        </p:tgtEl>
+                                        <p:attrNameLst>
+                                          <p:attrName>style.visibility</p:attrName>
+                                        </p:attrNameLst>
+                                      </p:cBhvr>
+                                      <p:to>
+                                        <p:strVal val="visible"/>
+                                      </p:to>
+                                    </p:set>
+                                  </p:childTnLst>
+                                </p:cTn>
+                              </p:par>
+                            </p:childTnLst>
+                          </p:cTn>
+                        </p:par>
+                      </p:childTnLst>
+                    </p:cTn>
+                  </p:par>
+                  <p:par>
+                    <p:cTn id="7" fill="hold">
+                      <p:stCondLst>
+                        <p:cond delay="indefinite"/>
+                      </p:stCondLst>
+                      <p:childTnLst>
+                        <p:par>
+                          <p:cTn id="8" fill="hold">
+                            <p:stCondLst>
+                              <p:cond delay="0"/>
+                            </p:stCondLst>
+                            <p:childTnLst>
+                              <p:par>
+                                <p:cTn id="9" presetID="1" presetClass="entr" presetSubtype="0" fill="hold" nodeType="clickEffect">
+                                  <p:stCondLst>
+                                    <p:cond delay="0"/>
+                                  </p:stCondLst>
+                                  <p:childTnLst>
+                                    <p:set>
+                                      <p:cBhvr>
+                                        <p:cTn id="10" dur="1" fill="hold">
+                                          <p:stCondLst>
+                                            <p:cond delay="0"/>
+                                          </p:stCondLst>
+                                        </p:cTn>
+                                        <p:tgtEl>
+                                          <p:spTgt spid="3">
+                                            <p:txEl>
+                                              <p:pRg st="1" end="1"/>
+                                            </p:txEl>
+                                          </p:spTgt>
+                                        </p:tgtEl>
+                                        <p:attrNameLst>
+                                          <p:attrName>style.visibility</p:attrName>
+                                        </p:attrNameLst>
+                                      </p:cBhvr>
+                                      <p:to>
+                                        <p:strVal val="visible"/>
+                                      </p:to>
+                                    </p:set>
+                                  </p:childTnLst>
+                                </p:cTn>
+                              </p:par>
+                            </p:childTnLst>
+                          </p:cTn>
+                        </p:par>
+                      </p:childTnLst>
+                    </p:cTn>
+                  </p:par>
+                  <p:par>
+                    <p:cTn id="11" fill="hold">
+                      <p:stCondLst>
+                        <p:cond delay="indefinite"/>
+                      </p:stCondLst>
+                      <p:childTnLst>
+                        <p:par>
+                          <p:cTn id="12" fill="hold">
+                            <p:stCondLst>
+                              <p:cond delay="0"/>
+                            </p:stCondLst>
+                            <p:childTnLst>
+                              <p:par>
+                                <p:cTn id="13" presetID="1" presetClass="entr" presetSubtype="0" fill="hold" nodeType="clickEffect">
+                                  <p:stCondLst>
+                                    <p:cond delay="0"/>
+                                  </p:stCondLst>
+                                  <p:childTnLst>
+                                    <p:set>
+                                      <p:cBhvr>
+                                        <p:cTn id="14" dur="1" fill="hold">
+                                          <p:stCondLst>
+                                            <p:cond delay="0"/>
+                                          </p:stCondLst>
+                                        </p:cTn>
+                                        <p:tgtEl>
+                                          <p:spTgt spid="3">
+                                            <p:txEl>
+                                              <p:pRg st="2" end="2"/>
+                                            </p:txEl>
+                                          </p:spTgt>
+                                        </p:tgtEl>
+                                        <p:attrNameLst>
+                                          <p:attrName>style.visibility</p:attrName>
+                                        </p:attrNameLst>
+                                      </p:cBhvr>
+                                      <p:to>
+                                        <p:strVal val="visible"/>
+                                      </p:to>
+                                    </p:set>
+                                  </p:childTnLst>
+                                </p:cTn>
+                              </p:par>
+                            </p:childTnLst>
+                          </p:cTn>
+                        </p:par>
+                      </p:childTnLst>
+                    </p:cTn>
+                  </p:par>
+                  <p:par>
+                    <p:cTn id="15" fill="hold">
+                      <p:stCondLst>
+                        <p:cond delay="indefinite"/>
+                      </p:stCondLst>
+                      <p:childTnLst>
+                        <p:par>
+                          <p:cTn id="16" fill="hold">
+                            <p:stCondLst>
+                              <p:cond delay="0"/>
+                            </p:stCondLst>
+                            <p:childTnLst>
+                              <p:par>
+                                <p:cTn id="17" presetID="1" presetClass="entr" presetSubtype="0" fill="hold" nodeType="clickEffect">
+                                  <p:stCondLst>
+                                    <p:cond delay="0"/>
+                                  </p:stCondLst>
+                                  <p:childTnLst>
+                                    <p:set>
+                                      <p:cBhvr>
+                                        <p:cTn id="18" dur="1" fill="hold">
+                                          <p:stCondLst>
+                                            <p:cond delay="0"/>
+                                          </p:stCondLst>
+                                        </p:cTn>
+                                        <p:tgtEl>
+                                          <p:spTgt spid="3">
+                                            <p:txEl>
+                                              <p:pRg st="3" end="3"/>
+                                            </p:txEl>
+                                          </p:spTgt>
+                                        </p:tgtEl>
+                                        <p:attrNameLst>
+                                          <p:attrName>style.visibility</p:attrName>
+                                        </p:attrNameLst>
+                                      </p:cBhvr>
+                                      <p:to>
+                                        <p:strVal val="visible"/>
+                                      </p:to>
+                                    </p:set>
+                                  </p:childTnLst>
+                                </p:cTn>
+                              </p:par>
+                            </p:childTnLst>
+                          </p:cTn>
+                        </p:par>
+                      </p:childTnLst>
+                    </p:cTn>
+                  </p:par>
+                  <p:par>
+                    <p:cTn id="19" fill="hold">
+                      <p:stCondLst>
+                        <p:cond delay="indefinite"/>
+                      </p:stCondLst>
+                      <p:childTnLst>
+                        <p:par>
+                          <p:cTn id="20" fill="hold">
+                            <p:stCondLst>
+                              <p:cond delay="0"/>
+                            </p:stCondLst>
+                            <p:childTnLst>
+                              <p:par>
+                                <p:cTn id="21" presetID="1" presetClass="entr" presetSubtype="0" fill="hold" nodeType="clickEffect">
+                                  <p:stCondLst>
+                                    <p:cond delay="0"/>
+                                  </p:stCondLst>
+                                  <p:childTnLst>
+                                    <p:set>
+                                      <p:cBhvr>
+                                        <p:cTn id="22" dur="1" fill="hold">
+                                          <p:stCondLst>
+                                            <p:cond delay="0"/>
+                                          </p:stCondLst>
+                                        </p:cTn>
+                                        <p:tgtEl>
+                                          <p:spTgt spid="3">
+                                            <p:txEl>
+                                              <p:pRg st="4" end="4"/>
+                                            </p:txEl>
+                                          </p:spTgt>
+                                        </p:tgtEl>
+                                        <p:attrNameLst>
+                                          <p:attrName>style.visibility</p:attrName>
+                                        </p:attrNameLst>
+                                      </p:cBhvr>
+                                      <p:to>
+                                        <p:strVal val="visible"/>
+                                      </p:to>
+                                    </p:set>
+                                  </p:childTnLst>
+                                </p:cTn>
+                              </p:par>
+                            </p:childTnLst>
+                          </p:cTn>
+                        </p:par>
+                      </p:childTnLst>
+                    </p:cTn>
+                  </p:par>
+                </p:childTnLst>
+              </p:cTn>
+              <p:prevCondLst>
+                <p:cond evt="onPrev" delay="0">
+                  <p:tgtEl>
+                    <p:sldTgt/>
+                  </p:tgtEl>
+                </p:cond>
+              </p:prevCondLst>
+              <p:nextCondLst>
+                <p:cond evt="onNext" delay="0">
+                  <p:tgtEl>
+                    <p:sldTgt/>
+                  </p:tgtEl>
+                </p:cond>
+              </p:nextCondLst>
+            </p:seq>
+          </p:childTnLst>
+        </p:cTn>
+      </p:par>
+    </p:tnLst>
+  </p:timing>
 </p:sld>
 </file>
 
@@ -7481,6 +12717,424 @@
   <p:clrMapOvr>
     <a:masterClrMapping/>
   </p:clrMapOvr>
+  <p:timing>
+    <p:tnLst>
+      <p:par>
+        <p:cTn id="1" dur="indefinite" restart="never" nodeType="tmRoot">
+          <p:childTnLst>
+            <p:seq concurrent="1" nextAc="seek">
+              <p:cTn id="2" dur="indefinite" nodeType="mainSeq">
+                <p:childTnLst>
+                  <p:par>
+                    <p:cTn id="3" fill="hold">
+                      <p:stCondLst>
+                        <p:cond delay="indefinite"/>
+                      </p:stCondLst>
+                      <p:childTnLst>
+                        <p:par>
+                          <p:cTn id="4" fill="hold">
+                            <p:stCondLst>
+                              <p:cond delay="0"/>
+                            </p:stCondLst>
+                            <p:childTnLst>
+                              <p:par>
+                                <p:cTn id="5" presetID="1" presetClass="entr" presetSubtype="0" fill="hold" nodeType="clickEffect">
+                                  <p:stCondLst>
+                                    <p:cond delay="0"/>
+                                  </p:stCondLst>
+                                  <p:childTnLst>
+                                    <p:set>
+                                      <p:cBhvr>
+                                        <p:cTn id="6" dur="1" fill="hold">
+                                          <p:stCondLst>
+                                            <p:cond delay="0"/>
+                                          </p:stCondLst>
+                                        </p:cTn>
+                                        <p:tgtEl>
+                                          <p:spTgt spid="3">
+                                            <p:txEl>
+                                              <p:pRg st="0" end="0"/>
+                                            </p:txEl>
+                                          </p:spTgt>
+                                        </p:tgtEl>
+                                        <p:attrNameLst>
+                                          <p:attrName>style.visibility</p:attrName>
+                                        </p:attrNameLst>
+                                      </p:cBhvr>
+                                      <p:to>
+                                        <p:strVal val="visible"/>
+                                      </p:to>
+                                    </p:set>
+                                  </p:childTnLst>
+                                </p:cTn>
+                              </p:par>
+                            </p:childTnLst>
+                          </p:cTn>
+                        </p:par>
+                      </p:childTnLst>
+                    </p:cTn>
+                  </p:par>
+                  <p:par>
+                    <p:cTn id="7" fill="hold">
+                      <p:stCondLst>
+                        <p:cond delay="indefinite"/>
+                      </p:stCondLst>
+                      <p:childTnLst>
+                        <p:par>
+                          <p:cTn id="8" fill="hold">
+                            <p:stCondLst>
+                              <p:cond delay="0"/>
+                            </p:stCondLst>
+                            <p:childTnLst>
+                              <p:par>
+                                <p:cTn id="9" presetID="1" presetClass="entr" presetSubtype="0" fill="hold" nodeType="clickEffect">
+                                  <p:stCondLst>
+                                    <p:cond delay="0"/>
+                                  </p:stCondLst>
+                                  <p:childTnLst>
+                                    <p:set>
+                                      <p:cBhvr>
+                                        <p:cTn id="10" dur="1" fill="hold">
+                                          <p:stCondLst>
+                                            <p:cond delay="0"/>
+                                          </p:stCondLst>
+                                        </p:cTn>
+                                        <p:tgtEl>
+                                          <p:spTgt spid="4"/>
+                                        </p:tgtEl>
+                                        <p:attrNameLst>
+                                          <p:attrName>style.visibility</p:attrName>
+                                        </p:attrNameLst>
+                                      </p:cBhvr>
+                                      <p:to>
+                                        <p:strVal val="visible"/>
+                                      </p:to>
+                                    </p:set>
+                                  </p:childTnLst>
+                                </p:cTn>
+                              </p:par>
+                            </p:childTnLst>
+                          </p:cTn>
+                        </p:par>
+                      </p:childTnLst>
+                    </p:cTn>
+                  </p:par>
+                  <p:par>
+                    <p:cTn id="11" fill="hold">
+                      <p:stCondLst>
+                        <p:cond delay="indefinite"/>
+                      </p:stCondLst>
+                      <p:childTnLst>
+                        <p:par>
+                          <p:cTn id="12" fill="hold">
+                            <p:stCondLst>
+                              <p:cond delay="0"/>
+                            </p:stCondLst>
+                            <p:childTnLst>
+                              <p:par>
+                                <p:cTn id="13" presetID="1" presetClass="entr" presetSubtype="0" fill="hold" nodeType="clickEffect">
+                                  <p:stCondLst>
+                                    <p:cond delay="0"/>
+                                  </p:stCondLst>
+                                  <p:childTnLst>
+                                    <p:set>
+                                      <p:cBhvr>
+                                        <p:cTn id="14" dur="1" fill="hold">
+                                          <p:stCondLst>
+                                            <p:cond delay="0"/>
+                                          </p:stCondLst>
+                                        </p:cTn>
+                                        <p:tgtEl>
+                                          <p:spTgt spid="3">
+                                            <p:txEl>
+                                              <p:pRg st="1" end="1"/>
+                                            </p:txEl>
+                                          </p:spTgt>
+                                        </p:tgtEl>
+                                        <p:attrNameLst>
+                                          <p:attrName>style.visibility</p:attrName>
+                                        </p:attrNameLst>
+                                      </p:cBhvr>
+                                      <p:to>
+                                        <p:strVal val="visible"/>
+                                      </p:to>
+                                    </p:set>
+                                  </p:childTnLst>
+                                </p:cTn>
+                              </p:par>
+                            </p:childTnLst>
+                          </p:cTn>
+                        </p:par>
+                      </p:childTnLst>
+                    </p:cTn>
+                  </p:par>
+                  <p:par>
+                    <p:cTn id="15" fill="hold">
+                      <p:stCondLst>
+                        <p:cond delay="indefinite"/>
+                      </p:stCondLst>
+                      <p:childTnLst>
+                        <p:par>
+                          <p:cTn id="16" fill="hold">
+                            <p:stCondLst>
+                              <p:cond delay="0"/>
+                            </p:stCondLst>
+                            <p:childTnLst>
+                              <p:par>
+                                <p:cTn id="17" presetID="1" presetClass="entr" presetSubtype="0" fill="hold" nodeType="clickEffect">
+                                  <p:stCondLst>
+                                    <p:cond delay="0"/>
+                                  </p:stCondLst>
+                                  <p:childTnLst>
+                                    <p:set>
+                                      <p:cBhvr>
+                                        <p:cTn id="18" dur="1" fill="hold">
+                                          <p:stCondLst>
+                                            <p:cond delay="0"/>
+                                          </p:stCondLst>
+                                        </p:cTn>
+                                        <p:tgtEl>
+                                          <p:spTgt spid="3">
+                                            <p:txEl>
+                                              <p:pRg st="2" end="2"/>
+                                            </p:txEl>
+                                          </p:spTgt>
+                                        </p:tgtEl>
+                                        <p:attrNameLst>
+                                          <p:attrName>style.visibility</p:attrName>
+                                        </p:attrNameLst>
+                                      </p:cBhvr>
+                                      <p:to>
+                                        <p:strVal val="visible"/>
+                                      </p:to>
+                                    </p:set>
+                                  </p:childTnLst>
+                                </p:cTn>
+                              </p:par>
+                            </p:childTnLst>
+                          </p:cTn>
+                        </p:par>
+                      </p:childTnLst>
+                    </p:cTn>
+                  </p:par>
+                  <p:par>
+                    <p:cTn id="19" fill="hold">
+                      <p:stCondLst>
+                        <p:cond delay="indefinite"/>
+                      </p:stCondLst>
+                      <p:childTnLst>
+                        <p:par>
+                          <p:cTn id="20" fill="hold">
+                            <p:stCondLst>
+                              <p:cond delay="0"/>
+                            </p:stCondLst>
+                            <p:childTnLst>
+                              <p:par>
+                                <p:cTn id="21" presetID="1" presetClass="entr" presetSubtype="0" fill="hold" nodeType="clickEffect">
+                                  <p:stCondLst>
+                                    <p:cond delay="0"/>
+                                  </p:stCondLst>
+                                  <p:childTnLst>
+                                    <p:set>
+                                      <p:cBhvr>
+                                        <p:cTn id="22" dur="1" fill="hold">
+                                          <p:stCondLst>
+                                            <p:cond delay="0"/>
+                                          </p:stCondLst>
+                                        </p:cTn>
+                                        <p:tgtEl>
+                                          <p:spTgt spid="3">
+                                            <p:txEl>
+                                              <p:pRg st="3" end="3"/>
+                                            </p:txEl>
+                                          </p:spTgt>
+                                        </p:tgtEl>
+                                        <p:attrNameLst>
+                                          <p:attrName>style.visibility</p:attrName>
+                                        </p:attrNameLst>
+                                      </p:cBhvr>
+                                      <p:to>
+                                        <p:strVal val="visible"/>
+                                      </p:to>
+                                    </p:set>
+                                  </p:childTnLst>
+                                </p:cTn>
+                              </p:par>
+                            </p:childTnLst>
+                          </p:cTn>
+                        </p:par>
+                      </p:childTnLst>
+                    </p:cTn>
+                  </p:par>
+                  <p:par>
+                    <p:cTn id="23" fill="hold">
+                      <p:stCondLst>
+                        <p:cond delay="indefinite"/>
+                      </p:stCondLst>
+                      <p:childTnLst>
+                        <p:par>
+                          <p:cTn id="24" fill="hold">
+                            <p:stCondLst>
+                              <p:cond delay="0"/>
+                            </p:stCondLst>
+                            <p:childTnLst>
+                              <p:par>
+                                <p:cTn id="25" presetID="1" presetClass="entr" presetSubtype="0" fill="hold" nodeType="clickEffect">
+                                  <p:stCondLst>
+                                    <p:cond delay="0"/>
+                                  </p:stCondLst>
+                                  <p:childTnLst>
+                                    <p:set>
+                                      <p:cBhvr>
+                                        <p:cTn id="26" dur="1" fill="hold">
+                                          <p:stCondLst>
+                                            <p:cond delay="0"/>
+                                          </p:stCondLst>
+                                        </p:cTn>
+                                        <p:tgtEl>
+                                          <p:spTgt spid="3">
+                                            <p:txEl>
+                                              <p:pRg st="4" end="4"/>
+                                            </p:txEl>
+                                          </p:spTgt>
+                                        </p:tgtEl>
+                                        <p:attrNameLst>
+                                          <p:attrName>style.visibility</p:attrName>
+                                        </p:attrNameLst>
+                                      </p:cBhvr>
+                                      <p:to>
+                                        <p:strVal val="visible"/>
+                                      </p:to>
+                                    </p:set>
+                                  </p:childTnLst>
+                                </p:cTn>
+                              </p:par>
+                            </p:childTnLst>
+                          </p:cTn>
+                        </p:par>
+                      </p:childTnLst>
+                    </p:cTn>
+                  </p:par>
+                  <p:par>
+                    <p:cTn id="27" fill="hold">
+                      <p:stCondLst>
+                        <p:cond delay="indefinite"/>
+                      </p:stCondLst>
+                      <p:childTnLst>
+                        <p:par>
+                          <p:cTn id="28" fill="hold">
+                            <p:stCondLst>
+                              <p:cond delay="0"/>
+                            </p:stCondLst>
+                            <p:childTnLst>
+                              <p:par>
+                                <p:cTn id="29" presetID="1" presetClass="entr" presetSubtype="0" fill="hold" nodeType="clickEffect">
+                                  <p:stCondLst>
+                                    <p:cond delay="0"/>
+                                  </p:stCondLst>
+                                  <p:childTnLst>
+                                    <p:set>
+                                      <p:cBhvr>
+                                        <p:cTn id="30" dur="1" fill="hold">
+                                          <p:stCondLst>
+                                            <p:cond delay="0"/>
+                                          </p:stCondLst>
+                                        </p:cTn>
+                                        <p:tgtEl>
+                                          <p:spTgt spid="3">
+                                            <p:txEl>
+                                              <p:pRg st="5" end="5"/>
+                                            </p:txEl>
+                                          </p:spTgt>
+                                        </p:tgtEl>
+                                        <p:attrNameLst>
+                                          <p:attrName>style.visibility</p:attrName>
+                                        </p:attrNameLst>
+                                      </p:cBhvr>
+                                      <p:to>
+                                        <p:strVal val="visible"/>
+                                      </p:to>
+                                    </p:set>
+                                  </p:childTnLst>
+                                </p:cTn>
+                              </p:par>
+                            </p:childTnLst>
+                          </p:cTn>
+                        </p:par>
+                      </p:childTnLst>
+                    </p:cTn>
+                  </p:par>
+                  <p:par>
+                    <p:cTn id="31" fill="hold">
+                      <p:stCondLst>
+                        <p:cond delay="indefinite"/>
+                      </p:stCondLst>
+                      <p:childTnLst>
+                        <p:par>
+                          <p:cTn id="32" fill="hold">
+                            <p:stCondLst>
+                              <p:cond delay="0"/>
+                            </p:stCondLst>
+                            <p:childTnLst>
+                              <p:par>
+                                <p:cTn id="33" presetID="1" presetClass="entr" presetSubtype="0" fill="hold" nodeType="clickEffect">
+                                  <p:stCondLst>
+                                    <p:cond delay="0"/>
+                                  </p:stCondLst>
+                                  <p:childTnLst>
+                                    <p:set>
+                                      <p:cBhvr>
+                                        <p:cTn id="34" dur="1" fill="hold">
+                                          <p:stCondLst>
+                                            <p:cond delay="0"/>
+                                          </p:stCondLst>
+                                        </p:cTn>
+                                        <p:tgtEl>
+                                          <p:spTgt spid="3">
+                                            <p:txEl>
+                                              <p:pRg st="6" end="6"/>
+                                            </p:txEl>
+                                          </p:spTgt>
+                                        </p:tgtEl>
+                                        <p:attrNameLst>
+                                          <p:attrName>style.visibility</p:attrName>
+                                        </p:attrNameLst>
+                                      </p:cBhvr>
+                                      <p:to>
+                                        <p:strVal val="visible"/>
+                                      </p:to>
+                                    </p:set>
+                                  </p:childTnLst>
+                                </p:cTn>
+                              </p:par>
+                            </p:childTnLst>
+                          </p:cTn>
+                        </p:par>
+                      </p:childTnLst>
+                    </p:cTn>
+                  </p:par>
+                </p:childTnLst>
+              </p:cTn>
+              <p:prevCondLst>
+                <p:cond evt="onPrev" delay="0">
+                  <p:tgtEl>
+                    <p:sldTgt/>
+                  </p:tgtEl>
+                </p:cond>
+              </p:prevCondLst>
+              <p:nextCondLst>
+                <p:cond evt="onNext" delay="0">
+                  <p:tgtEl>
+                    <p:sldTgt/>
+                  </p:tgtEl>
+                </p:cond>
+              </p:nextCondLst>
+            </p:seq>
+          </p:childTnLst>
+        </p:cTn>
+      </p:par>
+    </p:tnLst>
+  </p:timing>
 </p:sld>
 </file>
 
@@ -7632,6 +13286,281 @@
   <p:clrMapOvr>
     <a:masterClrMapping/>
   </p:clrMapOvr>
+  <p:timing>
+    <p:tnLst>
+      <p:par>
+        <p:cTn id="1" dur="indefinite" restart="never" nodeType="tmRoot">
+          <p:childTnLst>
+            <p:seq concurrent="1" nextAc="seek">
+              <p:cTn id="2" dur="indefinite" nodeType="mainSeq">
+                <p:childTnLst>
+                  <p:par>
+                    <p:cTn id="3" fill="hold">
+                      <p:stCondLst>
+                        <p:cond delay="indefinite"/>
+                      </p:stCondLst>
+                      <p:childTnLst>
+                        <p:par>
+                          <p:cTn id="4" fill="hold">
+                            <p:stCondLst>
+                              <p:cond delay="0"/>
+                            </p:stCondLst>
+                            <p:childTnLst>
+                              <p:par>
+                                <p:cTn id="5" presetID="1" presetClass="entr" presetSubtype="0" fill="hold" nodeType="clickEffect">
+                                  <p:stCondLst>
+                                    <p:cond delay="0"/>
+                                  </p:stCondLst>
+                                  <p:childTnLst>
+                                    <p:set>
+                                      <p:cBhvr>
+                                        <p:cTn id="6" dur="1" fill="hold">
+                                          <p:stCondLst>
+                                            <p:cond delay="0"/>
+                                          </p:stCondLst>
+                                        </p:cTn>
+                                        <p:tgtEl>
+                                          <p:spTgt spid="3">
+                                            <p:txEl>
+                                              <p:pRg st="0" end="0"/>
+                                            </p:txEl>
+                                          </p:spTgt>
+                                        </p:tgtEl>
+                                        <p:attrNameLst>
+                                          <p:attrName>style.visibility</p:attrName>
+                                        </p:attrNameLst>
+                                      </p:cBhvr>
+                                      <p:to>
+                                        <p:strVal val="visible"/>
+                                      </p:to>
+                                    </p:set>
+                                  </p:childTnLst>
+                                </p:cTn>
+                              </p:par>
+                            </p:childTnLst>
+                          </p:cTn>
+                        </p:par>
+                      </p:childTnLst>
+                    </p:cTn>
+                  </p:par>
+                  <p:par>
+                    <p:cTn id="7" fill="hold">
+                      <p:stCondLst>
+                        <p:cond delay="indefinite"/>
+                      </p:stCondLst>
+                      <p:childTnLst>
+                        <p:par>
+                          <p:cTn id="8" fill="hold">
+                            <p:stCondLst>
+                              <p:cond delay="0"/>
+                            </p:stCondLst>
+                            <p:childTnLst>
+                              <p:par>
+                                <p:cTn id="9" presetID="1" presetClass="entr" presetSubtype="0" fill="hold" nodeType="clickEffect">
+                                  <p:stCondLst>
+                                    <p:cond delay="0"/>
+                                  </p:stCondLst>
+                                  <p:childTnLst>
+                                    <p:set>
+                                      <p:cBhvr>
+                                        <p:cTn id="10" dur="1" fill="hold">
+                                          <p:stCondLst>
+                                            <p:cond delay="0"/>
+                                          </p:stCondLst>
+                                        </p:cTn>
+                                        <p:tgtEl>
+                                          <p:spTgt spid="3">
+                                            <p:txEl>
+                                              <p:pRg st="1" end="1"/>
+                                            </p:txEl>
+                                          </p:spTgt>
+                                        </p:tgtEl>
+                                        <p:attrNameLst>
+                                          <p:attrName>style.visibility</p:attrName>
+                                        </p:attrNameLst>
+                                      </p:cBhvr>
+                                      <p:to>
+                                        <p:strVal val="visible"/>
+                                      </p:to>
+                                    </p:set>
+                                  </p:childTnLst>
+                                </p:cTn>
+                              </p:par>
+                            </p:childTnLst>
+                          </p:cTn>
+                        </p:par>
+                      </p:childTnLst>
+                    </p:cTn>
+                  </p:par>
+                  <p:par>
+                    <p:cTn id="11" fill="hold">
+                      <p:stCondLst>
+                        <p:cond delay="indefinite"/>
+                      </p:stCondLst>
+                      <p:childTnLst>
+                        <p:par>
+                          <p:cTn id="12" fill="hold">
+                            <p:stCondLst>
+                              <p:cond delay="0"/>
+                            </p:stCondLst>
+                            <p:childTnLst>
+                              <p:par>
+                                <p:cTn id="13" presetID="1" presetClass="entr" presetSubtype="0" fill="hold" nodeType="clickEffect">
+                                  <p:stCondLst>
+                                    <p:cond delay="0"/>
+                                  </p:stCondLst>
+                                  <p:childTnLst>
+                                    <p:set>
+                                      <p:cBhvr>
+                                        <p:cTn id="14" dur="1" fill="hold">
+                                          <p:stCondLst>
+                                            <p:cond delay="0"/>
+                                          </p:stCondLst>
+                                        </p:cTn>
+                                        <p:tgtEl>
+                                          <p:spTgt spid="3">
+                                            <p:txEl>
+                                              <p:pRg st="2" end="2"/>
+                                            </p:txEl>
+                                          </p:spTgt>
+                                        </p:tgtEl>
+                                        <p:attrNameLst>
+                                          <p:attrName>style.visibility</p:attrName>
+                                        </p:attrNameLst>
+                                      </p:cBhvr>
+                                      <p:to>
+                                        <p:strVal val="visible"/>
+                                      </p:to>
+                                    </p:set>
+                                  </p:childTnLst>
+                                </p:cTn>
+                              </p:par>
+                            </p:childTnLst>
+                          </p:cTn>
+                        </p:par>
+                      </p:childTnLst>
+                    </p:cTn>
+                  </p:par>
+                  <p:par>
+                    <p:cTn id="15" fill="hold">
+                      <p:stCondLst>
+                        <p:cond delay="indefinite"/>
+                      </p:stCondLst>
+                      <p:childTnLst>
+                        <p:par>
+                          <p:cTn id="16" fill="hold">
+                            <p:stCondLst>
+                              <p:cond delay="0"/>
+                            </p:stCondLst>
+                            <p:childTnLst>
+                              <p:par>
+                                <p:cTn id="17" presetID="1" presetClass="entr" presetSubtype="0" fill="hold" nodeType="clickEffect">
+                                  <p:stCondLst>
+                                    <p:cond delay="0"/>
+                                  </p:stCondLst>
+                                  <p:childTnLst>
+                                    <p:set>
+                                      <p:cBhvr>
+                                        <p:cTn id="18" dur="1" fill="hold">
+                                          <p:stCondLst>
+                                            <p:cond delay="0"/>
+                                          </p:stCondLst>
+                                        </p:cTn>
+                                        <p:tgtEl>
+                                          <p:spTgt spid="3">
+                                            <p:txEl>
+                                              <p:pRg st="3" end="3"/>
+                                            </p:txEl>
+                                          </p:spTgt>
+                                        </p:tgtEl>
+                                        <p:attrNameLst>
+                                          <p:attrName>style.visibility</p:attrName>
+                                        </p:attrNameLst>
+                                      </p:cBhvr>
+                                      <p:to>
+                                        <p:strVal val="visible"/>
+                                      </p:to>
+                                    </p:set>
+                                  </p:childTnLst>
+                                </p:cTn>
+                              </p:par>
+                            </p:childTnLst>
+                          </p:cTn>
+                        </p:par>
+                      </p:childTnLst>
+                    </p:cTn>
+                  </p:par>
+                  <p:par>
+                    <p:cTn id="19" fill="hold">
+                      <p:stCondLst>
+                        <p:cond delay="indefinite"/>
+                      </p:stCondLst>
+                      <p:childTnLst>
+                        <p:par>
+                          <p:cTn id="20" fill="hold">
+                            <p:stCondLst>
+                              <p:cond delay="0"/>
+                            </p:stCondLst>
+                            <p:childTnLst>
+                              <p:par>
+                                <p:cTn id="21" presetID="1" presetClass="entr" presetSubtype="0" fill="hold" nodeType="clickEffect">
+                                  <p:stCondLst>
+                                    <p:cond delay="0"/>
+                                  </p:stCondLst>
+                                  <p:childTnLst>
+                                    <p:set>
+                                      <p:cBhvr>
+                                        <p:cTn id="22" dur="1" fill="hold">
+                                          <p:stCondLst>
+                                            <p:cond delay="0"/>
+                                          </p:stCondLst>
+                                        </p:cTn>
+                                        <p:tgtEl>
+                                          <p:spTgt spid="3">
+                                            <p:txEl>
+                                              <p:pRg st="4" end="4"/>
+                                            </p:txEl>
+                                          </p:spTgt>
+                                        </p:tgtEl>
+                                        <p:attrNameLst>
+                                          <p:attrName>style.visibility</p:attrName>
+                                        </p:attrNameLst>
+                                      </p:cBhvr>
+                                      <p:to>
+                                        <p:strVal val="visible"/>
+                                      </p:to>
+                                    </p:set>
+                                  </p:childTnLst>
+                                </p:cTn>
+                              </p:par>
+                            </p:childTnLst>
+                          </p:cTn>
+                        </p:par>
+                      </p:childTnLst>
+                    </p:cTn>
+                  </p:par>
+                </p:childTnLst>
+              </p:cTn>
+              <p:prevCondLst>
+                <p:cond evt="onPrev" delay="0">
+                  <p:tgtEl>
+                    <p:sldTgt/>
+                  </p:tgtEl>
+                </p:cond>
+              </p:prevCondLst>
+              <p:nextCondLst>
+                <p:cond evt="onNext" delay="0">
+                  <p:tgtEl>
+                    <p:sldTgt/>
+                  </p:tgtEl>
+                </p:cond>
+              </p:nextCondLst>
+            </p:seq>
+          </p:childTnLst>
+        </p:cTn>
+      </p:par>
+    </p:tnLst>
+  </p:timing>
 </p:sld>
 </file>
 
@@ -7731,7 +13660,7 @@
                   <a:srgbClr val="1A1A1A"/>
                 </a:solidFill>
               </a:rPr>
-              <a:t> century, various models of computation were proposed (lambda calculus, combinatorial grammar, Turing machines), which turns out to be equivalent.</a:t>
+              <a:t> century, various models of computation were proposed (lambda calculus, combinatorial grammar, Turing machines), which turn out to be equivalent.</a:t>
             </a:r>
           </a:p>
           <a:p>
@@ -7741,7 +13670,7 @@
                   <a:srgbClr val="1A1A1A"/>
                 </a:solidFill>
               </a:rPr>
-              <a:t>The most popular one proved to be the Turing machine. We might look more in detail at a Turing machine later in the course.</a:t>
+              <a:t>One of the most popular ones proved to be the Turing machine. We might look more in detail at a Turing machine later in the course.</a:t>
             </a:r>
           </a:p>
           <a:p>
@@ -7815,6 +13744,330 @@
   <p:clrMapOvr>
     <a:masterClrMapping/>
   </p:clrMapOvr>
+  <p:timing>
+    <p:tnLst>
+      <p:par>
+        <p:cTn id="1" dur="indefinite" restart="never" nodeType="tmRoot">
+          <p:childTnLst>
+            <p:seq concurrent="1" nextAc="seek">
+              <p:cTn id="2" dur="indefinite" nodeType="mainSeq">
+                <p:childTnLst>
+                  <p:par>
+                    <p:cTn id="3" fill="hold">
+                      <p:stCondLst>
+                        <p:cond delay="indefinite"/>
+                      </p:stCondLst>
+                      <p:childTnLst>
+                        <p:par>
+                          <p:cTn id="4" fill="hold">
+                            <p:stCondLst>
+                              <p:cond delay="0"/>
+                            </p:stCondLst>
+                            <p:childTnLst>
+                              <p:par>
+                                <p:cTn id="5" presetID="1" presetClass="entr" presetSubtype="0" fill="hold" nodeType="clickEffect">
+                                  <p:stCondLst>
+                                    <p:cond delay="0"/>
+                                  </p:stCondLst>
+                                  <p:childTnLst>
+                                    <p:set>
+                                      <p:cBhvr>
+                                        <p:cTn id="6" dur="1" fill="hold">
+                                          <p:stCondLst>
+                                            <p:cond delay="0"/>
+                                          </p:stCondLst>
+                                        </p:cTn>
+                                        <p:tgtEl>
+                                          <p:spTgt spid="3">
+                                            <p:txEl>
+                                              <p:pRg st="0" end="0"/>
+                                            </p:txEl>
+                                          </p:spTgt>
+                                        </p:tgtEl>
+                                        <p:attrNameLst>
+                                          <p:attrName>style.visibility</p:attrName>
+                                        </p:attrNameLst>
+                                      </p:cBhvr>
+                                      <p:to>
+                                        <p:strVal val="visible"/>
+                                      </p:to>
+                                    </p:set>
+                                  </p:childTnLst>
+                                </p:cTn>
+                              </p:par>
+                            </p:childTnLst>
+                          </p:cTn>
+                        </p:par>
+                      </p:childTnLst>
+                    </p:cTn>
+                  </p:par>
+                  <p:par>
+                    <p:cTn id="7" fill="hold">
+                      <p:stCondLst>
+                        <p:cond delay="indefinite"/>
+                      </p:stCondLst>
+                      <p:childTnLst>
+                        <p:par>
+                          <p:cTn id="8" fill="hold">
+                            <p:stCondLst>
+                              <p:cond delay="0"/>
+                            </p:stCondLst>
+                            <p:childTnLst>
+                              <p:par>
+                                <p:cTn id="9" presetID="1" presetClass="entr" presetSubtype="0" fill="hold" nodeType="clickEffect">
+                                  <p:stCondLst>
+                                    <p:cond delay="0"/>
+                                  </p:stCondLst>
+                                  <p:childTnLst>
+                                    <p:set>
+                                      <p:cBhvr>
+                                        <p:cTn id="10" dur="1" fill="hold">
+                                          <p:stCondLst>
+                                            <p:cond delay="0"/>
+                                          </p:stCondLst>
+                                        </p:cTn>
+                                        <p:tgtEl>
+                                          <p:spTgt spid="3">
+                                            <p:txEl>
+                                              <p:pRg st="1" end="1"/>
+                                            </p:txEl>
+                                          </p:spTgt>
+                                        </p:tgtEl>
+                                        <p:attrNameLst>
+                                          <p:attrName>style.visibility</p:attrName>
+                                        </p:attrNameLst>
+                                      </p:cBhvr>
+                                      <p:to>
+                                        <p:strVal val="visible"/>
+                                      </p:to>
+                                    </p:set>
+                                  </p:childTnLst>
+                                </p:cTn>
+                              </p:par>
+                            </p:childTnLst>
+                          </p:cTn>
+                        </p:par>
+                      </p:childTnLst>
+                    </p:cTn>
+                  </p:par>
+                  <p:par>
+                    <p:cTn id="11" fill="hold">
+                      <p:stCondLst>
+                        <p:cond delay="indefinite"/>
+                      </p:stCondLst>
+                      <p:childTnLst>
+                        <p:par>
+                          <p:cTn id="12" fill="hold">
+                            <p:stCondLst>
+                              <p:cond delay="0"/>
+                            </p:stCondLst>
+                            <p:childTnLst>
+                              <p:par>
+                                <p:cTn id="13" presetID="1" presetClass="entr" presetSubtype="0" fill="hold" nodeType="clickEffect">
+                                  <p:stCondLst>
+                                    <p:cond delay="0"/>
+                                  </p:stCondLst>
+                                  <p:childTnLst>
+                                    <p:set>
+                                      <p:cBhvr>
+                                        <p:cTn id="14" dur="1" fill="hold">
+                                          <p:stCondLst>
+                                            <p:cond delay="0"/>
+                                          </p:stCondLst>
+                                        </p:cTn>
+                                        <p:tgtEl>
+                                          <p:spTgt spid="3">
+                                            <p:txEl>
+                                              <p:pRg st="2" end="2"/>
+                                            </p:txEl>
+                                          </p:spTgt>
+                                        </p:tgtEl>
+                                        <p:attrNameLst>
+                                          <p:attrName>style.visibility</p:attrName>
+                                        </p:attrNameLst>
+                                      </p:cBhvr>
+                                      <p:to>
+                                        <p:strVal val="visible"/>
+                                      </p:to>
+                                    </p:set>
+                                  </p:childTnLst>
+                                </p:cTn>
+                              </p:par>
+                            </p:childTnLst>
+                          </p:cTn>
+                        </p:par>
+                      </p:childTnLst>
+                    </p:cTn>
+                  </p:par>
+                  <p:par>
+                    <p:cTn id="15" fill="hold">
+                      <p:stCondLst>
+                        <p:cond delay="indefinite"/>
+                      </p:stCondLst>
+                      <p:childTnLst>
+                        <p:par>
+                          <p:cTn id="16" fill="hold">
+                            <p:stCondLst>
+                              <p:cond delay="0"/>
+                            </p:stCondLst>
+                            <p:childTnLst>
+                              <p:par>
+                                <p:cTn id="17" presetID="1" presetClass="entr" presetSubtype="0" fill="hold" nodeType="clickEffect">
+                                  <p:stCondLst>
+                                    <p:cond delay="0"/>
+                                  </p:stCondLst>
+                                  <p:childTnLst>
+                                    <p:set>
+                                      <p:cBhvr>
+                                        <p:cTn id="18" dur="1" fill="hold">
+                                          <p:stCondLst>
+                                            <p:cond delay="0"/>
+                                          </p:stCondLst>
+                                        </p:cTn>
+                                        <p:tgtEl>
+                                          <p:spTgt spid="3">
+                                            <p:txEl>
+                                              <p:pRg st="3" end="3"/>
+                                            </p:txEl>
+                                          </p:spTgt>
+                                        </p:tgtEl>
+                                        <p:attrNameLst>
+                                          <p:attrName>style.visibility</p:attrName>
+                                        </p:attrNameLst>
+                                      </p:cBhvr>
+                                      <p:to>
+                                        <p:strVal val="visible"/>
+                                      </p:to>
+                                    </p:set>
+                                  </p:childTnLst>
+                                </p:cTn>
+                              </p:par>
+                            </p:childTnLst>
+                          </p:cTn>
+                        </p:par>
+                      </p:childTnLst>
+                    </p:cTn>
+                  </p:par>
+                  <p:par>
+                    <p:cTn id="19" fill="hold">
+                      <p:stCondLst>
+                        <p:cond delay="indefinite"/>
+                      </p:stCondLst>
+                      <p:childTnLst>
+                        <p:par>
+                          <p:cTn id="20" fill="hold">
+                            <p:stCondLst>
+                              <p:cond delay="0"/>
+                            </p:stCondLst>
+                            <p:childTnLst>
+                              <p:par>
+                                <p:cTn id="21" presetID="1" presetClass="entr" presetSubtype="0" fill="hold" nodeType="clickEffect">
+                                  <p:stCondLst>
+                                    <p:cond delay="0"/>
+                                  </p:stCondLst>
+                                  <p:childTnLst>
+                                    <p:set>
+                                      <p:cBhvr>
+                                        <p:cTn id="22" dur="1" fill="hold">
+                                          <p:stCondLst>
+                                            <p:cond delay="0"/>
+                                          </p:stCondLst>
+                                        </p:cTn>
+                                        <p:tgtEl>
+                                          <p:spTgt spid="3">
+                                            <p:txEl>
+                                              <p:pRg st="4" end="4"/>
+                                            </p:txEl>
+                                          </p:spTgt>
+                                        </p:tgtEl>
+                                        <p:attrNameLst>
+                                          <p:attrName>style.visibility</p:attrName>
+                                        </p:attrNameLst>
+                                      </p:cBhvr>
+                                      <p:to>
+                                        <p:strVal val="visible"/>
+                                      </p:to>
+                                    </p:set>
+                                  </p:childTnLst>
+                                </p:cTn>
+                              </p:par>
+                            </p:childTnLst>
+                          </p:cTn>
+                        </p:par>
+                      </p:childTnLst>
+                    </p:cTn>
+                  </p:par>
+                  <p:par>
+                    <p:cTn id="23" fill="hold">
+                      <p:stCondLst>
+                        <p:cond delay="indefinite"/>
+                      </p:stCondLst>
+                      <p:childTnLst>
+                        <p:par>
+                          <p:cTn id="24" fill="hold">
+                            <p:stCondLst>
+                              <p:cond delay="0"/>
+                            </p:stCondLst>
+                            <p:childTnLst>
+                              <p:par>
+                                <p:cTn id="25" presetID="1" presetClass="entr" presetSubtype="0" fill="hold" nodeType="clickEffect">
+                                  <p:stCondLst>
+                                    <p:cond delay="0"/>
+                                  </p:stCondLst>
+                                  <p:childTnLst>
+                                    <p:set>
+                                      <p:cBhvr>
+                                        <p:cTn id="26" dur="1" fill="hold">
+                                          <p:stCondLst>
+                                            <p:cond delay="0"/>
+                                          </p:stCondLst>
+                                        </p:cTn>
+                                        <p:tgtEl>
+                                          <p:spTgt spid="3">
+                                            <p:txEl>
+                                              <p:pRg st="5" end="5"/>
+                                            </p:txEl>
+                                          </p:spTgt>
+                                        </p:tgtEl>
+                                        <p:attrNameLst>
+                                          <p:attrName>style.visibility</p:attrName>
+                                        </p:attrNameLst>
+                                      </p:cBhvr>
+                                      <p:to>
+                                        <p:strVal val="visible"/>
+                                      </p:to>
+                                    </p:set>
+                                  </p:childTnLst>
+                                </p:cTn>
+                              </p:par>
+                            </p:childTnLst>
+                          </p:cTn>
+                        </p:par>
+                      </p:childTnLst>
+                    </p:cTn>
+                  </p:par>
+                </p:childTnLst>
+              </p:cTn>
+              <p:prevCondLst>
+                <p:cond evt="onPrev" delay="0">
+                  <p:tgtEl>
+                    <p:sldTgt/>
+                  </p:tgtEl>
+                </p:cond>
+              </p:prevCondLst>
+              <p:nextCondLst>
+                <p:cond evt="onNext" delay="0">
+                  <p:tgtEl>
+                    <p:sldTgt/>
+                  </p:tgtEl>
+                </p:cond>
+              </p:nextCondLst>
+            </p:seq>
+          </p:childTnLst>
+        </p:cTn>
+      </p:par>
+    </p:tnLst>
+  </p:timing>
 </p:sld>
 </file>
 
@@ -8069,6 +14322,526 @@
   <p:clrMapOvr>
     <a:masterClrMapping/>
   </p:clrMapOvr>
+  <p:timing>
+    <p:tnLst>
+      <p:par>
+        <p:cTn id="1" dur="indefinite" restart="never" nodeType="tmRoot">
+          <p:childTnLst>
+            <p:seq concurrent="1" nextAc="seek">
+              <p:cTn id="2" dur="indefinite" nodeType="mainSeq">
+                <p:childTnLst>
+                  <p:par>
+                    <p:cTn id="3" fill="hold">
+                      <p:stCondLst>
+                        <p:cond delay="indefinite"/>
+                      </p:stCondLst>
+                      <p:childTnLst>
+                        <p:par>
+                          <p:cTn id="4" fill="hold">
+                            <p:stCondLst>
+                              <p:cond delay="0"/>
+                            </p:stCondLst>
+                            <p:childTnLst>
+                              <p:par>
+                                <p:cTn id="5" presetID="1" presetClass="entr" presetSubtype="0" fill="hold" nodeType="clickEffect">
+                                  <p:stCondLst>
+                                    <p:cond delay="0"/>
+                                  </p:stCondLst>
+                                  <p:childTnLst>
+                                    <p:set>
+                                      <p:cBhvr>
+                                        <p:cTn id="6" dur="1" fill="hold">
+                                          <p:stCondLst>
+                                            <p:cond delay="0"/>
+                                          </p:stCondLst>
+                                        </p:cTn>
+                                        <p:tgtEl>
+                                          <p:spTgt spid="3">
+                                            <p:txEl>
+                                              <p:pRg st="0" end="0"/>
+                                            </p:txEl>
+                                          </p:spTgt>
+                                        </p:tgtEl>
+                                        <p:attrNameLst>
+                                          <p:attrName>style.visibility</p:attrName>
+                                        </p:attrNameLst>
+                                      </p:cBhvr>
+                                      <p:to>
+                                        <p:strVal val="visible"/>
+                                      </p:to>
+                                    </p:set>
+                                  </p:childTnLst>
+                                </p:cTn>
+                              </p:par>
+                            </p:childTnLst>
+                          </p:cTn>
+                        </p:par>
+                      </p:childTnLst>
+                    </p:cTn>
+                  </p:par>
+                  <p:par>
+                    <p:cTn id="7" fill="hold">
+                      <p:stCondLst>
+                        <p:cond delay="indefinite"/>
+                      </p:stCondLst>
+                      <p:childTnLst>
+                        <p:par>
+                          <p:cTn id="8" fill="hold">
+                            <p:stCondLst>
+                              <p:cond delay="0"/>
+                            </p:stCondLst>
+                            <p:childTnLst>
+                              <p:par>
+                                <p:cTn id="9" presetID="1" presetClass="entr" presetSubtype="0" fill="hold" nodeType="clickEffect">
+                                  <p:stCondLst>
+                                    <p:cond delay="0"/>
+                                  </p:stCondLst>
+                                  <p:childTnLst>
+                                    <p:set>
+                                      <p:cBhvr>
+                                        <p:cTn id="10" dur="1" fill="hold">
+                                          <p:stCondLst>
+                                            <p:cond delay="0"/>
+                                          </p:stCondLst>
+                                        </p:cTn>
+                                        <p:tgtEl>
+                                          <p:spTgt spid="3">
+                                            <p:txEl>
+                                              <p:pRg st="1" end="1"/>
+                                            </p:txEl>
+                                          </p:spTgt>
+                                        </p:tgtEl>
+                                        <p:attrNameLst>
+                                          <p:attrName>style.visibility</p:attrName>
+                                        </p:attrNameLst>
+                                      </p:cBhvr>
+                                      <p:to>
+                                        <p:strVal val="visible"/>
+                                      </p:to>
+                                    </p:set>
+                                  </p:childTnLst>
+                                </p:cTn>
+                              </p:par>
+                            </p:childTnLst>
+                          </p:cTn>
+                        </p:par>
+                      </p:childTnLst>
+                    </p:cTn>
+                  </p:par>
+                  <p:par>
+                    <p:cTn id="11" fill="hold">
+                      <p:stCondLst>
+                        <p:cond delay="indefinite"/>
+                      </p:stCondLst>
+                      <p:childTnLst>
+                        <p:par>
+                          <p:cTn id="12" fill="hold">
+                            <p:stCondLst>
+                              <p:cond delay="0"/>
+                            </p:stCondLst>
+                            <p:childTnLst>
+                              <p:par>
+                                <p:cTn id="13" presetID="1" presetClass="entr" presetSubtype="0" fill="hold" nodeType="clickEffect">
+                                  <p:stCondLst>
+                                    <p:cond delay="0"/>
+                                  </p:stCondLst>
+                                  <p:childTnLst>
+                                    <p:set>
+                                      <p:cBhvr>
+                                        <p:cTn id="14" dur="1" fill="hold">
+                                          <p:stCondLst>
+                                            <p:cond delay="0"/>
+                                          </p:stCondLst>
+                                        </p:cTn>
+                                        <p:tgtEl>
+                                          <p:spTgt spid="3">
+                                            <p:txEl>
+                                              <p:pRg st="2" end="2"/>
+                                            </p:txEl>
+                                          </p:spTgt>
+                                        </p:tgtEl>
+                                        <p:attrNameLst>
+                                          <p:attrName>style.visibility</p:attrName>
+                                        </p:attrNameLst>
+                                      </p:cBhvr>
+                                      <p:to>
+                                        <p:strVal val="visible"/>
+                                      </p:to>
+                                    </p:set>
+                                  </p:childTnLst>
+                                </p:cTn>
+                              </p:par>
+                            </p:childTnLst>
+                          </p:cTn>
+                        </p:par>
+                      </p:childTnLst>
+                    </p:cTn>
+                  </p:par>
+                  <p:par>
+                    <p:cTn id="15" fill="hold">
+                      <p:stCondLst>
+                        <p:cond delay="indefinite"/>
+                      </p:stCondLst>
+                      <p:childTnLst>
+                        <p:par>
+                          <p:cTn id="16" fill="hold">
+                            <p:stCondLst>
+                              <p:cond delay="0"/>
+                            </p:stCondLst>
+                            <p:childTnLst>
+                              <p:par>
+                                <p:cTn id="17" presetID="1" presetClass="entr" presetSubtype="0" fill="hold" nodeType="clickEffect">
+                                  <p:stCondLst>
+                                    <p:cond delay="0"/>
+                                  </p:stCondLst>
+                                  <p:childTnLst>
+                                    <p:set>
+                                      <p:cBhvr>
+                                        <p:cTn id="18" dur="1" fill="hold">
+                                          <p:stCondLst>
+                                            <p:cond delay="0"/>
+                                          </p:stCondLst>
+                                        </p:cTn>
+                                        <p:tgtEl>
+                                          <p:spTgt spid="3">
+                                            <p:txEl>
+                                              <p:pRg st="3" end="3"/>
+                                            </p:txEl>
+                                          </p:spTgt>
+                                        </p:tgtEl>
+                                        <p:attrNameLst>
+                                          <p:attrName>style.visibility</p:attrName>
+                                        </p:attrNameLst>
+                                      </p:cBhvr>
+                                      <p:to>
+                                        <p:strVal val="visible"/>
+                                      </p:to>
+                                    </p:set>
+                                  </p:childTnLst>
+                                </p:cTn>
+                              </p:par>
+                            </p:childTnLst>
+                          </p:cTn>
+                        </p:par>
+                      </p:childTnLst>
+                    </p:cTn>
+                  </p:par>
+                  <p:par>
+                    <p:cTn id="19" fill="hold">
+                      <p:stCondLst>
+                        <p:cond delay="indefinite"/>
+                      </p:stCondLst>
+                      <p:childTnLst>
+                        <p:par>
+                          <p:cTn id="20" fill="hold">
+                            <p:stCondLst>
+                              <p:cond delay="0"/>
+                            </p:stCondLst>
+                            <p:childTnLst>
+                              <p:par>
+                                <p:cTn id="21" presetID="1" presetClass="entr" presetSubtype="0" fill="hold" nodeType="clickEffect">
+                                  <p:stCondLst>
+                                    <p:cond delay="0"/>
+                                  </p:stCondLst>
+                                  <p:childTnLst>
+                                    <p:set>
+                                      <p:cBhvr>
+                                        <p:cTn id="22" dur="1" fill="hold">
+                                          <p:stCondLst>
+                                            <p:cond delay="0"/>
+                                          </p:stCondLst>
+                                        </p:cTn>
+                                        <p:tgtEl>
+                                          <p:spTgt spid="3">
+                                            <p:txEl>
+                                              <p:pRg st="4" end="4"/>
+                                            </p:txEl>
+                                          </p:spTgt>
+                                        </p:tgtEl>
+                                        <p:attrNameLst>
+                                          <p:attrName>style.visibility</p:attrName>
+                                        </p:attrNameLst>
+                                      </p:cBhvr>
+                                      <p:to>
+                                        <p:strVal val="visible"/>
+                                      </p:to>
+                                    </p:set>
+                                  </p:childTnLst>
+                                </p:cTn>
+                              </p:par>
+                            </p:childTnLst>
+                          </p:cTn>
+                        </p:par>
+                      </p:childTnLst>
+                    </p:cTn>
+                  </p:par>
+                  <p:par>
+                    <p:cTn id="23" fill="hold">
+                      <p:stCondLst>
+                        <p:cond delay="indefinite"/>
+                      </p:stCondLst>
+                      <p:childTnLst>
+                        <p:par>
+                          <p:cTn id="24" fill="hold">
+                            <p:stCondLst>
+                              <p:cond delay="0"/>
+                            </p:stCondLst>
+                            <p:childTnLst>
+                              <p:par>
+                                <p:cTn id="25" presetID="1" presetClass="entr" presetSubtype="0" fill="hold" nodeType="clickEffect">
+                                  <p:stCondLst>
+                                    <p:cond delay="0"/>
+                                  </p:stCondLst>
+                                  <p:childTnLst>
+                                    <p:set>
+                                      <p:cBhvr>
+                                        <p:cTn id="26" dur="1" fill="hold">
+                                          <p:stCondLst>
+                                            <p:cond delay="0"/>
+                                          </p:stCondLst>
+                                        </p:cTn>
+                                        <p:tgtEl>
+                                          <p:spTgt spid="3">
+                                            <p:txEl>
+                                              <p:pRg st="5" end="5"/>
+                                            </p:txEl>
+                                          </p:spTgt>
+                                        </p:tgtEl>
+                                        <p:attrNameLst>
+                                          <p:attrName>style.visibility</p:attrName>
+                                        </p:attrNameLst>
+                                      </p:cBhvr>
+                                      <p:to>
+                                        <p:strVal val="visible"/>
+                                      </p:to>
+                                    </p:set>
+                                  </p:childTnLst>
+                                </p:cTn>
+                              </p:par>
+                            </p:childTnLst>
+                          </p:cTn>
+                        </p:par>
+                      </p:childTnLst>
+                    </p:cTn>
+                  </p:par>
+                  <p:par>
+                    <p:cTn id="27" fill="hold">
+                      <p:stCondLst>
+                        <p:cond delay="indefinite"/>
+                      </p:stCondLst>
+                      <p:childTnLst>
+                        <p:par>
+                          <p:cTn id="28" fill="hold">
+                            <p:stCondLst>
+                              <p:cond delay="0"/>
+                            </p:stCondLst>
+                            <p:childTnLst>
+                              <p:par>
+                                <p:cTn id="29" presetID="1" presetClass="entr" presetSubtype="0" fill="hold" nodeType="clickEffect">
+                                  <p:stCondLst>
+                                    <p:cond delay="0"/>
+                                  </p:stCondLst>
+                                  <p:childTnLst>
+                                    <p:set>
+                                      <p:cBhvr>
+                                        <p:cTn id="30" dur="1" fill="hold">
+                                          <p:stCondLst>
+                                            <p:cond delay="0"/>
+                                          </p:stCondLst>
+                                        </p:cTn>
+                                        <p:tgtEl>
+                                          <p:spTgt spid="3">
+                                            <p:txEl>
+                                              <p:pRg st="6" end="6"/>
+                                            </p:txEl>
+                                          </p:spTgt>
+                                        </p:tgtEl>
+                                        <p:attrNameLst>
+                                          <p:attrName>style.visibility</p:attrName>
+                                        </p:attrNameLst>
+                                      </p:cBhvr>
+                                      <p:to>
+                                        <p:strVal val="visible"/>
+                                      </p:to>
+                                    </p:set>
+                                  </p:childTnLst>
+                                </p:cTn>
+                              </p:par>
+                            </p:childTnLst>
+                          </p:cTn>
+                        </p:par>
+                      </p:childTnLst>
+                    </p:cTn>
+                  </p:par>
+                  <p:par>
+                    <p:cTn id="31" fill="hold">
+                      <p:stCondLst>
+                        <p:cond delay="indefinite"/>
+                      </p:stCondLst>
+                      <p:childTnLst>
+                        <p:par>
+                          <p:cTn id="32" fill="hold">
+                            <p:stCondLst>
+                              <p:cond delay="0"/>
+                            </p:stCondLst>
+                            <p:childTnLst>
+                              <p:par>
+                                <p:cTn id="33" presetID="1" presetClass="entr" presetSubtype="0" fill="hold" nodeType="clickEffect">
+                                  <p:stCondLst>
+                                    <p:cond delay="0"/>
+                                  </p:stCondLst>
+                                  <p:childTnLst>
+                                    <p:set>
+                                      <p:cBhvr>
+                                        <p:cTn id="34" dur="1" fill="hold">
+                                          <p:stCondLst>
+                                            <p:cond delay="0"/>
+                                          </p:stCondLst>
+                                        </p:cTn>
+                                        <p:tgtEl>
+                                          <p:spTgt spid="3">
+                                            <p:txEl>
+                                              <p:pRg st="7" end="7"/>
+                                            </p:txEl>
+                                          </p:spTgt>
+                                        </p:tgtEl>
+                                        <p:attrNameLst>
+                                          <p:attrName>style.visibility</p:attrName>
+                                        </p:attrNameLst>
+                                      </p:cBhvr>
+                                      <p:to>
+                                        <p:strVal val="visible"/>
+                                      </p:to>
+                                    </p:set>
+                                  </p:childTnLst>
+                                </p:cTn>
+                              </p:par>
+                            </p:childTnLst>
+                          </p:cTn>
+                        </p:par>
+                      </p:childTnLst>
+                    </p:cTn>
+                  </p:par>
+                  <p:par>
+                    <p:cTn id="35" fill="hold">
+                      <p:stCondLst>
+                        <p:cond delay="indefinite"/>
+                      </p:stCondLst>
+                      <p:childTnLst>
+                        <p:par>
+                          <p:cTn id="36" fill="hold">
+                            <p:stCondLst>
+                              <p:cond delay="0"/>
+                            </p:stCondLst>
+                            <p:childTnLst>
+                              <p:par>
+                                <p:cTn id="37" presetID="1" presetClass="entr" presetSubtype="0" fill="hold" nodeType="clickEffect">
+                                  <p:stCondLst>
+                                    <p:cond delay="0"/>
+                                  </p:stCondLst>
+                                  <p:childTnLst>
+                                    <p:set>
+                                      <p:cBhvr>
+                                        <p:cTn id="38" dur="1" fill="hold">
+                                          <p:stCondLst>
+                                            <p:cond delay="0"/>
+                                          </p:stCondLst>
+                                        </p:cTn>
+                                        <p:tgtEl>
+                                          <p:spTgt spid="3">
+                                            <p:txEl>
+                                              <p:pRg st="8" end="8"/>
+                                            </p:txEl>
+                                          </p:spTgt>
+                                        </p:tgtEl>
+                                        <p:attrNameLst>
+                                          <p:attrName>style.visibility</p:attrName>
+                                        </p:attrNameLst>
+                                      </p:cBhvr>
+                                      <p:to>
+                                        <p:strVal val="visible"/>
+                                      </p:to>
+                                    </p:set>
+                                  </p:childTnLst>
+                                </p:cTn>
+                              </p:par>
+                            </p:childTnLst>
+                          </p:cTn>
+                        </p:par>
+                      </p:childTnLst>
+                    </p:cTn>
+                  </p:par>
+                  <p:par>
+                    <p:cTn id="39" fill="hold">
+                      <p:stCondLst>
+                        <p:cond delay="indefinite"/>
+                      </p:stCondLst>
+                      <p:childTnLst>
+                        <p:par>
+                          <p:cTn id="40" fill="hold">
+                            <p:stCondLst>
+                              <p:cond delay="0"/>
+                            </p:stCondLst>
+                            <p:childTnLst>
+                              <p:par>
+                                <p:cTn id="41" presetID="1" presetClass="entr" presetSubtype="0" fill="hold" nodeType="clickEffect">
+                                  <p:stCondLst>
+                                    <p:cond delay="0"/>
+                                  </p:stCondLst>
+                                  <p:childTnLst>
+                                    <p:set>
+                                      <p:cBhvr>
+                                        <p:cTn id="42" dur="1" fill="hold">
+                                          <p:stCondLst>
+                                            <p:cond delay="0"/>
+                                          </p:stCondLst>
+                                        </p:cTn>
+                                        <p:tgtEl>
+                                          <p:spTgt spid="3">
+                                            <p:txEl>
+                                              <p:pRg st="9" end="9"/>
+                                            </p:txEl>
+                                          </p:spTgt>
+                                        </p:tgtEl>
+                                        <p:attrNameLst>
+                                          <p:attrName>style.visibility</p:attrName>
+                                        </p:attrNameLst>
+                                      </p:cBhvr>
+                                      <p:to>
+                                        <p:strVal val="visible"/>
+                                      </p:to>
+                                    </p:set>
+                                  </p:childTnLst>
+                                </p:cTn>
+                              </p:par>
+                            </p:childTnLst>
+                          </p:cTn>
+                        </p:par>
+                      </p:childTnLst>
+                    </p:cTn>
+                  </p:par>
+                </p:childTnLst>
+              </p:cTn>
+              <p:prevCondLst>
+                <p:cond evt="onPrev" delay="0">
+                  <p:tgtEl>
+                    <p:sldTgt/>
+                  </p:tgtEl>
+                </p:cond>
+              </p:prevCondLst>
+              <p:nextCondLst>
+                <p:cond evt="onNext" delay="0">
+                  <p:tgtEl>
+                    <p:sldTgt/>
+                  </p:tgtEl>
+                </p:cond>
+              </p:nextCondLst>
+            </p:seq>
+          </p:childTnLst>
+        </p:cTn>
+      </p:par>
+    </p:tnLst>
+  </p:timing>
 </p:sld>
 </file>
 
@@ -8180,7 +14953,7 @@
             </a:pPr>
             <a:r>
               <a:rPr lang="en-US" sz="2000" dirty="0"/>
-              <a:t>Remotely plausible theories are better than no theories at.</a:t>
+              <a:t>Remotely plausible theories are better than no theories at all.</a:t>
             </a:r>
           </a:p>
           <a:p>
@@ -8763,6 +15536,687 @@
   <p:clrMapOvr>
     <a:masterClrMapping/>
   </p:clrMapOvr>
+  <p:timing>
+    <p:tnLst>
+      <p:par>
+        <p:cTn id="1" dur="indefinite" restart="never" nodeType="tmRoot">
+          <p:childTnLst>
+            <p:seq concurrent="1" nextAc="seek">
+              <p:cTn id="2" dur="indefinite" nodeType="mainSeq">
+                <p:childTnLst>
+                  <p:par>
+                    <p:cTn id="3" fill="hold">
+                      <p:stCondLst>
+                        <p:cond delay="indefinite"/>
+                      </p:stCondLst>
+                      <p:childTnLst>
+                        <p:par>
+                          <p:cTn id="4" fill="hold">
+                            <p:stCondLst>
+                              <p:cond delay="0"/>
+                            </p:stCondLst>
+                            <p:childTnLst>
+                              <p:par>
+                                <p:cTn id="5" presetID="1" presetClass="entr" presetSubtype="0" fill="hold" nodeType="clickEffect">
+                                  <p:stCondLst>
+                                    <p:cond delay="0"/>
+                                  </p:stCondLst>
+                                  <p:childTnLst>
+                                    <p:set>
+                                      <p:cBhvr>
+                                        <p:cTn id="6" dur="1" fill="hold">
+                                          <p:stCondLst>
+                                            <p:cond delay="0"/>
+                                          </p:stCondLst>
+                                        </p:cTn>
+                                        <p:tgtEl>
+                                          <p:spTgt spid="3">
+                                            <p:txEl>
+                                              <p:pRg st="0" end="0"/>
+                                            </p:txEl>
+                                          </p:spTgt>
+                                        </p:tgtEl>
+                                        <p:attrNameLst>
+                                          <p:attrName>style.visibility</p:attrName>
+                                        </p:attrNameLst>
+                                      </p:cBhvr>
+                                      <p:to>
+                                        <p:strVal val="visible"/>
+                                      </p:to>
+                                    </p:set>
+                                  </p:childTnLst>
+                                </p:cTn>
+                              </p:par>
+                            </p:childTnLst>
+                          </p:cTn>
+                        </p:par>
+                      </p:childTnLst>
+                    </p:cTn>
+                  </p:par>
+                  <p:par>
+                    <p:cTn id="7" fill="hold">
+                      <p:stCondLst>
+                        <p:cond delay="indefinite"/>
+                      </p:stCondLst>
+                      <p:childTnLst>
+                        <p:par>
+                          <p:cTn id="8" fill="hold">
+                            <p:stCondLst>
+                              <p:cond delay="0"/>
+                            </p:stCondLst>
+                            <p:childTnLst>
+                              <p:par>
+                                <p:cTn id="9" presetID="1" presetClass="entr" presetSubtype="0" fill="hold" nodeType="clickEffect">
+                                  <p:stCondLst>
+                                    <p:cond delay="0"/>
+                                  </p:stCondLst>
+                                  <p:childTnLst>
+                                    <p:set>
+                                      <p:cBhvr>
+                                        <p:cTn id="10" dur="1" fill="hold">
+                                          <p:stCondLst>
+                                            <p:cond delay="0"/>
+                                          </p:stCondLst>
+                                        </p:cTn>
+                                        <p:tgtEl>
+                                          <p:spTgt spid="3">
+                                            <p:txEl>
+                                              <p:pRg st="1" end="1"/>
+                                            </p:txEl>
+                                          </p:spTgt>
+                                        </p:tgtEl>
+                                        <p:attrNameLst>
+                                          <p:attrName>style.visibility</p:attrName>
+                                        </p:attrNameLst>
+                                      </p:cBhvr>
+                                      <p:to>
+                                        <p:strVal val="visible"/>
+                                      </p:to>
+                                    </p:set>
+                                  </p:childTnLst>
+                                </p:cTn>
+                              </p:par>
+                            </p:childTnLst>
+                          </p:cTn>
+                        </p:par>
+                      </p:childTnLst>
+                    </p:cTn>
+                  </p:par>
+                  <p:par>
+                    <p:cTn id="11" fill="hold">
+                      <p:stCondLst>
+                        <p:cond delay="indefinite"/>
+                      </p:stCondLst>
+                      <p:childTnLst>
+                        <p:par>
+                          <p:cTn id="12" fill="hold">
+                            <p:stCondLst>
+                              <p:cond delay="0"/>
+                            </p:stCondLst>
+                            <p:childTnLst>
+                              <p:par>
+                                <p:cTn id="13" presetID="1" presetClass="entr" presetSubtype="0" fill="hold" nodeType="clickEffect">
+                                  <p:stCondLst>
+                                    <p:cond delay="0"/>
+                                  </p:stCondLst>
+                                  <p:childTnLst>
+                                    <p:set>
+                                      <p:cBhvr>
+                                        <p:cTn id="14" dur="1" fill="hold">
+                                          <p:stCondLst>
+                                            <p:cond delay="0"/>
+                                          </p:stCondLst>
+                                        </p:cTn>
+                                        <p:tgtEl>
+                                          <p:spTgt spid="3">
+                                            <p:txEl>
+                                              <p:pRg st="2" end="2"/>
+                                            </p:txEl>
+                                          </p:spTgt>
+                                        </p:tgtEl>
+                                        <p:attrNameLst>
+                                          <p:attrName>style.visibility</p:attrName>
+                                        </p:attrNameLst>
+                                      </p:cBhvr>
+                                      <p:to>
+                                        <p:strVal val="visible"/>
+                                      </p:to>
+                                    </p:set>
+                                  </p:childTnLst>
+                                </p:cTn>
+                              </p:par>
+                            </p:childTnLst>
+                          </p:cTn>
+                        </p:par>
+                      </p:childTnLst>
+                    </p:cTn>
+                  </p:par>
+                  <p:par>
+                    <p:cTn id="15" fill="hold">
+                      <p:stCondLst>
+                        <p:cond delay="indefinite"/>
+                      </p:stCondLst>
+                      <p:childTnLst>
+                        <p:par>
+                          <p:cTn id="16" fill="hold">
+                            <p:stCondLst>
+                              <p:cond delay="0"/>
+                            </p:stCondLst>
+                            <p:childTnLst>
+                              <p:par>
+                                <p:cTn id="17" presetID="1" presetClass="entr" presetSubtype="0" fill="hold" nodeType="clickEffect">
+                                  <p:stCondLst>
+                                    <p:cond delay="0"/>
+                                  </p:stCondLst>
+                                  <p:childTnLst>
+                                    <p:set>
+                                      <p:cBhvr>
+                                        <p:cTn id="18" dur="1" fill="hold">
+                                          <p:stCondLst>
+                                            <p:cond delay="0"/>
+                                          </p:stCondLst>
+                                        </p:cTn>
+                                        <p:tgtEl>
+                                          <p:spTgt spid="3">
+                                            <p:txEl>
+                                              <p:pRg st="3" end="3"/>
+                                            </p:txEl>
+                                          </p:spTgt>
+                                        </p:tgtEl>
+                                        <p:attrNameLst>
+                                          <p:attrName>style.visibility</p:attrName>
+                                        </p:attrNameLst>
+                                      </p:cBhvr>
+                                      <p:to>
+                                        <p:strVal val="visible"/>
+                                      </p:to>
+                                    </p:set>
+                                  </p:childTnLst>
+                                </p:cTn>
+                              </p:par>
+                            </p:childTnLst>
+                          </p:cTn>
+                        </p:par>
+                      </p:childTnLst>
+                    </p:cTn>
+                  </p:par>
+                  <p:par>
+                    <p:cTn id="19" fill="hold">
+                      <p:stCondLst>
+                        <p:cond delay="indefinite"/>
+                      </p:stCondLst>
+                      <p:childTnLst>
+                        <p:par>
+                          <p:cTn id="20" fill="hold">
+                            <p:stCondLst>
+                              <p:cond delay="0"/>
+                            </p:stCondLst>
+                            <p:childTnLst>
+                              <p:par>
+                                <p:cTn id="21" presetID="1" presetClass="entr" presetSubtype="0" fill="hold" nodeType="clickEffect">
+                                  <p:stCondLst>
+                                    <p:cond delay="0"/>
+                                  </p:stCondLst>
+                                  <p:childTnLst>
+                                    <p:set>
+                                      <p:cBhvr>
+                                        <p:cTn id="22" dur="1" fill="hold">
+                                          <p:stCondLst>
+                                            <p:cond delay="0"/>
+                                          </p:stCondLst>
+                                        </p:cTn>
+                                        <p:tgtEl>
+                                          <p:spTgt spid="3">
+                                            <p:txEl>
+                                              <p:pRg st="4" end="4"/>
+                                            </p:txEl>
+                                          </p:spTgt>
+                                        </p:tgtEl>
+                                        <p:attrNameLst>
+                                          <p:attrName>style.visibility</p:attrName>
+                                        </p:attrNameLst>
+                                      </p:cBhvr>
+                                      <p:to>
+                                        <p:strVal val="visible"/>
+                                      </p:to>
+                                    </p:set>
+                                  </p:childTnLst>
+                                </p:cTn>
+                              </p:par>
+                            </p:childTnLst>
+                          </p:cTn>
+                        </p:par>
+                      </p:childTnLst>
+                    </p:cTn>
+                  </p:par>
+                  <p:par>
+                    <p:cTn id="23" fill="hold">
+                      <p:stCondLst>
+                        <p:cond delay="indefinite"/>
+                      </p:stCondLst>
+                      <p:childTnLst>
+                        <p:par>
+                          <p:cTn id="24" fill="hold">
+                            <p:stCondLst>
+                              <p:cond delay="0"/>
+                            </p:stCondLst>
+                            <p:childTnLst>
+                              <p:par>
+                                <p:cTn id="25" presetID="1" presetClass="entr" presetSubtype="0" fill="hold" nodeType="clickEffect">
+                                  <p:stCondLst>
+                                    <p:cond delay="0"/>
+                                  </p:stCondLst>
+                                  <p:childTnLst>
+                                    <p:set>
+                                      <p:cBhvr>
+                                        <p:cTn id="26" dur="1" fill="hold">
+                                          <p:stCondLst>
+                                            <p:cond delay="0"/>
+                                          </p:stCondLst>
+                                        </p:cTn>
+                                        <p:tgtEl>
+                                          <p:spTgt spid="3">
+                                            <p:txEl>
+                                              <p:pRg st="5" end="5"/>
+                                            </p:txEl>
+                                          </p:spTgt>
+                                        </p:tgtEl>
+                                        <p:attrNameLst>
+                                          <p:attrName>style.visibility</p:attrName>
+                                        </p:attrNameLst>
+                                      </p:cBhvr>
+                                      <p:to>
+                                        <p:strVal val="visible"/>
+                                      </p:to>
+                                    </p:set>
+                                  </p:childTnLst>
+                                </p:cTn>
+                              </p:par>
+                            </p:childTnLst>
+                          </p:cTn>
+                        </p:par>
+                      </p:childTnLst>
+                    </p:cTn>
+                  </p:par>
+                  <p:par>
+                    <p:cTn id="27" fill="hold">
+                      <p:stCondLst>
+                        <p:cond delay="indefinite"/>
+                      </p:stCondLst>
+                      <p:childTnLst>
+                        <p:par>
+                          <p:cTn id="28" fill="hold">
+                            <p:stCondLst>
+                              <p:cond delay="0"/>
+                            </p:stCondLst>
+                            <p:childTnLst>
+                              <p:par>
+                                <p:cTn id="29" presetID="1" presetClass="entr" presetSubtype="0" fill="hold" nodeType="clickEffect">
+                                  <p:stCondLst>
+                                    <p:cond delay="0"/>
+                                  </p:stCondLst>
+                                  <p:childTnLst>
+                                    <p:set>
+                                      <p:cBhvr>
+                                        <p:cTn id="30" dur="1" fill="hold">
+                                          <p:stCondLst>
+                                            <p:cond delay="0"/>
+                                          </p:stCondLst>
+                                        </p:cTn>
+                                        <p:tgtEl>
+                                          <p:spTgt spid="3">
+                                            <p:txEl>
+                                              <p:pRg st="6" end="6"/>
+                                            </p:txEl>
+                                          </p:spTgt>
+                                        </p:tgtEl>
+                                        <p:attrNameLst>
+                                          <p:attrName>style.visibility</p:attrName>
+                                        </p:attrNameLst>
+                                      </p:cBhvr>
+                                      <p:to>
+                                        <p:strVal val="visible"/>
+                                      </p:to>
+                                    </p:set>
+                                  </p:childTnLst>
+                                </p:cTn>
+                              </p:par>
+                            </p:childTnLst>
+                          </p:cTn>
+                        </p:par>
+                      </p:childTnLst>
+                    </p:cTn>
+                  </p:par>
+                  <p:par>
+                    <p:cTn id="31" fill="hold">
+                      <p:stCondLst>
+                        <p:cond delay="indefinite"/>
+                      </p:stCondLst>
+                      <p:childTnLst>
+                        <p:par>
+                          <p:cTn id="32" fill="hold">
+                            <p:stCondLst>
+                              <p:cond delay="0"/>
+                            </p:stCondLst>
+                            <p:childTnLst>
+                              <p:par>
+                                <p:cTn id="33" presetID="1" presetClass="entr" presetSubtype="0" fill="hold" nodeType="clickEffect">
+                                  <p:stCondLst>
+                                    <p:cond delay="0"/>
+                                  </p:stCondLst>
+                                  <p:childTnLst>
+                                    <p:set>
+                                      <p:cBhvr>
+                                        <p:cTn id="34" dur="1" fill="hold">
+                                          <p:stCondLst>
+                                            <p:cond delay="0"/>
+                                          </p:stCondLst>
+                                        </p:cTn>
+                                        <p:tgtEl>
+                                          <p:spTgt spid="4">
+                                            <p:txEl>
+                                              <p:pRg st="3" end="3"/>
+                                            </p:txEl>
+                                          </p:spTgt>
+                                        </p:tgtEl>
+                                        <p:attrNameLst>
+                                          <p:attrName>style.visibility</p:attrName>
+                                        </p:attrNameLst>
+                                      </p:cBhvr>
+                                      <p:to>
+                                        <p:strVal val="visible"/>
+                                      </p:to>
+                                    </p:set>
+                                  </p:childTnLst>
+                                </p:cTn>
+                              </p:par>
+                              <p:par>
+                                <p:cTn id="35" presetID="1" presetClass="entr" presetSubtype="0" fill="hold" nodeType="withEffect">
+                                  <p:stCondLst>
+                                    <p:cond delay="0"/>
+                                  </p:stCondLst>
+                                  <p:childTnLst>
+                                    <p:set>
+                                      <p:cBhvr>
+                                        <p:cTn id="36" dur="1" fill="hold">
+                                          <p:stCondLst>
+                                            <p:cond delay="0"/>
+                                          </p:stCondLst>
+                                        </p:cTn>
+                                        <p:tgtEl>
+                                          <p:spTgt spid="6"/>
+                                        </p:tgtEl>
+                                        <p:attrNameLst>
+                                          <p:attrName>style.visibility</p:attrName>
+                                        </p:attrNameLst>
+                                      </p:cBhvr>
+                                      <p:to>
+                                        <p:strVal val="visible"/>
+                                      </p:to>
+                                    </p:set>
+                                  </p:childTnLst>
+                                </p:cTn>
+                              </p:par>
+                            </p:childTnLst>
+                          </p:cTn>
+                        </p:par>
+                      </p:childTnLst>
+                    </p:cTn>
+                  </p:par>
+                  <p:par>
+                    <p:cTn id="37" fill="hold">
+                      <p:stCondLst>
+                        <p:cond delay="indefinite"/>
+                      </p:stCondLst>
+                      <p:childTnLst>
+                        <p:par>
+                          <p:cTn id="38" fill="hold">
+                            <p:stCondLst>
+                              <p:cond delay="0"/>
+                            </p:stCondLst>
+                            <p:childTnLst>
+                              <p:par>
+                                <p:cTn id="39" presetID="1" presetClass="entr" presetSubtype="0" fill="hold" nodeType="clickEffect">
+                                  <p:stCondLst>
+                                    <p:cond delay="0"/>
+                                  </p:stCondLst>
+                                  <p:childTnLst>
+                                    <p:set>
+                                      <p:cBhvr>
+                                        <p:cTn id="40" dur="1" fill="hold">
+                                          <p:stCondLst>
+                                            <p:cond delay="0"/>
+                                          </p:stCondLst>
+                                        </p:cTn>
+                                        <p:tgtEl>
+                                          <p:spTgt spid="4">
+                                            <p:txEl>
+                                              <p:pRg st="5" end="5"/>
+                                            </p:txEl>
+                                          </p:spTgt>
+                                        </p:tgtEl>
+                                        <p:attrNameLst>
+                                          <p:attrName>style.visibility</p:attrName>
+                                        </p:attrNameLst>
+                                      </p:cBhvr>
+                                      <p:to>
+                                        <p:strVal val="visible"/>
+                                      </p:to>
+                                    </p:set>
+                                  </p:childTnLst>
+                                </p:cTn>
+                              </p:par>
+                              <p:par>
+                                <p:cTn id="41" presetID="1" presetClass="entr" presetSubtype="0" fill="hold" nodeType="withEffect">
+                                  <p:stCondLst>
+                                    <p:cond delay="0"/>
+                                  </p:stCondLst>
+                                  <p:childTnLst>
+                                    <p:set>
+                                      <p:cBhvr>
+                                        <p:cTn id="42" dur="1" fill="hold">
+                                          <p:stCondLst>
+                                            <p:cond delay="0"/>
+                                          </p:stCondLst>
+                                        </p:cTn>
+                                        <p:tgtEl>
+                                          <p:spTgt spid="8"/>
+                                        </p:tgtEl>
+                                        <p:attrNameLst>
+                                          <p:attrName>style.visibility</p:attrName>
+                                        </p:attrNameLst>
+                                      </p:cBhvr>
+                                      <p:to>
+                                        <p:strVal val="visible"/>
+                                      </p:to>
+                                    </p:set>
+                                  </p:childTnLst>
+                                </p:cTn>
+                              </p:par>
+                            </p:childTnLst>
+                          </p:cTn>
+                        </p:par>
+                      </p:childTnLst>
+                    </p:cTn>
+                  </p:par>
+                  <p:par>
+                    <p:cTn id="43" fill="hold">
+                      <p:stCondLst>
+                        <p:cond delay="indefinite"/>
+                      </p:stCondLst>
+                      <p:childTnLst>
+                        <p:par>
+                          <p:cTn id="44" fill="hold">
+                            <p:stCondLst>
+                              <p:cond delay="0"/>
+                            </p:stCondLst>
+                            <p:childTnLst>
+                              <p:par>
+                                <p:cTn id="45" presetID="1" presetClass="entr" presetSubtype="0" fill="hold" nodeType="clickEffect">
+                                  <p:stCondLst>
+                                    <p:cond delay="0"/>
+                                  </p:stCondLst>
+                                  <p:childTnLst>
+                                    <p:set>
+                                      <p:cBhvr>
+                                        <p:cTn id="46" dur="1" fill="hold">
+                                          <p:stCondLst>
+                                            <p:cond delay="0"/>
+                                          </p:stCondLst>
+                                        </p:cTn>
+                                        <p:tgtEl>
+                                          <p:spTgt spid="4">
+                                            <p:txEl>
+                                              <p:pRg st="8" end="8"/>
+                                            </p:txEl>
+                                          </p:spTgt>
+                                        </p:tgtEl>
+                                        <p:attrNameLst>
+                                          <p:attrName>style.visibility</p:attrName>
+                                        </p:attrNameLst>
+                                      </p:cBhvr>
+                                      <p:to>
+                                        <p:strVal val="visible"/>
+                                      </p:to>
+                                    </p:set>
+                                  </p:childTnLst>
+                                </p:cTn>
+                              </p:par>
+                              <p:par>
+                                <p:cTn id="47" presetID="1" presetClass="entr" presetSubtype="0" fill="hold" grpId="0" nodeType="withEffect">
+                                  <p:stCondLst>
+                                    <p:cond delay="0"/>
+                                  </p:stCondLst>
+                                  <p:childTnLst>
+                                    <p:set>
+                                      <p:cBhvr>
+                                        <p:cTn id="48" dur="1" fill="hold">
+                                          <p:stCondLst>
+                                            <p:cond delay="0"/>
+                                          </p:stCondLst>
+                                        </p:cTn>
+                                        <p:tgtEl>
+                                          <p:spTgt spid="9"/>
+                                        </p:tgtEl>
+                                        <p:attrNameLst>
+                                          <p:attrName>style.visibility</p:attrName>
+                                        </p:attrNameLst>
+                                      </p:cBhvr>
+                                      <p:to>
+                                        <p:strVal val="visible"/>
+                                      </p:to>
+                                    </p:set>
+                                  </p:childTnLst>
+                                </p:cTn>
+                              </p:par>
+                            </p:childTnLst>
+                          </p:cTn>
+                        </p:par>
+                      </p:childTnLst>
+                    </p:cTn>
+                  </p:par>
+                  <p:par>
+                    <p:cTn id="49" fill="hold">
+                      <p:stCondLst>
+                        <p:cond delay="indefinite"/>
+                      </p:stCondLst>
+                      <p:childTnLst>
+                        <p:par>
+                          <p:cTn id="50" fill="hold">
+                            <p:stCondLst>
+                              <p:cond delay="0"/>
+                            </p:stCondLst>
+                            <p:childTnLst>
+                              <p:par>
+                                <p:cTn id="51" presetID="1" presetClass="entr" presetSubtype="0" fill="hold" nodeType="clickEffect">
+                                  <p:stCondLst>
+                                    <p:cond delay="0"/>
+                                  </p:stCondLst>
+                                  <p:childTnLst>
+                                    <p:set>
+                                      <p:cBhvr>
+                                        <p:cTn id="52" dur="1" fill="hold">
+                                          <p:stCondLst>
+                                            <p:cond delay="0"/>
+                                          </p:stCondLst>
+                                        </p:cTn>
+                                        <p:tgtEl>
+                                          <p:spTgt spid="4">
+                                            <p:txEl>
+                                              <p:pRg st="1" end="1"/>
+                                            </p:txEl>
+                                          </p:spTgt>
+                                        </p:tgtEl>
+                                        <p:attrNameLst>
+                                          <p:attrName>style.visibility</p:attrName>
+                                        </p:attrNameLst>
+                                      </p:cBhvr>
+                                      <p:to>
+                                        <p:strVal val="visible"/>
+                                      </p:to>
+                                    </p:set>
+                                  </p:childTnLst>
+                                </p:cTn>
+                              </p:par>
+                              <p:par>
+                                <p:cTn id="53" presetID="1" presetClass="entr" presetSubtype="0" fill="hold" grpId="0" nodeType="withEffect">
+                                  <p:stCondLst>
+                                    <p:cond delay="0"/>
+                                  </p:stCondLst>
+                                  <p:childTnLst>
+                                    <p:set>
+                                      <p:cBhvr>
+                                        <p:cTn id="54" dur="1" fill="hold">
+                                          <p:stCondLst>
+                                            <p:cond delay="0"/>
+                                          </p:stCondLst>
+                                        </p:cTn>
+                                        <p:tgtEl>
+                                          <p:spTgt spid="12"/>
+                                        </p:tgtEl>
+                                        <p:attrNameLst>
+                                          <p:attrName>style.visibility</p:attrName>
+                                        </p:attrNameLst>
+                                      </p:cBhvr>
+                                      <p:to>
+                                        <p:strVal val="visible"/>
+                                      </p:to>
+                                    </p:set>
+                                  </p:childTnLst>
+                                </p:cTn>
+                              </p:par>
+                            </p:childTnLst>
+                          </p:cTn>
+                        </p:par>
+                      </p:childTnLst>
+                    </p:cTn>
+                  </p:par>
+                </p:childTnLst>
+              </p:cTn>
+              <p:prevCondLst>
+                <p:cond evt="onPrev" delay="0">
+                  <p:tgtEl>
+                    <p:sldTgt/>
+                  </p:tgtEl>
+                </p:cond>
+              </p:prevCondLst>
+              <p:nextCondLst>
+                <p:cond evt="onNext" delay="0">
+                  <p:tgtEl>
+                    <p:sldTgt/>
+                  </p:tgtEl>
+                </p:cond>
+              </p:nextCondLst>
+            </p:seq>
+          </p:childTnLst>
+        </p:cTn>
+      </p:par>
+    </p:tnLst>
+    <p:bldLst>
+      <p:bldP spid="9" grpId="0" animBg="1"/>
+      <p:bldP spid="12" grpId="0" animBg="1"/>
+    </p:bldLst>
+  </p:timing>
 </p:sld>
 </file>
 
@@ -8865,7 +16319,15 @@
             </a:r>
             <a:r>
               <a:rPr lang="en-US" dirty="0"/>
-              <a:t>.</a:t>
+              <a:t>. If we take our cognitive theories seriously, we must the </a:t>
+            </a:r>
+            <a:r>
+              <a:rPr lang="en-US" dirty="0" err="1"/>
+              <a:t>LoT</a:t>
+            </a:r>
+            <a:r>
+              <a:rPr lang="en-US" dirty="0"/>
+              <a:t> seriously.</a:t>
             </a:r>
           </a:p>
           <a:p>
@@ -8930,6 +16392,428 @@
   <p:clrMapOvr>
     <a:masterClrMapping/>
   </p:clrMapOvr>
+  <p:timing>
+    <p:tnLst>
+      <p:par>
+        <p:cTn id="1" dur="indefinite" restart="never" nodeType="tmRoot">
+          <p:childTnLst>
+            <p:seq concurrent="1" nextAc="seek">
+              <p:cTn id="2" dur="indefinite" nodeType="mainSeq">
+                <p:childTnLst>
+                  <p:par>
+                    <p:cTn id="3" fill="hold">
+                      <p:stCondLst>
+                        <p:cond delay="indefinite"/>
+                      </p:stCondLst>
+                      <p:childTnLst>
+                        <p:par>
+                          <p:cTn id="4" fill="hold">
+                            <p:stCondLst>
+                              <p:cond delay="0"/>
+                            </p:stCondLst>
+                            <p:childTnLst>
+                              <p:par>
+                                <p:cTn id="5" presetID="1" presetClass="entr" presetSubtype="0" fill="hold" nodeType="clickEffect">
+                                  <p:stCondLst>
+                                    <p:cond delay="0"/>
+                                  </p:stCondLst>
+                                  <p:childTnLst>
+                                    <p:set>
+                                      <p:cBhvr>
+                                        <p:cTn id="6" dur="1" fill="hold">
+                                          <p:stCondLst>
+                                            <p:cond delay="0"/>
+                                          </p:stCondLst>
+                                        </p:cTn>
+                                        <p:tgtEl>
+                                          <p:spTgt spid="3">
+                                            <p:txEl>
+                                              <p:pRg st="0" end="0"/>
+                                            </p:txEl>
+                                          </p:spTgt>
+                                        </p:tgtEl>
+                                        <p:attrNameLst>
+                                          <p:attrName>style.visibility</p:attrName>
+                                        </p:attrNameLst>
+                                      </p:cBhvr>
+                                      <p:to>
+                                        <p:strVal val="visible"/>
+                                      </p:to>
+                                    </p:set>
+                                  </p:childTnLst>
+                                </p:cTn>
+                              </p:par>
+                            </p:childTnLst>
+                          </p:cTn>
+                        </p:par>
+                      </p:childTnLst>
+                    </p:cTn>
+                  </p:par>
+                  <p:par>
+                    <p:cTn id="7" fill="hold">
+                      <p:stCondLst>
+                        <p:cond delay="indefinite"/>
+                      </p:stCondLst>
+                      <p:childTnLst>
+                        <p:par>
+                          <p:cTn id="8" fill="hold">
+                            <p:stCondLst>
+                              <p:cond delay="0"/>
+                            </p:stCondLst>
+                            <p:childTnLst>
+                              <p:par>
+                                <p:cTn id="9" presetID="1" presetClass="entr" presetSubtype="0" fill="hold" nodeType="clickEffect">
+                                  <p:stCondLst>
+                                    <p:cond delay="0"/>
+                                  </p:stCondLst>
+                                  <p:childTnLst>
+                                    <p:set>
+                                      <p:cBhvr>
+                                        <p:cTn id="10" dur="1" fill="hold">
+                                          <p:stCondLst>
+                                            <p:cond delay="0"/>
+                                          </p:stCondLst>
+                                        </p:cTn>
+                                        <p:tgtEl>
+                                          <p:spTgt spid="3">
+                                            <p:txEl>
+                                              <p:pRg st="1" end="1"/>
+                                            </p:txEl>
+                                          </p:spTgt>
+                                        </p:tgtEl>
+                                        <p:attrNameLst>
+                                          <p:attrName>style.visibility</p:attrName>
+                                        </p:attrNameLst>
+                                      </p:cBhvr>
+                                      <p:to>
+                                        <p:strVal val="visible"/>
+                                      </p:to>
+                                    </p:set>
+                                  </p:childTnLst>
+                                </p:cTn>
+                              </p:par>
+                            </p:childTnLst>
+                          </p:cTn>
+                        </p:par>
+                      </p:childTnLst>
+                    </p:cTn>
+                  </p:par>
+                  <p:par>
+                    <p:cTn id="11" fill="hold">
+                      <p:stCondLst>
+                        <p:cond delay="indefinite"/>
+                      </p:stCondLst>
+                      <p:childTnLst>
+                        <p:par>
+                          <p:cTn id="12" fill="hold">
+                            <p:stCondLst>
+                              <p:cond delay="0"/>
+                            </p:stCondLst>
+                            <p:childTnLst>
+                              <p:par>
+                                <p:cTn id="13" presetID="1" presetClass="entr" presetSubtype="0" fill="hold" nodeType="clickEffect">
+                                  <p:stCondLst>
+                                    <p:cond delay="0"/>
+                                  </p:stCondLst>
+                                  <p:childTnLst>
+                                    <p:set>
+                                      <p:cBhvr>
+                                        <p:cTn id="14" dur="1" fill="hold">
+                                          <p:stCondLst>
+                                            <p:cond delay="0"/>
+                                          </p:stCondLst>
+                                        </p:cTn>
+                                        <p:tgtEl>
+                                          <p:spTgt spid="3">
+                                            <p:txEl>
+                                              <p:pRg st="2" end="2"/>
+                                            </p:txEl>
+                                          </p:spTgt>
+                                        </p:tgtEl>
+                                        <p:attrNameLst>
+                                          <p:attrName>style.visibility</p:attrName>
+                                        </p:attrNameLst>
+                                      </p:cBhvr>
+                                      <p:to>
+                                        <p:strVal val="visible"/>
+                                      </p:to>
+                                    </p:set>
+                                  </p:childTnLst>
+                                </p:cTn>
+                              </p:par>
+                            </p:childTnLst>
+                          </p:cTn>
+                        </p:par>
+                      </p:childTnLst>
+                    </p:cTn>
+                  </p:par>
+                  <p:par>
+                    <p:cTn id="15" fill="hold">
+                      <p:stCondLst>
+                        <p:cond delay="indefinite"/>
+                      </p:stCondLst>
+                      <p:childTnLst>
+                        <p:par>
+                          <p:cTn id="16" fill="hold">
+                            <p:stCondLst>
+                              <p:cond delay="0"/>
+                            </p:stCondLst>
+                            <p:childTnLst>
+                              <p:par>
+                                <p:cTn id="17" presetID="1" presetClass="entr" presetSubtype="0" fill="hold" nodeType="clickEffect">
+                                  <p:stCondLst>
+                                    <p:cond delay="0"/>
+                                  </p:stCondLst>
+                                  <p:childTnLst>
+                                    <p:set>
+                                      <p:cBhvr>
+                                        <p:cTn id="18" dur="1" fill="hold">
+                                          <p:stCondLst>
+                                            <p:cond delay="0"/>
+                                          </p:stCondLst>
+                                        </p:cTn>
+                                        <p:tgtEl>
+                                          <p:spTgt spid="3">
+                                            <p:txEl>
+                                              <p:pRg st="3" end="3"/>
+                                            </p:txEl>
+                                          </p:spTgt>
+                                        </p:tgtEl>
+                                        <p:attrNameLst>
+                                          <p:attrName>style.visibility</p:attrName>
+                                        </p:attrNameLst>
+                                      </p:cBhvr>
+                                      <p:to>
+                                        <p:strVal val="visible"/>
+                                      </p:to>
+                                    </p:set>
+                                  </p:childTnLst>
+                                </p:cTn>
+                              </p:par>
+                            </p:childTnLst>
+                          </p:cTn>
+                        </p:par>
+                      </p:childTnLst>
+                    </p:cTn>
+                  </p:par>
+                  <p:par>
+                    <p:cTn id="19" fill="hold">
+                      <p:stCondLst>
+                        <p:cond delay="indefinite"/>
+                      </p:stCondLst>
+                      <p:childTnLst>
+                        <p:par>
+                          <p:cTn id="20" fill="hold">
+                            <p:stCondLst>
+                              <p:cond delay="0"/>
+                            </p:stCondLst>
+                            <p:childTnLst>
+                              <p:par>
+                                <p:cTn id="21" presetID="1" presetClass="entr" presetSubtype="0" fill="hold" nodeType="clickEffect">
+                                  <p:stCondLst>
+                                    <p:cond delay="0"/>
+                                  </p:stCondLst>
+                                  <p:childTnLst>
+                                    <p:set>
+                                      <p:cBhvr>
+                                        <p:cTn id="22" dur="1" fill="hold">
+                                          <p:stCondLst>
+                                            <p:cond delay="0"/>
+                                          </p:stCondLst>
+                                        </p:cTn>
+                                        <p:tgtEl>
+                                          <p:spTgt spid="3">
+                                            <p:txEl>
+                                              <p:pRg st="4" end="4"/>
+                                            </p:txEl>
+                                          </p:spTgt>
+                                        </p:tgtEl>
+                                        <p:attrNameLst>
+                                          <p:attrName>style.visibility</p:attrName>
+                                        </p:attrNameLst>
+                                      </p:cBhvr>
+                                      <p:to>
+                                        <p:strVal val="visible"/>
+                                      </p:to>
+                                    </p:set>
+                                  </p:childTnLst>
+                                </p:cTn>
+                              </p:par>
+                            </p:childTnLst>
+                          </p:cTn>
+                        </p:par>
+                      </p:childTnLst>
+                    </p:cTn>
+                  </p:par>
+                  <p:par>
+                    <p:cTn id="23" fill="hold">
+                      <p:stCondLst>
+                        <p:cond delay="indefinite"/>
+                      </p:stCondLst>
+                      <p:childTnLst>
+                        <p:par>
+                          <p:cTn id="24" fill="hold">
+                            <p:stCondLst>
+                              <p:cond delay="0"/>
+                            </p:stCondLst>
+                            <p:childTnLst>
+                              <p:par>
+                                <p:cTn id="25" presetID="1" presetClass="entr" presetSubtype="0" fill="hold" nodeType="clickEffect">
+                                  <p:stCondLst>
+                                    <p:cond delay="0"/>
+                                  </p:stCondLst>
+                                  <p:childTnLst>
+                                    <p:set>
+                                      <p:cBhvr>
+                                        <p:cTn id="26" dur="1" fill="hold">
+                                          <p:stCondLst>
+                                            <p:cond delay="0"/>
+                                          </p:stCondLst>
+                                        </p:cTn>
+                                        <p:tgtEl>
+                                          <p:spTgt spid="3">
+                                            <p:txEl>
+                                              <p:pRg st="5" end="5"/>
+                                            </p:txEl>
+                                          </p:spTgt>
+                                        </p:tgtEl>
+                                        <p:attrNameLst>
+                                          <p:attrName>style.visibility</p:attrName>
+                                        </p:attrNameLst>
+                                      </p:cBhvr>
+                                      <p:to>
+                                        <p:strVal val="visible"/>
+                                      </p:to>
+                                    </p:set>
+                                  </p:childTnLst>
+                                </p:cTn>
+                              </p:par>
+                            </p:childTnLst>
+                          </p:cTn>
+                        </p:par>
+                      </p:childTnLst>
+                    </p:cTn>
+                  </p:par>
+                  <p:par>
+                    <p:cTn id="27" fill="hold">
+                      <p:stCondLst>
+                        <p:cond delay="indefinite"/>
+                      </p:stCondLst>
+                      <p:childTnLst>
+                        <p:par>
+                          <p:cTn id="28" fill="hold">
+                            <p:stCondLst>
+                              <p:cond delay="0"/>
+                            </p:stCondLst>
+                            <p:childTnLst>
+                              <p:par>
+                                <p:cTn id="29" presetID="1" presetClass="entr" presetSubtype="0" fill="hold" nodeType="clickEffect">
+                                  <p:stCondLst>
+                                    <p:cond delay="0"/>
+                                  </p:stCondLst>
+                                  <p:childTnLst>
+                                    <p:set>
+                                      <p:cBhvr>
+                                        <p:cTn id="30" dur="1" fill="hold">
+                                          <p:stCondLst>
+                                            <p:cond delay="0"/>
+                                          </p:stCondLst>
+                                        </p:cTn>
+                                        <p:tgtEl>
+                                          <p:spTgt spid="3">
+                                            <p:txEl>
+                                              <p:pRg st="6" end="6"/>
+                                            </p:txEl>
+                                          </p:spTgt>
+                                        </p:tgtEl>
+                                        <p:attrNameLst>
+                                          <p:attrName>style.visibility</p:attrName>
+                                        </p:attrNameLst>
+                                      </p:cBhvr>
+                                      <p:to>
+                                        <p:strVal val="visible"/>
+                                      </p:to>
+                                    </p:set>
+                                  </p:childTnLst>
+                                </p:cTn>
+                              </p:par>
+                            </p:childTnLst>
+                          </p:cTn>
+                        </p:par>
+                      </p:childTnLst>
+                    </p:cTn>
+                  </p:par>
+                  <p:par>
+                    <p:cTn id="31" fill="hold">
+                      <p:stCondLst>
+                        <p:cond delay="indefinite"/>
+                      </p:stCondLst>
+                      <p:childTnLst>
+                        <p:par>
+                          <p:cTn id="32" fill="hold">
+                            <p:stCondLst>
+                              <p:cond delay="0"/>
+                            </p:stCondLst>
+                            <p:childTnLst>
+                              <p:par>
+                                <p:cTn id="33" presetID="1" presetClass="entr" presetSubtype="0" fill="hold" nodeType="clickEffect">
+                                  <p:stCondLst>
+                                    <p:cond delay="0"/>
+                                  </p:stCondLst>
+                                  <p:childTnLst>
+                                    <p:set>
+                                      <p:cBhvr>
+                                        <p:cTn id="34" dur="1" fill="hold">
+                                          <p:stCondLst>
+                                            <p:cond delay="0"/>
+                                          </p:stCondLst>
+                                        </p:cTn>
+                                        <p:tgtEl>
+                                          <p:spTgt spid="3">
+                                            <p:txEl>
+                                              <p:pRg st="7" end="7"/>
+                                            </p:txEl>
+                                          </p:spTgt>
+                                        </p:tgtEl>
+                                        <p:attrNameLst>
+                                          <p:attrName>style.visibility</p:attrName>
+                                        </p:attrNameLst>
+                                      </p:cBhvr>
+                                      <p:to>
+                                        <p:strVal val="visible"/>
+                                      </p:to>
+                                    </p:set>
+                                  </p:childTnLst>
+                                </p:cTn>
+                              </p:par>
+                            </p:childTnLst>
+                          </p:cTn>
+                        </p:par>
+                      </p:childTnLst>
+                    </p:cTn>
+                  </p:par>
+                </p:childTnLst>
+              </p:cTn>
+              <p:prevCondLst>
+                <p:cond evt="onPrev" delay="0">
+                  <p:tgtEl>
+                    <p:sldTgt/>
+                  </p:tgtEl>
+                </p:cond>
+              </p:prevCondLst>
+              <p:nextCondLst>
+                <p:cond evt="onNext" delay="0">
+                  <p:tgtEl>
+                    <p:sldTgt/>
+                  </p:tgtEl>
+                </p:cond>
+              </p:nextCondLst>
+            </p:seq>
+          </p:childTnLst>
+        </p:cTn>
+      </p:par>
+    </p:tnLst>
+  </p:timing>
 </p:sld>
 </file>
 
@@ -8995,7 +16879,12 @@
             <p:ph idx="1"/>
           </p:nvPr>
         </p:nvSpPr>
-        <p:spPr/>
+        <p:spPr>
+          <a:xfrm>
+            <a:off x="838199" y="1825625"/>
+            <a:ext cx="10702871" cy="4351338"/>
+          </a:xfrm>
+        </p:spPr>
         <p:txBody>
           <a:bodyPr anchor="ctr">
             <a:normAutofit fontScale="77500" lnSpcReduction="20000"/>
@@ -9117,6 +17006,526 @@
   <p:clrMapOvr>
     <a:masterClrMapping/>
   </p:clrMapOvr>
+  <p:timing>
+    <p:tnLst>
+      <p:par>
+        <p:cTn id="1" dur="indefinite" restart="never" nodeType="tmRoot">
+          <p:childTnLst>
+            <p:seq concurrent="1" nextAc="seek">
+              <p:cTn id="2" dur="indefinite" nodeType="mainSeq">
+                <p:childTnLst>
+                  <p:par>
+                    <p:cTn id="3" fill="hold">
+                      <p:stCondLst>
+                        <p:cond delay="indefinite"/>
+                      </p:stCondLst>
+                      <p:childTnLst>
+                        <p:par>
+                          <p:cTn id="4" fill="hold">
+                            <p:stCondLst>
+                              <p:cond delay="0"/>
+                            </p:stCondLst>
+                            <p:childTnLst>
+                              <p:par>
+                                <p:cTn id="5" presetID="1" presetClass="entr" presetSubtype="0" fill="hold" nodeType="clickEffect">
+                                  <p:stCondLst>
+                                    <p:cond delay="0"/>
+                                  </p:stCondLst>
+                                  <p:childTnLst>
+                                    <p:set>
+                                      <p:cBhvr>
+                                        <p:cTn id="6" dur="1" fill="hold">
+                                          <p:stCondLst>
+                                            <p:cond delay="0"/>
+                                          </p:stCondLst>
+                                        </p:cTn>
+                                        <p:tgtEl>
+                                          <p:spTgt spid="3">
+                                            <p:txEl>
+                                              <p:pRg st="0" end="0"/>
+                                            </p:txEl>
+                                          </p:spTgt>
+                                        </p:tgtEl>
+                                        <p:attrNameLst>
+                                          <p:attrName>style.visibility</p:attrName>
+                                        </p:attrNameLst>
+                                      </p:cBhvr>
+                                      <p:to>
+                                        <p:strVal val="visible"/>
+                                      </p:to>
+                                    </p:set>
+                                  </p:childTnLst>
+                                </p:cTn>
+                              </p:par>
+                            </p:childTnLst>
+                          </p:cTn>
+                        </p:par>
+                      </p:childTnLst>
+                    </p:cTn>
+                  </p:par>
+                  <p:par>
+                    <p:cTn id="7" fill="hold">
+                      <p:stCondLst>
+                        <p:cond delay="indefinite"/>
+                      </p:stCondLst>
+                      <p:childTnLst>
+                        <p:par>
+                          <p:cTn id="8" fill="hold">
+                            <p:stCondLst>
+                              <p:cond delay="0"/>
+                            </p:stCondLst>
+                            <p:childTnLst>
+                              <p:par>
+                                <p:cTn id="9" presetID="1" presetClass="entr" presetSubtype="0" fill="hold" nodeType="clickEffect">
+                                  <p:stCondLst>
+                                    <p:cond delay="0"/>
+                                  </p:stCondLst>
+                                  <p:childTnLst>
+                                    <p:set>
+                                      <p:cBhvr>
+                                        <p:cTn id="10" dur="1" fill="hold">
+                                          <p:stCondLst>
+                                            <p:cond delay="0"/>
+                                          </p:stCondLst>
+                                        </p:cTn>
+                                        <p:tgtEl>
+                                          <p:spTgt spid="3">
+                                            <p:txEl>
+                                              <p:pRg st="1" end="1"/>
+                                            </p:txEl>
+                                          </p:spTgt>
+                                        </p:tgtEl>
+                                        <p:attrNameLst>
+                                          <p:attrName>style.visibility</p:attrName>
+                                        </p:attrNameLst>
+                                      </p:cBhvr>
+                                      <p:to>
+                                        <p:strVal val="visible"/>
+                                      </p:to>
+                                    </p:set>
+                                  </p:childTnLst>
+                                </p:cTn>
+                              </p:par>
+                            </p:childTnLst>
+                          </p:cTn>
+                        </p:par>
+                      </p:childTnLst>
+                    </p:cTn>
+                  </p:par>
+                  <p:par>
+                    <p:cTn id="11" fill="hold">
+                      <p:stCondLst>
+                        <p:cond delay="indefinite"/>
+                      </p:stCondLst>
+                      <p:childTnLst>
+                        <p:par>
+                          <p:cTn id="12" fill="hold">
+                            <p:stCondLst>
+                              <p:cond delay="0"/>
+                            </p:stCondLst>
+                            <p:childTnLst>
+                              <p:par>
+                                <p:cTn id="13" presetID="1" presetClass="entr" presetSubtype="0" fill="hold" nodeType="clickEffect">
+                                  <p:stCondLst>
+                                    <p:cond delay="0"/>
+                                  </p:stCondLst>
+                                  <p:childTnLst>
+                                    <p:set>
+                                      <p:cBhvr>
+                                        <p:cTn id="14" dur="1" fill="hold">
+                                          <p:stCondLst>
+                                            <p:cond delay="0"/>
+                                          </p:stCondLst>
+                                        </p:cTn>
+                                        <p:tgtEl>
+                                          <p:spTgt spid="3">
+                                            <p:txEl>
+                                              <p:pRg st="2" end="2"/>
+                                            </p:txEl>
+                                          </p:spTgt>
+                                        </p:tgtEl>
+                                        <p:attrNameLst>
+                                          <p:attrName>style.visibility</p:attrName>
+                                        </p:attrNameLst>
+                                      </p:cBhvr>
+                                      <p:to>
+                                        <p:strVal val="visible"/>
+                                      </p:to>
+                                    </p:set>
+                                  </p:childTnLst>
+                                </p:cTn>
+                              </p:par>
+                            </p:childTnLst>
+                          </p:cTn>
+                        </p:par>
+                      </p:childTnLst>
+                    </p:cTn>
+                  </p:par>
+                  <p:par>
+                    <p:cTn id="15" fill="hold">
+                      <p:stCondLst>
+                        <p:cond delay="indefinite"/>
+                      </p:stCondLst>
+                      <p:childTnLst>
+                        <p:par>
+                          <p:cTn id="16" fill="hold">
+                            <p:stCondLst>
+                              <p:cond delay="0"/>
+                            </p:stCondLst>
+                            <p:childTnLst>
+                              <p:par>
+                                <p:cTn id="17" presetID="1" presetClass="entr" presetSubtype="0" fill="hold" nodeType="clickEffect">
+                                  <p:stCondLst>
+                                    <p:cond delay="0"/>
+                                  </p:stCondLst>
+                                  <p:childTnLst>
+                                    <p:set>
+                                      <p:cBhvr>
+                                        <p:cTn id="18" dur="1" fill="hold">
+                                          <p:stCondLst>
+                                            <p:cond delay="0"/>
+                                          </p:stCondLst>
+                                        </p:cTn>
+                                        <p:tgtEl>
+                                          <p:spTgt spid="3">
+                                            <p:txEl>
+                                              <p:pRg st="3" end="3"/>
+                                            </p:txEl>
+                                          </p:spTgt>
+                                        </p:tgtEl>
+                                        <p:attrNameLst>
+                                          <p:attrName>style.visibility</p:attrName>
+                                        </p:attrNameLst>
+                                      </p:cBhvr>
+                                      <p:to>
+                                        <p:strVal val="visible"/>
+                                      </p:to>
+                                    </p:set>
+                                  </p:childTnLst>
+                                </p:cTn>
+                              </p:par>
+                            </p:childTnLst>
+                          </p:cTn>
+                        </p:par>
+                      </p:childTnLst>
+                    </p:cTn>
+                  </p:par>
+                  <p:par>
+                    <p:cTn id="19" fill="hold">
+                      <p:stCondLst>
+                        <p:cond delay="indefinite"/>
+                      </p:stCondLst>
+                      <p:childTnLst>
+                        <p:par>
+                          <p:cTn id="20" fill="hold">
+                            <p:stCondLst>
+                              <p:cond delay="0"/>
+                            </p:stCondLst>
+                            <p:childTnLst>
+                              <p:par>
+                                <p:cTn id="21" presetID="1" presetClass="entr" presetSubtype="0" fill="hold" nodeType="clickEffect">
+                                  <p:stCondLst>
+                                    <p:cond delay="0"/>
+                                  </p:stCondLst>
+                                  <p:childTnLst>
+                                    <p:set>
+                                      <p:cBhvr>
+                                        <p:cTn id="22" dur="1" fill="hold">
+                                          <p:stCondLst>
+                                            <p:cond delay="0"/>
+                                          </p:stCondLst>
+                                        </p:cTn>
+                                        <p:tgtEl>
+                                          <p:spTgt spid="3">
+                                            <p:txEl>
+                                              <p:pRg st="4" end="4"/>
+                                            </p:txEl>
+                                          </p:spTgt>
+                                        </p:tgtEl>
+                                        <p:attrNameLst>
+                                          <p:attrName>style.visibility</p:attrName>
+                                        </p:attrNameLst>
+                                      </p:cBhvr>
+                                      <p:to>
+                                        <p:strVal val="visible"/>
+                                      </p:to>
+                                    </p:set>
+                                  </p:childTnLst>
+                                </p:cTn>
+                              </p:par>
+                            </p:childTnLst>
+                          </p:cTn>
+                        </p:par>
+                      </p:childTnLst>
+                    </p:cTn>
+                  </p:par>
+                  <p:par>
+                    <p:cTn id="23" fill="hold">
+                      <p:stCondLst>
+                        <p:cond delay="indefinite"/>
+                      </p:stCondLst>
+                      <p:childTnLst>
+                        <p:par>
+                          <p:cTn id="24" fill="hold">
+                            <p:stCondLst>
+                              <p:cond delay="0"/>
+                            </p:stCondLst>
+                            <p:childTnLst>
+                              <p:par>
+                                <p:cTn id="25" presetID="1" presetClass="entr" presetSubtype="0" fill="hold" nodeType="clickEffect">
+                                  <p:stCondLst>
+                                    <p:cond delay="0"/>
+                                  </p:stCondLst>
+                                  <p:childTnLst>
+                                    <p:set>
+                                      <p:cBhvr>
+                                        <p:cTn id="26" dur="1" fill="hold">
+                                          <p:stCondLst>
+                                            <p:cond delay="0"/>
+                                          </p:stCondLst>
+                                        </p:cTn>
+                                        <p:tgtEl>
+                                          <p:spTgt spid="3">
+                                            <p:txEl>
+                                              <p:pRg st="5" end="5"/>
+                                            </p:txEl>
+                                          </p:spTgt>
+                                        </p:tgtEl>
+                                        <p:attrNameLst>
+                                          <p:attrName>style.visibility</p:attrName>
+                                        </p:attrNameLst>
+                                      </p:cBhvr>
+                                      <p:to>
+                                        <p:strVal val="visible"/>
+                                      </p:to>
+                                    </p:set>
+                                  </p:childTnLst>
+                                </p:cTn>
+                              </p:par>
+                            </p:childTnLst>
+                          </p:cTn>
+                        </p:par>
+                      </p:childTnLst>
+                    </p:cTn>
+                  </p:par>
+                  <p:par>
+                    <p:cTn id="27" fill="hold">
+                      <p:stCondLst>
+                        <p:cond delay="indefinite"/>
+                      </p:stCondLst>
+                      <p:childTnLst>
+                        <p:par>
+                          <p:cTn id="28" fill="hold">
+                            <p:stCondLst>
+                              <p:cond delay="0"/>
+                            </p:stCondLst>
+                            <p:childTnLst>
+                              <p:par>
+                                <p:cTn id="29" presetID="1" presetClass="entr" presetSubtype="0" fill="hold" nodeType="clickEffect">
+                                  <p:stCondLst>
+                                    <p:cond delay="0"/>
+                                  </p:stCondLst>
+                                  <p:childTnLst>
+                                    <p:set>
+                                      <p:cBhvr>
+                                        <p:cTn id="30" dur="1" fill="hold">
+                                          <p:stCondLst>
+                                            <p:cond delay="0"/>
+                                          </p:stCondLst>
+                                        </p:cTn>
+                                        <p:tgtEl>
+                                          <p:spTgt spid="3">
+                                            <p:txEl>
+                                              <p:pRg st="6" end="6"/>
+                                            </p:txEl>
+                                          </p:spTgt>
+                                        </p:tgtEl>
+                                        <p:attrNameLst>
+                                          <p:attrName>style.visibility</p:attrName>
+                                        </p:attrNameLst>
+                                      </p:cBhvr>
+                                      <p:to>
+                                        <p:strVal val="visible"/>
+                                      </p:to>
+                                    </p:set>
+                                  </p:childTnLst>
+                                </p:cTn>
+                              </p:par>
+                            </p:childTnLst>
+                          </p:cTn>
+                        </p:par>
+                      </p:childTnLst>
+                    </p:cTn>
+                  </p:par>
+                  <p:par>
+                    <p:cTn id="31" fill="hold">
+                      <p:stCondLst>
+                        <p:cond delay="indefinite"/>
+                      </p:stCondLst>
+                      <p:childTnLst>
+                        <p:par>
+                          <p:cTn id="32" fill="hold">
+                            <p:stCondLst>
+                              <p:cond delay="0"/>
+                            </p:stCondLst>
+                            <p:childTnLst>
+                              <p:par>
+                                <p:cTn id="33" presetID="1" presetClass="entr" presetSubtype="0" fill="hold" nodeType="clickEffect">
+                                  <p:stCondLst>
+                                    <p:cond delay="0"/>
+                                  </p:stCondLst>
+                                  <p:childTnLst>
+                                    <p:set>
+                                      <p:cBhvr>
+                                        <p:cTn id="34" dur="1" fill="hold">
+                                          <p:stCondLst>
+                                            <p:cond delay="0"/>
+                                          </p:stCondLst>
+                                        </p:cTn>
+                                        <p:tgtEl>
+                                          <p:spTgt spid="3">
+                                            <p:txEl>
+                                              <p:pRg st="7" end="7"/>
+                                            </p:txEl>
+                                          </p:spTgt>
+                                        </p:tgtEl>
+                                        <p:attrNameLst>
+                                          <p:attrName>style.visibility</p:attrName>
+                                        </p:attrNameLst>
+                                      </p:cBhvr>
+                                      <p:to>
+                                        <p:strVal val="visible"/>
+                                      </p:to>
+                                    </p:set>
+                                  </p:childTnLst>
+                                </p:cTn>
+                              </p:par>
+                            </p:childTnLst>
+                          </p:cTn>
+                        </p:par>
+                      </p:childTnLst>
+                    </p:cTn>
+                  </p:par>
+                  <p:par>
+                    <p:cTn id="35" fill="hold">
+                      <p:stCondLst>
+                        <p:cond delay="indefinite"/>
+                      </p:stCondLst>
+                      <p:childTnLst>
+                        <p:par>
+                          <p:cTn id="36" fill="hold">
+                            <p:stCondLst>
+                              <p:cond delay="0"/>
+                            </p:stCondLst>
+                            <p:childTnLst>
+                              <p:par>
+                                <p:cTn id="37" presetID="1" presetClass="entr" presetSubtype="0" fill="hold" nodeType="clickEffect">
+                                  <p:stCondLst>
+                                    <p:cond delay="0"/>
+                                  </p:stCondLst>
+                                  <p:childTnLst>
+                                    <p:set>
+                                      <p:cBhvr>
+                                        <p:cTn id="38" dur="1" fill="hold">
+                                          <p:stCondLst>
+                                            <p:cond delay="0"/>
+                                          </p:stCondLst>
+                                        </p:cTn>
+                                        <p:tgtEl>
+                                          <p:spTgt spid="3">
+                                            <p:txEl>
+                                              <p:pRg st="8" end="8"/>
+                                            </p:txEl>
+                                          </p:spTgt>
+                                        </p:tgtEl>
+                                        <p:attrNameLst>
+                                          <p:attrName>style.visibility</p:attrName>
+                                        </p:attrNameLst>
+                                      </p:cBhvr>
+                                      <p:to>
+                                        <p:strVal val="visible"/>
+                                      </p:to>
+                                    </p:set>
+                                  </p:childTnLst>
+                                </p:cTn>
+                              </p:par>
+                            </p:childTnLst>
+                          </p:cTn>
+                        </p:par>
+                      </p:childTnLst>
+                    </p:cTn>
+                  </p:par>
+                  <p:par>
+                    <p:cTn id="39" fill="hold">
+                      <p:stCondLst>
+                        <p:cond delay="indefinite"/>
+                      </p:stCondLst>
+                      <p:childTnLst>
+                        <p:par>
+                          <p:cTn id="40" fill="hold">
+                            <p:stCondLst>
+                              <p:cond delay="0"/>
+                            </p:stCondLst>
+                            <p:childTnLst>
+                              <p:par>
+                                <p:cTn id="41" presetID="1" presetClass="entr" presetSubtype="0" fill="hold" nodeType="clickEffect">
+                                  <p:stCondLst>
+                                    <p:cond delay="0"/>
+                                  </p:stCondLst>
+                                  <p:childTnLst>
+                                    <p:set>
+                                      <p:cBhvr>
+                                        <p:cTn id="42" dur="1" fill="hold">
+                                          <p:stCondLst>
+                                            <p:cond delay="0"/>
+                                          </p:stCondLst>
+                                        </p:cTn>
+                                        <p:tgtEl>
+                                          <p:spTgt spid="3">
+                                            <p:txEl>
+                                              <p:pRg st="9" end="9"/>
+                                            </p:txEl>
+                                          </p:spTgt>
+                                        </p:tgtEl>
+                                        <p:attrNameLst>
+                                          <p:attrName>style.visibility</p:attrName>
+                                        </p:attrNameLst>
+                                      </p:cBhvr>
+                                      <p:to>
+                                        <p:strVal val="visible"/>
+                                      </p:to>
+                                    </p:set>
+                                  </p:childTnLst>
+                                </p:cTn>
+                              </p:par>
+                            </p:childTnLst>
+                          </p:cTn>
+                        </p:par>
+                      </p:childTnLst>
+                    </p:cTn>
+                  </p:par>
+                </p:childTnLst>
+              </p:cTn>
+              <p:prevCondLst>
+                <p:cond evt="onPrev" delay="0">
+                  <p:tgtEl>
+                    <p:sldTgt/>
+                  </p:tgtEl>
+                </p:cond>
+              </p:prevCondLst>
+              <p:nextCondLst>
+                <p:cond evt="onNext" delay="0">
+                  <p:tgtEl>
+                    <p:sldTgt/>
+                  </p:tgtEl>
+                </p:cond>
+              </p:nextCondLst>
+            </p:seq>
+          </p:childTnLst>
+        </p:cTn>
+      </p:par>
+    </p:tnLst>
+  </p:timing>
 </p:sld>
 </file>
 
